--- a/Project-management/999. Abschlusspräsentation/Abschlusspräsentation 25.02.2025 HomeSphere.pptx
+++ b/Project-management/999. Abschlusspräsentation/Abschlusspräsentation 25.02.2025 HomeSphere.pptx
@@ -6,6 +6,9 @@
   </p:sldMasterIdLst>
   <p:sldIdLst>
     <p:sldId id="256" r:id="rId2"/>
+    <p:sldId id="257" r:id="rId3"/>
+    <p:sldId id="258" r:id="rId4"/>
+    <p:sldId id="259" r:id="rId5"/>
   </p:sldIdLst>
   <p:sldSz cx="12192000" cy="6858000"/>
   <p:notesSz cx="6858000" cy="9144000"/>
@@ -104,7 +107,270 @@
       </a:defRPr>
     </a:lvl9pPr>
   </p:defaultTextStyle>
+  <p:extLst>
+    <p:ext uri="{EFAFB233-063F-42B5-8137-9DF3F51BA10A}">
+      <p15:sldGuideLst xmlns:p15="http://schemas.microsoft.com/office/powerpoint/2012/main"/>
+    </p:ext>
+  </p:extLst>
 </p:presentation>
+</file>
+
+<file path=ppt/revisionInfo.xml><?xml version="1.0" encoding="utf-8"?>
+<p1510:revInfo xmlns:a="http://schemas.openxmlformats.org/drawingml/2006/main" xmlns:r="http://schemas.openxmlformats.org/officeDocument/2006/relationships" xmlns:p1510="http://schemas.microsoft.com/office/powerpoint/2015/10/main">
+  <p1510:revLst>
+    <p1510:client id="{6FC34448-27DE-4F46-AB60-9D3B18F64782}" v="14" dt="2025-02-25T15:00:58.886"/>
+  </p1510:revLst>
+</p1510:revInfo>
+</file>
+
+<file path=ppt/changesInfos/changesInfo1.xml><?xml version="1.0" encoding="utf-8"?>
+<pc:chgInfo xmlns:a="http://schemas.openxmlformats.org/drawingml/2006/main" xmlns:r="http://schemas.openxmlformats.org/officeDocument/2006/relationships" xmlns:ac="http://schemas.microsoft.com/office/drawing/2013/main/command" xmlns:pc="http://schemas.microsoft.com/office/powerpoint/2013/main/command">
+  <pc:docChgLst>
+    <pc:chgData name="Wörndle Linus" userId="e99df0f2-d3c7-483b-b111-e87b6efc6f80" providerId="ADAL" clId="{6FC34448-27DE-4F46-AB60-9D3B18F64782}"/>
+    <pc:docChg chg="undo custSel addSld modSld sldOrd">
+      <pc:chgData name="Wörndle Linus" userId="e99df0f2-d3c7-483b-b111-e87b6efc6f80" providerId="ADAL" clId="{6FC34448-27DE-4F46-AB60-9D3B18F64782}" dt="2025-02-25T15:01:10.181" v="536"/>
+      <pc:docMkLst>
+        <pc:docMk/>
+      </pc:docMkLst>
+      <pc:sldChg chg="addSp delSp modSp mod">
+        <pc:chgData name="Wörndle Linus" userId="e99df0f2-d3c7-483b-b111-e87b6efc6f80" providerId="ADAL" clId="{6FC34448-27DE-4F46-AB60-9D3B18F64782}" dt="2025-02-25T14:54:24.581" v="351" actId="790"/>
+        <pc:sldMkLst>
+          <pc:docMk/>
+          <pc:sldMk cId="392724058" sldId="256"/>
+        </pc:sldMkLst>
+        <pc:spChg chg="del mod">
+          <ac:chgData name="Wörndle Linus" userId="e99df0f2-d3c7-483b-b111-e87b6efc6f80" providerId="ADAL" clId="{6FC34448-27DE-4F46-AB60-9D3B18F64782}" dt="2025-02-25T14:45:09.915" v="7" actId="478"/>
+          <ac:spMkLst>
+            <pc:docMk/>
+            <pc:sldMk cId="392724058" sldId="256"/>
+            <ac:spMk id="2" creationId="{90A5B961-DEFC-619B-0284-CB533773FC3B}"/>
+          </ac:spMkLst>
+        </pc:spChg>
+        <pc:spChg chg="mod">
+          <ac:chgData name="Wörndle Linus" userId="e99df0f2-d3c7-483b-b111-e87b6efc6f80" providerId="ADAL" clId="{6FC34448-27DE-4F46-AB60-9D3B18F64782}" dt="2025-02-25T14:54:24.581" v="351" actId="790"/>
+          <ac:spMkLst>
+            <pc:docMk/>
+            <pc:sldMk cId="392724058" sldId="256"/>
+            <ac:spMk id="3" creationId="{1BD5AEB8-0882-89C1-65B6-BE5A012A34C8}"/>
+          </ac:spMkLst>
+        </pc:spChg>
+        <pc:spChg chg="mod">
+          <ac:chgData name="Wörndle Linus" userId="e99df0f2-d3c7-483b-b111-e87b6efc6f80" providerId="ADAL" clId="{6FC34448-27DE-4F46-AB60-9D3B18F64782}" dt="2025-02-25T14:54:24.581" v="351" actId="790"/>
+          <ac:spMkLst>
+            <pc:docMk/>
+            <pc:sldMk cId="392724058" sldId="256"/>
+            <ac:spMk id="9" creationId="{46B9231A-B34B-4A29-A6AC-532E1EE81575}"/>
+          </ac:spMkLst>
+        </pc:spChg>
+        <pc:picChg chg="add del mod">
+          <ac:chgData name="Wörndle Linus" userId="e99df0f2-d3c7-483b-b111-e87b6efc6f80" providerId="ADAL" clId="{6FC34448-27DE-4F46-AB60-9D3B18F64782}" dt="2025-02-25T14:45:53.664" v="14"/>
+          <ac:picMkLst>
+            <pc:docMk/>
+            <pc:sldMk cId="392724058" sldId="256"/>
+            <ac:picMk id="4" creationId="{15FDA36A-7221-8671-AE55-9DD897DE92B3}"/>
+          </ac:picMkLst>
+        </pc:picChg>
+        <pc:picChg chg="add mod">
+          <ac:chgData name="Wörndle Linus" userId="e99df0f2-d3c7-483b-b111-e87b6efc6f80" providerId="ADAL" clId="{6FC34448-27DE-4F46-AB60-9D3B18F64782}" dt="2025-02-25T14:45:53.664" v="14"/>
+          <ac:picMkLst>
+            <pc:docMk/>
+            <pc:sldMk cId="392724058" sldId="256"/>
+            <ac:picMk id="6" creationId="{8DA0714B-4775-56AF-C637-ED8C8687C320}"/>
+          </ac:picMkLst>
+        </pc:picChg>
+        <pc:picChg chg="add mod">
+          <ac:chgData name="Wörndle Linus" userId="e99df0f2-d3c7-483b-b111-e87b6efc6f80" providerId="ADAL" clId="{6FC34448-27DE-4F46-AB60-9D3B18F64782}" dt="2025-02-25T14:48:24.235" v="19" actId="1076"/>
+          <ac:picMkLst>
+            <pc:docMk/>
+            <pc:sldMk cId="392724058" sldId="256"/>
+            <ac:picMk id="8" creationId="{C43DE14C-BFB1-8D79-A3DA-F5C4D91EA549}"/>
+          </ac:picMkLst>
+        </pc:picChg>
+      </pc:sldChg>
+      <pc:sldChg chg="addSp delSp modSp new mod modTransition setBg">
+        <pc:chgData name="Wörndle Linus" userId="e99df0f2-d3c7-483b-b111-e87b6efc6f80" providerId="ADAL" clId="{6FC34448-27DE-4F46-AB60-9D3B18F64782}" dt="2025-02-25T14:54:24.581" v="351" actId="790"/>
+        <pc:sldMkLst>
+          <pc:docMk/>
+          <pc:sldMk cId="1594867361" sldId="257"/>
+        </pc:sldMkLst>
+        <pc:spChg chg="mod">
+          <ac:chgData name="Wörndle Linus" userId="e99df0f2-d3c7-483b-b111-e87b6efc6f80" providerId="ADAL" clId="{6FC34448-27DE-4F46-AB60-9D3B18F64782}" dt="2025-02-25T14:54:24.581" v="351" actId="790"/>
+          <ac:spMkLst>
+            <pc:docMk/>
+            <pc:sldMk cId="1594867361" sldId="257"/>
+            <ac:spMk id="2" creationId="{E7052301-CAB4-B1C2-7AAA-47B2D00D299F}"/>
+          </ac:spMkLst>
+        </pc:spChg>
+        <pc:spChg chg="del">
+          <ac:chgData name="Wörndle Linus" userId="e99df0f2-d3c7-483b-b111-e87b6efc6f80" providerId="ADAL" clId="{6FC34448-27DE-4F46-AB60-9D3B18F64782}" dt="2025-02-25T14:49:36.355" v="97" actId="478"/>
+          <ac:spMkLst>
+            <pc:docMk/>
+            <pc:sldMk cId="1594867361" sldId="257"/>
+            <ac:spMk id="3" creationId="{A6ED4A4A-CEBA-F811-9188-297725BB4A4B}"/>
+          </ac:spMkLst>
+        </pc:spChg>
+        <pc:spChg chg="mod">
+          <ac:chgData name="Wörndle Linus" userId="e99df0f2-d3c7-483b-b111-e87b6efc6f80" providerId="ADAL" clId="{6FC34448-27DE-4F46-AB60-9D3B18F64782}" dt="2025-02-25T14:54:24.581" v="351" actId="790"/>
+          <ac:spMkLst>
+            <pc:docMk/>
+            <pc:sldMk cId="1594867361" sldId="257"/>
+            <ac:spMk id="4" creationId="{91FBCFDF-6B20-3E29-8052-E43AE40D9F85}"/>
+          </ac:spMkLst>
+        </pc:spChg>
+        <pc:spChg chg="add mod">
+          <ac:chgData name="Wörndle Linus" userId="e99df0f2-d3c7-483b-b111-e87b6efc6f80" providerId="ADAL" clId="{6FC34448-27DE-4F46-AB60-9D3B18F64782}" dt="2025-02-25T14:54:24.581" v="351" actId="790"/>
+          <ac:spMkLst>
+            <pc:docMk/>
+            <pc:sldMk cId="1594867361" sldId="257"/>
+            <ac:spMk id="12" creationId="{406BD704-01C2-4341-B99A-116CC7EC56EF}"/>
+          </ac:spMkLst>
+        </pc:spChg>
+        <pc:spChg chg="add mod">
+          <ac:chgData name="Wörndle Linus" userId="e99df0f2-d3c7-483b-b111-e87b6efc6f80" providerId="ADAL" clId="{6FC34448-27DE-4F46-AB60-9D3B18F64782}" dt="2025-02-25T14:54:24.581" v="351" actId="790"/>
+          <ac:spMkLst>
+            <pc:docMk/>
+            <pc:sldMk cId="1594867361" sldId="257"/>
+            <ac:spMk id="14" creationId="{0225C01B-A296-4FAA-AA46-794F27DF6934}"/>
+          </ac:spMkLst>
+        </pc:spChg>
+        <pc:picChg chg="add mod ord">
+          <ac:chgData name="Wörndle Linus" userId="e99df0f2-d3c7-483b-b111-e87b6efc6f80" providerId="ADAL" clId="{6FC34448-27DE-4F46-AB60-9D3B18F64782}" dt="2025-02-25T14:49:39.900" v="98" actId="26606"/>
+          <ac:picMkLst>
+            <pc:docMk/>
+            <pc:sldMk cId="1594867361" sldId="257"/>
+            <ac:picMk id="5" creationId="{E749221B-DAA3-BE92-1F09-D5DAD06B6354}"/>
+          </ac:picMkLst>
+        </pc:picChg>
+        <pc:picChg chg="add mod">
+          <ac:chgData name="Wörndle Linus" userId="e99df0f2-d3c7-483b-b111-e87b6efc6f80" providerId="ADAL" clId="{6FC34448-27DE-4F46-AB60-9D3B18F64782}" dt="2025-02-25T14:49:54.964" v="99"/>
+          <ac:picMkLst>
+            <pc:docMk/>
+            <pc:sldMk cId="1594867361" sldId="257"/>
+            <ac:picMk id="6" creationId="{EA1539C7-B53A-46C4-9D32-4ED8D1C74B57}"/>
+          </ac:picMkLst>
+        </pc:picChg>
+        <pc:picChg chg="add mod">
+          <ac:chgData name="Wörndle Linus" userId="e99df0f2-d3c7-483b-b111-e87b6efc6f80" providerId="ADAL" clId="{6FC34448-27DE-4F46-AB60-9D3B18F64782}" dt="2025-02-25T14:52:24.012" v="328" actId="1076"/>
+          <ac:picMkLst>
+            <pc:docMk/>
+            <pc:sldMk cId="1594867361" sldId="257"/>
+            <ac:picMk id="7" creationId="{67C38613-9464-5BD9-EEB2-A9E9ADF1BF0E}"/>
+          </ac:picMkLst>
+        </pc:picChg>
+        <pc:cxnChg chg="add">
+          <ac:chgData name="Wörndle Linus" userId="e99df0f2-d3c7-483b-b111-e87b6efc6f80" providerId="ADAL" clId="{6FC34448-27DE-4F46-AB60-9D3B18F64782}" dt="2025-02-25T14:49:39.900" v="98" actId="26606"/>
+          <ac:cxnSpMkLst>
+            <pc:docMk/>
+            <pc:sldMk cId="1594867361" sldId="257"/>
+            <ac:cxnSpMk id="10" creationId="{118E06E4-607B-144B-382B-AD3D06B1EE8C}"/>
+          </ac:cxnSpMkLst>
+        </pc:cxnChg>
+        <pc:cxnChg chg="add">
+          <ac:chgData name="Wörndle Linus" userId="e99df0f2-d3c7-483b-b111-e87b6efc6f80" providerId="ADAL" clId="{6FC34448-27DE-4F46-AB60-9D3B18F64782}" dt="2025-02-25T14:49:39.900" v="98" actId="26606"/>
+          <ac:cxnSpMkLst>
+            <pc:docMk/>
+            <pc:sldMk cId="1594867361" sldId="257"/>
+            <ac:cxnSpMk id="16" creationId="{62713E66-598D-4B8A-9D2A-67C7AF46EF11}"/>
+          </ac:cxnSpMkLst>
+        </pc:cxnChg>
+      </pc:sldChg>
+      <pc:sldChg chg="addSp delSp modSp new mod setBg">
+        <pc:chgData name="Wörndle Linus" userId="e99df0f2-d3c7-483b-b111-e87b6efc6f80" providerId="ADAL" clId="{6FC34448-27DE-4F46-AB60-9D3B18F64782}" dt="2025-02-25T14:54:44.228" v="377" actId="404"/>
+        <pc:sldMkLst>
+          <pc:docMk/>
+          <pc:sldMk cId="3464076384" sldId="258"/>
+        </pc:sldMkLst>
+        <pc:spChg chg="mod">
+          <ac:chgData name="Wörndle Linus" userId="e99df0f2-d3c7-483b-b111-e87b6efc6f80" providerId="ADAL" clId="{6FC34448-27DE-4F46-AB60-9D3B18F64782}" dt="2025-02-25T14:54:44.228" v="377" actId="404"/>
+          <ac:spMkLst>
+            <pc:docMk/>
+            <pc:sldMk cId="3464076384" sldId="258"/>
+            <ac:spMk id="2" creationId="{EE1BB82C-C4C6-F021-1684-4EC5105BB04C}"/>
+          </ac:spMkLst>
+        </pc:spChg>
+        <pc:spChg chg="add mod">
+          <ac:chgData name="Wörndle Linus" userId="e99df0f2-d3c7-483b-b111-e87b6efc6f80" providerId="ADAL" clId="{6FC34448-27DE-4F46-AB60-9D3B18F64782}" dt="2025-02-25T14:54:24.581" v="351" actId="790"/>
+          <ac:spMkLst>
+            <pc:docMk/>
+            <pc:sldMk cId="3464076384" sldId="258"/>
+            <ac:spMk id="9" creationId="{19F9BF86-FE94-4517-B97D-026C7515E589}"/>
+          </ac:spMkLst>
+        </pc:spChg>
+        <pc:picChg chg="add del mod ord">
+          <ac:chgData name="Wörndle Linus" userId="e99df0f2-d3c7-483b-b111-e87b6efc6f80" providerId="ADAL" clId="{6FC34448-27DE-4F46-AB60-9D3B18F64782}" dt="2025-02-25T14:53:47.001" v="344" actId="478"/>
+          <ac:picMkLst>
+            <pc:docMk/>
+            <pc:sldMk cId="3464076384" sldId="258"/>
+            <ac:picMk id="3" creationId="{22D9E563-8BA9-F58E-75B9-77E618F01DB7}"/>
+          </ac:picMkLst>
+        </pc:picChg>
+        <pc:picChg chg="add mod ord">
+          <ac:chgData name="Wörndle Linus" userId="e99df0f2-d3c7-483b-b111-e87b6efc6f80" providerId="ADAL" clId="{6FC34448-27DE-4F46-AB60-9D3B18F64782}" dt="2025-02-25T14:54:07.262" v="350" actId="170"/>
+          <ac:picMkLst>
+            <pc:docMk/>
+            <pc:sldMk cId="3464076384" sldId="258"/>
+            <ac:picMk id="4" creationId="{66E37639-2ABE-5675-75BE-4659A926A6DA}"/>
+          </ac:picMkLst>
+        </pc:picChg>
+        <pc:cxnChg chg="add">
+          <ac:chgData name="Wörndle Linus" userId="e99df0f2-d3c7-483b-b111-e87b6efc6f80" providerId="ADAL" clId="{6FC34448-27DE-4F46-AB60-9D3B18F64782}" dt="2025-02-25T14:53:21.585" v="331" actId="26606"/>
+          <ac:cxnSpMkLst>
+            <pc:docMk/>
+            <pc:sldMk cId="3464076384" sldId="258"/>
+            <ac:cxnSpMk id="7" creationId="{118E06E4-607B-144B-382B-AD3D06B1EE8C}"/>
+          </ac:cxnSpMkLst>
+        </pc:cxnChg>
+        <pc:cxnChg chg="add">
+          <ac:chgData name="Wörndle Linus" userId="e99df0f2-d3c7-483b-b111-e87b6efc6f80" providerId="ADAL" clId="{6FC34448-27DE-4F46-AB60-9D3B18F64782}" dt="2025-02-25T14:53:21.585" v="331" actId="26606"/>
+          <ac:cxnSpMkLst>
+            <pc:docMk/>
+            <pc:sldMk cId="3464076384" sldId="258"/>
+            <ac:cxnSpMk id="11" creationId="{5E10C1D6-7EDE-467F-89EA-E0244EB62381}"/>
+          </ac:cxnSpMkLst>
+        </pc:cxnChg>
+      </pc:sldChg>
+      <pc:sldChg chg="addSp modSp add mod ord">
+        <pc:chgData name="Wörndle Linus" userId="e99df0f2-d3c7-483b-b111-e87b6efc6f80" providerId="ADAL" clId="{6FC34448-27DE-4F46-AB60-9D3B18F64782}" dt="2025-02-25T15:01:10.181" v="536"/>
+        <pc:sldMkLst>
+          <pc:docMk/>
+          <pc:sldMk cId="2772175653" sldId="259"/>
+        </pc:sldMkLst>
+        <pc:spChg chg="mod">
+          <ac:chgData name="Wörndle Linus" userId="e99df0f2-d3c7-483b-b111-e87b6efc6f80" providerId="ADAL" clId="{6FC34448-27DE-4F46-AB60-9D3B18F64782}" dt="2025-02-25T14:56:37.410" v="449" actId="20577"/>
+          <ac:spMkLst>
+            <pc:docMk/>
+            <pc:sldMk cId="2772175653" sldId="259"/>
+            <ac:spMk id="2" creationId="{256534F8-DA7C-7782-37A3-40FA0E096198}"/>
+          </ac:spMkLst>
+        </pc:spChg>
+        <pc:spChg chg="add">
+          <ac:chgData name="Wörndle Linus" userId="e99df0f2-d3c7-483b-b111-e87b6efc6f80" providerId="ADAL" clId="{6FC34448-27DE-4F46-AB60-9D3B18F64782}" dt="2025-02-25T15:00:48.615" v="526"/>
+          <ac:spMkLst>
+            <pc:docMk/>
+            <pc:sldMk cId="2772175653" sldId="259"/>
+            <ac:spMk id="3" creationId="{D45DBACA-2E6D-634B-BA7E-982C264F56F4}"/>
+          </ac:spMkLst>
+        </pc:spChg>
+        <pc:spChg chg="mod">
+          <ac:chgData name="Wörndle Linus" userId="e99df0f2-d3c7-483b-b111-e87b6efc6f80" providerId="ADAL" clId="{6FC34448-27DE-4F46-AB60-9D3B18F64782}" dt="2025-02-25T15:01:10.181" v="536"/>
+          <ac:spMkLst>
+            <pc:docMk/>
+            <pc:sldMk cId="2772175653" sldId="259"/>
+            <ac:spMk id="4" creationId="{A0C77077-9A7E-C4F5-81C5-A4A155F3BDEB}"/>
+          </ac:spMkLst>
+        </pc:spChg>
+        <pc:spChg chg="add">
+          <ac:chgData name="Wörndle Linus" userId="e99df0f2-d3c7-483b-b111-e87b6efc6f80" providerId="ADAL" clId="{6FC34448-27DE-4F46-AB60-9D3B18F64782}" dt="2025-02-25T15:00:57.690" v="527"/>
+          <ac:spMkLst>
+            <pc:docMk/>
+            <pc:sldMk cId="2772175653" sldId="259"/>
+            <ac:spMk id="6" creationId="{4199D39D-CE6E-D64A-6E8E-DAEB6ADEAB3B}"/>
+          </ac:spMkLst>
+        </pc:spChg>
+      </pc:sldChg>
+    </pc:docChg>
+  </pc:docChgLst>
+</pc:chgInfo>
 </file>
 
 <file path=ppt/slideLayouts/slideLayout1.xml><?xml version="1.0" encoding="utf-8"?>
@@ -263,7 +529,7 @@
           <a:p>
             <a:fld id="{6444479B-705B-4489-957E-7E8A228BDFA0}" type="datetime1">
               <a:rPr lang="en-US" smtClean="0"/>
-              <a:t>2/24/2025</a:t>
+              <a:t>2/25/2025</a:t>
             </a:fld>
             <a:endParaRPr lang="en-US"/>
           </a:p>
@@ -463,7 +729,7 @@
           <a:p>
             <a:fld id="{C07B66AD-7C08-490A-ADA4-B47E10FB2407}" type="datetime1">
               <a:rPr lang="en-US" smtClean="0"/>
-              <a:t>2/24/2025</a:t>
+              <a:t>2/25/2025</a:t>
             </a:fld>
             <a:endParaRPr lang="en-US"/>
           </a:p>
@@ -722,7 +988,7 @@
           <a:p>
             <a:fld id="{05B95027-4255-49E7-9841-CD21BCC99996}" type="datetime1">
               <a:rPr lang="en-US" smtClean="0"/>
-              <a:t>2/24/2025</a:t>
+              <a:t>2/25/2025</a:t>
             </a:fld>
             <a:endParaRPr lang="en-US"/>
           </a:p>
@@ -963,7 +1229,7 @@
           <a:p>
             <a:fld id="{9F89F774-3FA6-43B8-9241-99959C8FD463}" type="datetime1">
               <a:rPr lang="en-US" smtClean="0"/>
-              <a:t>2/24/2025</a:t>
+              <a:t>2/25/2025</a:t>
             </a:fld>
             <a:endParaRPr lang="en-US"/>
           </a:p>
@@ -1290,7 +1556,7 @@
           <a:p>
             <a:fld id="{F9504452-5DCC-4FE2-A5C9-8A5EF6714D65}" type="datetime1">
               <a:rPr lang="en-US" smtClean="0"/>
-              <a:t>2/24/2025</a:t>
+              <a:t>2/25/2025</a:t>
             </a:fld>
             <a:endParaRPr lang="en-US"/>
           </a:p>
@@ -1600,7 +1866,7 @@
           <a:p>
             <a:fld id="{E579ABC2-0180-4F3A-A895-A85BC724D472}" type="datetime1">
               <a:rPr lang="en-US" smtClean="0"/>
-              <a:t>2/24/2025</a:t>
+              <a:t>2/25/2025</a:t>
             </a:fld>
             <a:endParaRPr lang="en-US"/>
           </a:p>
@@ -2018,7 +2284,7 @@
           <a:p>
             <a:fld id="{6AEEA9BA-4E8F-439E-BEA4-91FBA01E3F5F}" type="datetime1">
               <a:rPr lang="en-US" smtClean="0"/>
-              <a:t>2/24/2025</a:t>
+              <a:t>2/25/2025</a:t>
             </a:fld>
             <a:endParaRPr lang="en-US"/>
           </a:p>
@@ -2160,7 +2426,7 @@
           <a:p>
             <a:fld id="{BE15BF18-0007-481C-AA29-413124BC3EE7}" type="datetime1">
               <a:rPr lang="en-US" smtClean="0"/>
-              <a:t>2/24/2025</a:t>
+              <a:t>2/25/2025</a:t>
             </a:fld>
             <a:endParaRPr lang="en-US"/>
           </a:p>
@@ -2322,7 +2588,7 @@
           <a:p>
             <a:fld id="{09BE9870-3748-43AD-B547-02A075CB4A1D}" type="datetime1">
               <a:rPr lang="en-US" smtClean="0"/>
-              <a:t>2/24/2025</a:t>
+              <a:t>2/25/2025</a:t>
             </a:fld>
             <a:endParaRPr lang="en-US"/>
           </a:p>
@@ -2639,7 +2905,7 @@
           <a:p>
             <a:fld id="{558E7897-33C5-4F1A-9307-D068E37F3DC7}" type="datetime1">
               <a:rPr lang="en-US" smtClean="0"/>
-              <a:t>2/24/2025</a:t>
+              <a:t>2/25/2025</a:t>
             </a:fld>
             <a:endParaRPr lang="en-US"/>
           </a:p>
@@ -2934,7 +3200,7 @@
           <a:p>
             <a:fld id="{82E171BA-CC09-47C8-A6DF-F5C5CB59CEEC}" type="datetime1">
               <a:rPr lang="en-US" smtClean="0"/>
-              <a:t>2/24/2025</a:t>
+              <a:t>2/25/2025</a:t>
             </a:fld>
             <a:endParaRPr lang="en-US"/>
           </a:p>
@@ -3175,7 +3441,7 @@
           <a:p>
             <a:fld id="{7DA38F49-B3E2-4BF0-BEC7-C30D34ABBB8D}" type="datetime1">
               <a:rPr lang="en-US" smtClean="0"/>
-              <a:t>2/24/2025</a:t>
+              <a:t>2/25/2025</a:t>
             </a:fld>
             <a:endParaRPr lang="en-US"/>
           </a:p>
@@ -3716,7 +3982,7 @@
           <a:lstStyle/>
           <a:p>
             <a:pPr algn="ctr"/>
-            <a:endParaRPr lang="en-US"/>
+            <a:endParaRPr lang="de-AT" noProof="0" dirty="0"/>
           </a:p>
         </p:txBody>
       </p:sp>
@@ -3753,24 +4019,24 @@
       </p:pic>
       <p:sp>
         <p:nvSpPr>
-          <p:cNvPr id="2" name="Titel 1">
-            <a:extLst>
-              <a:ext uri="{FF2B5EF4-FFF2-40B4-BE49-F238E27FC236}">
-                <a16:creationId xmlns:a16="http://schemas.microsoft.com/office/drawing/2014/main" id="{90A5B961-DEFC-619B-0284-CB533773FC3B}"/>
-              </a:ext>
-            </a:extLst>
-          </p:cNvPr>
-          <p:cNvSpPr>
-            <a:spLocks noGrp="1"/>
-          </p:cNvSpPr>
-          <p:nvPr>
-            <p:ph type="ctrTitle"/>
+          <p:cNvPr id="3" name="Untertitel 2">
+            <a:extLst>
+              <a:ext uri="{FF2B5EF4-FFF2-40B4-BE49-F238E27FC236}">
+                <a16:creationId xmlns:a16="http://schemas.microsoft.com/office/drawing/2014/main" id="{1BD5AEB8-0882-89C1-65B6-BE5A012A34C8}"/>
+              </a:ext>
+            </a:extLst>
+          </p:cNvPr>
+          <p:cNvSpPr>
+            <a:spLocks noGrp="1"/>
+          </p:cNvSpPr>
+          <p:nvPr>
+            <p:ph type="subTitle" idx="1"/>
           </p:nvPr>
         </p:nvSpPr>
         <p:spPr>
           <a:xfrm>
-            <a:off x="640080" y="985233"/>
-            <a:ext cx="5758628" cy="3355853"/>
+            <a:off x="713232" y="5205197"/>
+            <a:ext cx="4439920" cy="1401974"/>
           </a:xfrm>
         </p:spPr>
         <p:txBody>
@@ -3779,47 +4045,47 @@
           </a:bodyPr>
           <a:lstStyle/>
           <a:p>
-            <a:endParaRPr lang="de-AT" sz="6000">
+            <a:r>
+              <a:rPr lang="de-AT" noProof="0" dirty="0">
+                <a:solidFill>
+                  <a:srgbClr val="FFFFFF"/>
+                </a:solidFill>
+              </a:rPr>
+              <a:t>PL: Linus Wörndle</a:t>
+            </a:r>
+          </a:p>
+          <a:p>
+            <a:r>
+              <a:rPr lang="de-AT" noProof="0" dirty="0">
+                <a:solidFill>
+                  <a:srgbClr val="FFFFFF"/>
+                </a:solidFill>
+              </a:rPr>
+              <a:t>PTM1: Christian </a:t>
+            </a:r>
+            <a:r>
+              <a:rPr lang="de-AT" noProof="0" dirty="0" err="1">
+                <a:solidFill>
+                  <a:srgbClr val="FFFFFF"/>
+                </a:solidFill>
+              </a:rPr>
+              <a:t>Schallner</a:t>
+            </a:r>
+            <a:endParaRPr lang="de-AT" noProof="0" dirty="0">
               <a:solidFill>
                 <a:srgbClr val="FFFFFF"/>
               </a:solidFill>
             </a:endParaRPr>
           </a:p>
-        </p:txBody>
-      </p:sp>
-      <p:sp>
-        <p:nvSpPr>
-          <p:cNvPr id="3" name="Untertitel 2">
-            <a:extLst>
-              <a:ext uri="{FF2B5EF4-FFF2-40B4-BE49-F238E27FC236}">
-                <a16:creationId xmlns:a16="http://schemas.microsoft.com/office/drawing/2014/main" id="{1BD5AEB8-0882-89C1-65B6-BE5A012A34C8}"/>
-              </a:ext>
-            </a:extLst>
-          </p:cNvPr>
-          <p:cNvSpPr>
-            <a:spLocks noGrp="1"/>
-          </p:cNvSpPr>
-          <p:nvPr>
-            <p:ph type="subTitle" idx="1"/>
-          </p:nvPr>
-        </p:nvSpPr>
-        <p:spPr>
-          <a:xfrm>
-            <a:off x="640080" y="5251621"/>
-            <a:ext cx="4439920" cy="1104721"/>
-          </a:xfrm>
-        </p:spPr>
-        <p:txBody>
-          <a:bodyPr anchor="t">
-            <a:normAutofit/>
-          </a:bodyPr>
-          <a:lstStyle/>
-          <a:p>
-            <a:endParaRPr lang="de-AT">
-              <a:solidFill>
-                <a:srgbClr val="FFFFFF"/>
-              </a:solidFill>
-            </a:endParaRPr>
+          <a:p>
+            <a:r>
+              <a:rPr lang="de-AT" noProof="0" dirty="0">
+                <a:solidFill>
+                  <a:srgbClr val="FFFFFF"/>
+                </a:solidFill>
+              </a:rPr>
+              <a:t>PTM2: Fabian Lampert</a:t>
+            </a:r>
           </a:p>
         </p:txBody>
       </p:sp>
@@ -3871,6 +4137,42 @@
           </a:fontRef>
         </p:style>
       </p:cxnSp>
+      <p:pic>
+        <p:nvPicPr>
+          <p:cNvPr id="8" name="Grafik 7" descr="Ein Bild, das Schrift, Grafiken, Text, Grafikdesign enthält.&#10;&#10;KI-generierte Inhalte können fehlerhaft sein.">
+            <a:extLst>
+              <a:ext uri="{FF2B5EF4-FFF2-40B4-BE49-F238E27FC236}">
+                <a16:creationId xmlns:a16="http://schemas.microsoft.com/office/drawing/2014/main" id="{C43DE14C-BFB1-8D79-A3DA-F5C4D91EA549}"/>
+              </a:ext>
+            </a:extLst>
+          </p:cNvPr>
+          <p:cNvPicPr>
+            <a:picLocks noChangeAspect="1"/>
+          </p:cNvPicPr>
+          <p:nvPr/>
+        </p:nvPicPr>
+        <p:blipFill>
+          <a:blip r:embed="rId3">
+            <a:extLst>
+              <a:ext uri="{28A0092B-C50C-407E-A947-70E740481C1C}">
+                <a14:useLocalDpi xmlns:a14="http://schemas.microsoft.com/office/drawing/2010/main" val="0"/>
+              </a:ext>
+            </a:extLst>
+          </a:blip>
+          <a:stretch>
+            <a:fillRect/>
+          </a:stretch>
+        </p:blipFill>
+        <p:spPr>
+          <a:xfrm>
+            <a:off x="1731340" y="2464714"/>
+            <a:ext cx="8729320" cy="1928571"/>
+          </a:xfrm>
+          <a:prstGeom prst="rect">
+            <a:avLst/>
+          </a:prstGeom>
+        </p:spPr>
+      </p:pic>
     </p:spTree>
     <p:extLst>
       <p:ext uri="{BB962C8B-B14F-4D97-AF65-F5344CB8AC3E}">
@@ -3881,6 +4183,1203 @@
   <p:clrMapOvr>
     <a:overrideClrMapping bg1="dk1" tx1="lt1" bg2="dk2" tx2="lt2" accent1="accent1" accent2="accent2" accent3="accent3" accent4="accent4" accent5="accent5" accent6="accent6" hlink="hlink" folHlink="folHlink"/>
   </p:clrMapOvr>
+</p:sld>
+</file>
+
+<file path=ppt/slides/slide2.xml><?xml version="1.0" encoding="utf-8"?>
+<p:sld xmlns:a="http://schemas.openxmlformats.org/drawingml/2006/main" xmlns:r="http://schemas.openxmlformats.org/officeDocument/2006/relationships" xmlns:p="http://schemas.openxmlformats.org/presentationml/2006/main">
+  <p:cSld>
+    <p:bg>
+      <p:bgPr>
+        <a:solidFill>
+          <a:schemeClr val="bg1"/>
+        </a:solidFill>
+        <a:effectLst/>
+      </p:bgPr>
+    </p:bg>
+    <p:spTree>
+      <p:nvGrpSpPr>
+        <p:cNvPr id="1" name=""/>
+        <p:cNvGrpSpPr/>
+        <p:nvPr/>
+      </p:nvGrpSpPr>
+      <p:grpSpPr>
+        <a:xfrm>
+          <a:off x="0" y="0"/>
+          <a:ext cx="0" cy="0"/>
+          <a:chOff x="0" y="0"/>
+          <a:chExt cx="0" cy="0"/>
+        </a:xfrm>
+      </p:grpSpPr>
+      <p:cxnSp>
+        <p:nvCxnSpPr>
+          <p:cNvPr id="10" name="Straight Connector 9">
+            <a:extLst>
+              <a:ext uri="{FF2B5EF4-FFF2-40B4-BE49-F238E27FC236}">
+                <a16:creationId xmlns:a16="http://schemas.microsoft.com/office/drawing/2014/main" id="{118E06E4-607B-144B-382B-AD3D06B1EE8C}"/>
+              </a:ext>
+              <a:ext uri="{C183D7F6-B498-43B3-948B-1728B52AA6E4}">
+                <adec:decorative xmlns:adec="http://schemas.microsoft.com/office/drawing/2017/decorative" val="1"/>
+              </a:ext>
+            </a:extLst>
+          </p:cNvPr>
+          <p:cNvCxnSpPr>
+            <a:cxnSpLocks noGrp="1" noRot="1" noChangeAspect="1" noMove="1" noResize="1" noEditPoints="1" noAdjustHandles="1" noChangeArrowheads="1" noChangeShapeType="1"/>
+          </p:cNvCxnSpPr>
+          <p:nvPr>
+            <p:extLst>
+              <p:ext uri="{386F3935-93C4-4BCD-93E2-E3B085C9AB24}">
+                <p16:designElem xmlns:p16="http://schemas.microsoft.com/office/powerpoint/2015/main" val="1"/>
+              </p:ext>
+            </p:extLst>
+          </p:nvPr>
+        </p:nvCxnSpPr>
+        <p:spPr>
+          <a:xfrm>
+            <a:off x="713232" y="1031001"/>
+            <a:ext cx="978862" cy="0"/>
+          </a:xfrm>
+          <a:prstGeom prst="line">
+            <a:avLst/>
+          </a:prstGeom>
+          <a:ln w="76200"/>
+        </p:spPr>
+        <p:style>
+          <a:lnRef idx="1">
+            <a:schemeClr val="accent1"/>
+          </a:lnRef>
+          <a:fillRef idx="0">
+            <a:schemeClr val="accent1"/>
+          </a:fillRef>
+          <a:effectRef idx="0">
+            <a:schemeClr val="accent1"/>
+          </a:effectRef>
+          <a:fontRef idx="minor">
+            <a:schemeClr val="tx1"/>
+          </a:fontRef>
+        </p:style>
+      </p:cxnSp>
+      <p:sp useBgFill="1">
+        <p:nvSpPr>
+          <p:cNvPr id="12" name="Rectangle 11">
+            <a:extLst>
+              <a:ext uri="{FF2B5EF4-FFF2-40B4-BE49-F238E27FC236}">
+                <a16:creationId xmlns:a16="http://schemas.microsoft.com/office/drawing/2014/main" id="{406BD704-01C2-4341-B99A-116CC7EC56EF}"/>
+              </a:ext>
+              <a:ext uri="{C183D7F6-B498-43B3-948B-1728B52AA6E4}">
+                <adec:decorative xmlns:adec="http://schemas.microsoft.com/office/drawing/2017/decorative" val="1"/>
+              </a:ext>
+            </a:extLst>
+          </p:cNvPr>
+          <p:cNvSpPr>
+            <a:spLocks noGrp="1" noRot="1" noChangeAspect="1" noMove="1" noResize="1" noEditPoints="1" noAdjustHandles="1" noChangeArrowheads="1" noChangeShapeType="1" noTextEdit="1"/>
+          </p:cNvSpPr>
+          <p:nvPr>
+            <p:extLst>
+              <p:ext uri="{386F3935-93C4-4BCD-93E2-E3B085C9AB24}">
+                <p16:designElem xmlns:p16="http://schemas.microsoft.com/office/powerpoint/2015/main" val="1"/>
+              </p:ext>
+            </p:extLst>
+          </p:nvPr>
+        </p:nvSpPr>
+        <p:spPr>
+          <a:xfrm>
+            <a:off x="0" y="0"/>
+            <a:ext cx="12192000" cy="6858000"/>
+          </a:xfrm>
+          <a:prstGeom prst="rect">
+            <a:avLst/>
+          </a:prstGeom>
+          <a:ln w="12700" cap="flat" cmpd="sng" algn="ctr">
+            <a:noFill/>
+            <a:prstDash val="solid"/>
+            <a:miter lim="800000"/>
+          </a:ln>
+          <a:effectLst/>
+          <a:extLst>
+            <a:ext uri="{91240B29-F687-4F45-9708-019B960494DF}">
+              <a14:hiddenLine xmlns:a14="http://schemas.microsoft.com/office/drawing/2010/main" w="12700" cap="flat" cmpd="sng" algn="ctr">
+                <a:solidFill>
+                  <a:schemeClr val="accent1">
+                    <a:shade val="50000"/>
+                  </a:schemeClr>
+                </a:solidFill>
+                <a:prstDash val="solid"/>
+                <a:miter lim="800000"/>
+              </a14:hiddenLine>
+            </a:ext>
+          </a:extLst>
+        </p:spPr>
+        <p:style>
+          <a:lnRef idx="2">
+            <a:schemeClr val="accent1">
+              <a:shade val="50000"/>
+            </a:schemeClr>
+          </a:lnRef>
+          <a:fillRef idx="1">
+            <a:schemeClr val="accent1"/>
+          </a:fillRef>
+          <a:effectRef idx="0">
+            <a:schemeClr val="accent1"/>
+          </a:effectRef>
+          <a:fontRef idx="minor">
+            <a:schemeClr val="lt1"/>
+          </a:fontRef>
+        </p:style>
+        <p:txBody>
+          <a:bodyPr rtlCol="0" anchor="ctr"/>
+          <a:lstStyle/>
+          <a:p>
+            <a:pPr algn="ctr"/>
+            <a:endParaRPr lang="de-AT" noProof="0" dirty="0"/>
+          </a:p>
+        </p:txBody>
+      </p:sp>
+      <p:pic>
+        <p:nvPicPr>
+          <p:cNvPr id="5" name="Picture 3" descr="Ein Bild, das Himmel, Wolke, Blau, Screenshot enthält.&#10;&#10;KI-generierte Inhalte können fehlerhaft sein.">
+            <a:extLst>
+              <a:ext uri="{FF2B5EF4-FFF2-40B4-BE49-F238E27FC236}">
+                <a16:creationId xmlns:a16="http://schemas.microsoft.com/office/drawing/2014/main" id="{E749221B-DAA3-BE92-1F09-D5DAD06B6354}"/>
+              </a:ext>
+            </a:extLst>
+          </p:cNvPr>
+          <p:cNvPicPr>
+            <a:picLocks noChangeAspect="1"/>
+          </p:cNvPicPr>
+          <p:nvPr/>
+        </p:nvPicPr>
+        <p:blipFill>
+          <a:blip r:embed="rId2"/>
+          <a:srcRect t="25000"/>
+          <a:stretch/>
+        </p:blipFill>
+        <p:spPr>
+          <a:xfrm>
+            <a:off x="20" y="10"/>
+            <a:ext cx="12191980" cy="6857990"/>
+          </a:xfrm>
+          <a:prstGeom prst="rect">
+            <a:avLst/>
+          </a:prstGeom>
+        </p:spPr>
+      </p:pic>
+      <p:sp useBgFill="1">
+        <p:nvSpPr>
+          <p:cNvPr id="14" name="Rectangle 13">
+            <a:extLst>
+              <a:ext uri="{FF2B5EF4-FFF2-40B4-BE49-F238E27FC236}">
+                <a16:creationId xmlns:a16="http://schemas.microsoft.com/office/drawing/2014/main" id="{0225C01B-A296-4FAA-AA46-794F27DF6934}"/>
+              </a:ext>
+              <a:ext uri="{C183D7F6-B498-43B3-948B-1728B52AA6E4}">
+                <adec:decorative xmlns:adec="http://schemas.microsoft.com/office/drawing/2017/decorative" val="1"/>
+              </a:ext>
+            </a:extLst>
+          </p:cNvPr>
+          <p:cNvSpPr>
+            <a:spLocks noGrp="1" noRot="1" noChangeAspect="1" noMove="1" noResize="1" noEditPoints="1" noAdjustHandles="1" noChangeArrowheads="1" noChangeShapeType="1" noTextEdit="1"/>
+          </p:cNvSpPr>
+          <p:nvPr>
+            <p:extLst>
+              <p:ext uri="{386F3935-93C4-4BCD-93E2-E3B085C9AB24}">
+                <p16:designElem xmlns:p16="http://schemas.microsoft.com/office/powerpoint/2015/main" val="1"/>
+              </p:ext>
+            </p:extLst>
+          </p:nvPr>
+        </p:nvSpPr>
+        <p:spPr>
+          <a:xfrm>
+            <a:off x="454894" y="979075"/>
+            <a:ext cx="5777024" cy="5074920"/>
+          </a:xfrm>
+          <a:prstGeom prst="rect">
+            <a:avLst/>
+          </a:prstGeom>
+          <a:ln>
+            <a:noFill/>
+          </a:ln>
+        </p:spPr>
+        <p:style>
+          <a:lnRef idx="2">
+            <a:schemeClr val="accent1">
+              <a:shade val="50000"/>
+            </a:schemeClr>
+          </a:lnRef>
+          <a:fillRef idx="1">
+            <a:schemeClr val="accent1"/>
+          </a:fillRef>
+          <a:effectRef idx="0">
+            <a:schemeClr val="accent1"/>
+          </a:effectRef>
+          <a:fontRef idx="minor">
+            <a:schemeClr val="lt1"/>
+          </a:fontRef>
+        </p:style>
+        <p:txBody>
+          <a:bodyPr rtlCol="0" anchor="ctr"/>
+          <a:lstStyle/>
+          <a:p>
+            <a:pPr algn="ctr"/>
+            <a:endParaRPr lang="de-AT" noProof="0" dirty="0"/>
+          </a:p>
+        </p:txBody>
+      </p:sp>
+      <p:sp>
+        <p:nvSpPr>
+          <p:cNvPr id="2" name="Titel 1">
+            <a:extLst>
+              <a:ext uri="{FF2B5EF4-FFF2-40B4-BE49-F238E27FC236}">
+                <a16:creationId xmlns:a16="http://schemas.microsoft.com/office/drawing/2014/main" id="{E7052301-CAB4-B1C2-7AAA-47B2D00D299F}"/>
+              </a:ext>
+            </a:extLst>
+          </p:cNvPr>
+          <p:cNvSpPr>
+            <a:spLocks noGrp="1"/>
+          </p:cNvSpPr>
+          <p:nvPr>
+            <p:ph type="title"/>
+          </p:nvPr>
+        </p:nvSpPr>
+        <p:spPr>
+          <a:xfrm>
+            <a:off x="1049451" y="1352492"/>
+            <a:ext cx="4665540" cy="657573"/>
+          </a:xfrm>
+        </p:spPr>
+        <p:txBody>
+          <a:bodyPr vert="horz" lIns="91440" tIns="45720" rIns="91440" bIns="45720" rtlCol="0" anchor="t">
+            <a:normAutofit fontScale="90000"/>
+          </a:bodyPr>
+          <a:lstStyle/>
+          <a:p>
+            <a:r>
+              <a:rPr lang="de-AT" sz="4000" noProof="0" dirty="0"/>
+              <a:t>Themen</a:t>
+            </a:r>
+          </a:p>
+        </p:txBody>
+      </p:sp>
+      <p:sp>
+        <p:nvSpPr>
+          <p:cNvPr id="4" name="Textplatzhalter 3">
+            <a:extLst>
+              <a:ext uri="{FF2B5EF4-FFF2-40B4-BE49-F238E27FC236}">
+                <a16:creationId xmlns:a16="http://schemas.microsoft.com/office/drawing/2014/main" id="{91FBCFDF-6B20-3E29-8052-E43AE40D9F85}"/>
+              </a:ext>
+            </a:extLst>
+          </p:cNvPr>
+          <p:cNvSpPr>
+            <a:spLocks noGrp="1"/>
+          </p:cNvSpPr>
+          <p:nvPr>
+            <p:ph type="body" sz="half" idx="2"/>
+          </p:nvPr>
+        </p:nvSpPr>
+        <p:spPr>
+          <a:xfrm>
+            <a:off x="1334605" y="2231136"/>
+            <a:ext cx="4665546" cy="3489131"/>
+          </a:xfrm>
+        </p:spPr>
+        <p:txBody>
+          <a:bodyPr vert="horz" lIns="91440" tIns="45720" rIns="91440" bIns="45720" rtlCol="0">
+            <a:normAutofit/>
+          </a:bodyPr>
+          <a:lstStyle/>
+          <a:p>
+            <a:pPr>
+              <a:buFont typeface="Arial" panose="020B0604020202020204" pitchFamily="34" charset="0"/>
+              <a:buChar char="•"/>
+            </a:pPr>
+            <a:r>
+              <a:rPr lang="de-AT" noProof="0" dirty="0"/>
+              <a:t> Einleitung ins Projekt</a:t>
+            </a:r>
+          </a:p>
+          <a:p>
+            <a:pPr>
+              <a:buFont typeface="Arial" panose="020B0604020202020204" pitchFamily="34" charset="0"/>
+              <a:buChar char="•"/>
+            </a:pPr>
+            <a:r>
+              <a:rPr lang="de-AT" noProof="0" dirty="0"/>
+              <a:t> Planung &amp; Konzept</a:t>
+            </a:r>
+          </a:p>
+          <a:p>
+            <a:pPr>
+              <a:buFont typeface="Arial" panose="020B0604020202020204" pitchFamily="34" charset="0"/>
+              <a:buChar char="•"/>
+            </a:pPr>
+            <a:r>
+              <a:rPr lang="de-AT" noProof="0" dirty="0"/>
+              <a:t> </a:t>
+            </a:r>
+            <a:r>
+              <a:rPr lang="de-AT" noProof="0" dirty="0" err="1"/>
+              <a:t>Entwicklunsprozess</a:t>
+            </a:r>
+            <a:endParaRPr lang="de-AT" noProof="0" dirty="0"/>
+          </a:p>
+          <a:p>
+            <a:pPr>
+              <a:buFont typeface="Arial" panose="020B0604020202020204" pitchFamily="34" charset="0"/>
+              <a:buChar char="•"/>
+            </a:pPr>
+            <a:r>
+              <a:rPr lang="de-AT" noProof="0" dirty="0"/>
+              <a:t> Funktionen der Webseite</a:t>
+            </a:r>
+          </a:p>
+          <a:p>
+            <a:pPr>
+              <a:buFont typeface="Arial" panose="020B0604020202020204" pitchFamily="34" charset="0"/>
+              <a:buChar char="•"/>
+            </a:pPr>
+            <a:r>
+              <a:rPr lang="de-AT" noProof="0" dirty="0"/>
+              <a:t> Technische Umsetzung</a:t>
+            </a:r>
+          </a:p>
+          <a:p>
+            <a:pPr>
+              <a:buFont typeface="Arial" panose="020B0604020202020204" pitchFamily="34" charset="0"/>
+              <a:buChar char="•"/>
+            </a:pPr>
+            <a:r>
+              <a:rPr lang="de-AT" noProof="0" dirty="0"/>
+              <a:t> Live Demo</a:t>
+            </a:r>
+          </a:p>
+          <a:p>
+            <a:pPr>
+              <a:buFont typeface="Arial" panose="020B0604020202020204" pitchFamily="34" charset="0"/>
+              <a:buChar char="•"/>
+            </a:pPr>
+            <a:r>
+              <a:rPr lang="de-AT" noProof="0" dirty="0"/>
+              <a:t> Fazit &amp; </a:t>
+            </a:r>
+            <a:r>
+              <a:rPr lang="de-AT" noProof="0" dirty="0" err="1"/>
+              <a:t>Learnings</a:t>
+            </a:r>
+            <a:endParaRPr lang="de-AT" noProof="0" dirty="0"/>
+          </a:p>
+        </p:txBody>
+      </p:sp>
+      <p:cxnSp>
+        <p:nvCxnSpPr>
+          <p:cNvPr id="16" name="Straight Connector 15">
+            <a:extLst>
+              <a:ext uri="{FF2B5EF4-FFF2-40B4-BE49-F238E27FC236}">
+                <a16:creationId xmlns:a16="http://schemas.microsoft.com/office/drawing/2014/main" id="{62713E66-598D-4B8A-9D2A-67C7AF46EF11}"/>
+              </a:ext>
+              <a:ext uri="{C183D7F6-B498-43B3-948B-1728B52AA6E4}">
+                <adec:decorative xmlns:adec="http://schemas.microsoft.com/office/drawing/2017/decorative" val="1"/>
+              </a:ext>
+            </a:extLst>
+          </p:cNvPr>
+          <p:cNvCxnSpPr>
+            <a:cxnSpLocks noGrp="1" noRot="1" noChangeAspect="1" noMove="1" noResize="1" noEditPoints="1" noAdjustHandles="1" noChangeArrowheads="1" noChangeShapeType="1"/>
+          </p:cNvCxnSpPr>
+          <p:nvPr>
+            <p:extLst>
+              <p:ext uri="{386F3935-93C4-4BCD-93E2-E3B085C9AB24}">
+                <p16:designElem xmlns:p16="http://schemas.microsoft.com/office/powerpoint/2015/main" val="1"/>
+              </p:ext>
+            </p:extLst>
+          </p:nvPr>
+        </p:nvCxnSpPr>
+        <p:spPr>
+          <a:xfrm flipV="1">
+            <a:off x="485673" y="979075"/>
+            <a:ext cx="0" cy="5074920"/>
+          </a:xfrm>
+          <a:prstGeom prst="line">
+            <a:avLst/>
+          </a:prstGeom>
+          <a:ln w="76200"/>
+        </p:spPr>
+        <p:style>
+          <a:lnRef idx="1">
+            <a:schemeClr val="accent1"/>
+          </a:lnRef>
+          <a:fillRef idx="0">
+            <a:schemeClr val="accent1"/>
+          </a:fillRef>
+          <a:effectRef idx="0">
+            <a:schemeClr val="accent1"/>
+          </a:effectRef>
+          <a:fontRef idx="minor">
+            <a:schemeClr val="tx1"/>
+          </a:fontRef>
+        </p:style>
+      </p:cxnSp>
+      <p:pic>
+        <p:nvPicPr>
+          <p:cNvPr id="7" name="Grafik 6" descr="Ein Bild, das Schrift, Grafiken, Text, Grafikdesign enthält.&#10;&#10;KI-generierte Inhalte können fehlerhaft sein.">
+            <a:extLst>
+              <a:ext uri="{FF2B5EF4-FFF2-40B4-BE49-F238E27FC236}">
+                <a16:creationId xmlns:a16="http://schemas.microsoft.com/office/drawing/2014/main" id="{67C38613-9464-5BD9-EEB2-A9E9ADF1BF0E}"/>
+              </a:ext>
+            </a:extLst>
+          </p:cNvPr>
+          <p:cNvPicPr>
+            <a:picLocks noChangeAspect="1"/>
+          </p:cNvPicPr>
+          <p:nvPr/>
+        </p:nvPicPr>
+        <p:blipFill>
+          <a:blip r:embed="rId3">
+            <a:extLst>
+              <a:ext uri="{28A0092B-C50C-407E-A947-70E740481C1C}">
+                <a14:useLocalDpi xmlns:a14="http://schemas.microsoft.com/office/drawing/2010/main" val="0"/>
+              </a:ext>
+            </a:extLst>
+          </a:blip>
+          <a:stretch>
+            <a:fillRect/>
+          </a:stretch>
+        </p:blipFill>
+        <p:spPr>
+          <a:xfrm>
+            <a:off x="8951976" y="120206"/>
+            <a:ext cx="2212010" cy="488700"/>
+          </a:xfrm>
+          <a:prstGeom prst="rect">
+            <a:avLst/>
+          </a:prstGeom>
+        </p:spPr>
+      </p:pic>
+    </p:spTree>
+    <p:extLst>
+      <p:ext uri="{BB962C8B-B14F-4D97-AF65-F5344CB8AC3E}">
+        <p14:creationId xmlns:p14="http://schemas.microsoft.com/office/powerpoint/2010/main" val="1594867361"/>
+      </p:ext>
+    </p:extLst>
+  </p:cSld>
+  <p:clrMapOvr>
+    <a:masterClrMapping/>
+  </p:clrMapOvr>
+  <mc:AlternateContent xmlns:mc="http://schemas.openxmlformats.org/markup-compatibility/2006">
+    <mc:Choice xmlns:p159="http://schemas.microsoft.com/office/powerpoint/2015/09/main" Requires="p159">
+      <p:transition xmlns:p14="http://schemas.microsoft.com/office/powerpoint/2010/main" spd="slow" p14:dur="2000">
+        <p159:morph option="byObject"/>
+      </p:transition>
+    </mc:Choice>
+    <mc:Fallback>
+      <p:transition spd="slow">
+        <p:fade/>
+      </p:transition>
+    </mc:Fallback>
+  </mc:AlternateContent>
+</p:sld>
+</file>
+
+<file path=ppt/slides/slide3.xml><?xml version="1.0" encoding="utf-8"?>
+<p:sld xmlns:a="http://schemas.openxmlformats.org/drawingml/2006/main" xmlns:r="http://schemas.openxmlformats.org/officeDocument/2006/relationships" xmlns:p="http://schemas.openxmlformats.org/presentationml/2006/main">
+  <p:cSld>
+    <p:bg>
+      <p:bgPr>
+        <a:solidFill>
+          <a:schemeClr val="bg1"/>
+        </a:solidFill>
+        <a:effectLst/>
+      </p:bgPr>
+    </p:bg>
+    <p:spTree>
+      <p:nvGrpSpPr>
+        <p:cNvPr id="1" name=""/>
+        <p:cNvGrpSpPr/>
+        <p:nvPr/>
+      </p:nvGrpSpPr>
+      <p:grpSpPr>
+        <a:xfrm>
+          <a:off x="0" y="0"/>
+          <a:ext cx="0" cy="0"/>
+          <a:chOff x="0" y="0"/>
+          <a:chExt cx="0" cy="0"/>
+        </a:xfrm>
+      </p:grpSpPr>
+      <p:cxnSp>
+        <p:nvCxnSpPr>
+          <p:cNvPr id="7" name="Straight Connector 6">
+            <a:extLst>
+              <a:ext uri="{FF2B5EF4-FFF2-40B4-BE49-F238E27FC236}">
+                <a16:creationId xmlns:a16="http://schemas.microsoft.com/office/drawing/2014/main" id="{118E06E4-607B-144B-382B-AD3D06B1EE8C}"/>
+              </a:ext>
+              <a:ext uri="{C183D7F6-B498-43B3-948B-1728B52AA6E4}">
+                <adec:decorative xmlns:adec="http://schemas.microsoft.com/office/drawing/2017/decorative" val="1"/>
+              </a:ext>
+            </a:extLst>
+          </p:cNvPr>
+          <p:cNvCxnSpPr>
+            <a:cxnSpLocks noGrp="1" noRot="1" noChangeAspect="1" noMove="1" noResize="1" noEditPoints="1" noAdjustHandles="1" noChangeArrowheads="1" noChangeShapeType="1"/>
+          </p:cNvCxnSpPr>
+          <p:nvPr>
+            <p:extLst>
+              <p:ext uri="{386F3935-93C4-4BCD-93E2-E3B085C9AB24}">
+                <p16:designElem xmlns:p16="http://schemas.microsoft.com/office/powerpoint/2015/main" val="1"/>
+              </p:ext>
+            </p:extLst>
+          </p:nvPr>
+        </p:nvCxnSpPr>
+        <p:spPr>
+          <a:xfrm>
+            <a:off x="713232" y="1031001"/>
+            <a:ext cx="978862" cy="0"/>
+          </a:xfrm>
+          <a:prstGeom prst="line">
+            <a:avLst/>
+          </a:prstGeom>
+          <a:ln w="76200"/>
+        </p:spPr>
+        <p:style>
+          <a:lnRef idx="1">
+            <a:schemeClr val="accent1"/>
+          </a:lnRef>
+          <a:fillRef idx="0">
+            <a:schemeClr val="accent1"/>
+          </a:fillRef>
+          <a:effectRef idx="0">
+            <a:schemeClr val="accent1"/>
+          </a:effectRef>
+          <a:fontRef idx="minor">
+            <a:schemeClr val="tx1"/>
+          </a:fontRef>
+        </p:style>
+      </p:cxnSp>
+      <p:sp useBgFill="1">
+        <p:nvSpPr>
+          <p:cNvPr id="9" name="Rectangle 8">
+            <a:extLst>
+              <a:ext uri="{FF2B5EF4-FFF2-40B4-BE49-F238E27FC236}">
+                <a16:creationId xmlns:a16="http://schemas.microsoft.com/office/drawing/2014/main" id="{19F9BF86-FE94-4517-B97D-026C7515E589}"/>
+              </a:ext>
+              <a:ext uri="{C183D7F6-B498-43B3-948B-1728B52AA6E4}">
+                <adec:decorative xmlns:adec="http://schemas.microsoft.com/office/drawing/2017/decorative" val="1"/>
+              </a:ext>
+            </a:extLst>
+          </p:cNvPr>
+          <p:cNvSpPr>
+            <a:spLocks noGrp="1" noRot="1" noChangeAspect="1" noMove="1" noResize="1" noEditPoints="1" noAdjustHandles="1" noChangeArrowheads="1" noChangeShapeType="1" noTextEdit="1"/>
+          </p:cNvSpPr>
+          <p:nvPr>
+            <p:extLst>
+              <p:ext uri="{386F3935-93C4-4BCD-93E2-E3B085C9AB24}">
+                <p16:designElem xmlns:p16="http://schemas.microsoft.com/office/powerpoint/2015/main" val="1"/>
+              </p:ext>
+            </p:extLst>
+          </p:nvPr>
+        </p:nvSpPr>
+        <p:spPr>
+          <a:xfrm>
+            <a:off x="0" y="0"/>
+            <a:ext cx="12192000" cy="6858000"/>
+          </a:xfrm>
+          <a:prstGeom prst="rect">
+            <a:avLst/>
+          </a:prstGeom>
+          <a:ln w="12700" cap="flat" cmpd="sng" algn="ctr">
+            <a:noFill/>
+            <a:prstDash val="solid"/>
+            <a:miter lim="800000"/>
+          </a:ln>
+          <a:effectLst/>
+          <a:extLst>
+            <a:ext uri="{91240B29-F687-4F45-9708-019B960494DF}">
+              <a14:hiddenLine xmlns:a14="http://schemas.microsoft.com/office/drawing/2010/main" w="12700" cap="flat" cmpd="sng" algn="ctr">
+                <a:solidFill>
+                  <a:schemeClr val="accent1">
+                    <a:shade val="50000"/>
+                  </a:schemeClr>
+                </a:solidFill>
+                <a:prstDash val="solid"/>
+                <a:miter lim="800000"/>
+              </a14:hiddenLine>
+            </a:ext>
+          </a:extLst>
+        </p:spPr>
+        <p:style>
+          <a:lnRef idx="2">
+            <a:schemeClr val="accent1">
+              <a:shade val="50000"/>
+            </a:schemeClr>
+          </a:lnRef>
+          <a:fillRef idx="1">
+            <a:schemeClr val="accent1"/>
+          </a:fillRef>
+          <a:effectRef idx="0">
+            <a:schemeClr val="accent1"/>
+          </a:effectRef>
+          <a:fontRef idx="minor">
+            <a:schemeClr val="lt1"/>
+          </a:fontRef>
+        </p:style>
+        <p:txBody>
+          <a:bodyPr rtlCol="0" anchor="ctr"/>
+          <a:lstStyle/>
+          <a:p>
+            <a:pPr algn="ctr"/>
+            <a:endParaRPr lang="de-AT" noProof="0" dirty="0"/>
+          </a:p>
+        </p:txBody>
+      </p:sp>
+      <p:pic>
+        <p:nvPicPr>
+          <p:cNvPr id="4" name="Picture 3" descr="Ein Bild, das Himmel, Wolke, Blau, Screenshot enthält.">
+            <a:extLst>
+              <a:ext uri="{FF2B5EF4-FFF2-40B4-BE49-F238E27FC236}">
+                <a16:creationId xmlns:a16="http://schemas.microsoft.com/office/drawing/2014/main" id="{66E37639-2ABE-5675-75BE-4659A926A6DA}"/>
+              </a:ext>
+            </a:extLst>
+          </p:cNvPr>
+          <p:cNvPicPr>
+            <a:picLocks noChangeAspect="1"/>
+          </p:cNvPicPr>
+          <p:nvPr/>
+        </p:nvPicPr>
+        <p:blipFill>
+          <a:blip r:embed="rId2">
+            <a:alphaModFix amt="40000"/>
+          </a:blip>
+          <a:srcRect t="25001"/>
+          <a:stretch/>
+        </p:blipFill>
+        <p:spPr>
+          <a:xfrm>
+            <a:off x="20" y="152"/>
+            <a:ext cx="12191980" cy="6857848"/>
+          </a:xfrm>
+          <a:prstGeom prst="rect">
+            <a:avLst/>
+          </a:prstGeom>
+        </p:spPr>
+      </p:pic>
+      <p:sp>
+        <p:nvSpPr>
+          <p:cNvPr id="2" name="Titel 1">
+            <a:extLst>
+              <a:ext uri="{FF2B5EF4-FFF2-40B4-BE49-F238E27FC236}">
+                <a16:creationId xmlns:a16="http://schemas.microsoft.com/office/drawing/2014/main" id="{EE1BB82C-C4C6-F021-1684-4EC5105BB04C}"/>
+              </a:ext>
+            </a:extLst>
+          </p:cNvPr>
+          <p:cNvSpPr>
+            <a:spLocks noGrp="1"/>
+          </p:cNvSpPr>
+          <p:nvPr>
+            <p:ph type="title"/>
+          </p:nvPr>
+        </p:nvSpPr>
+        <p:spPr>
+          <a:xfrm>
+            <a:off x="1946564" y="1249217"/>
+            <a:ext cx="8298873" cy="2258284"/>
+          </a:xfrm>
+        </p:spPr>
+        <p:txBody>
+          <a:bodyPr vert="horz" lIns="91440" tIns="45720" rIns="91440" bIns="45720" rtlCol="0" anchor="b">
+            <a:normAutofit/>
+          </a:bodyPr>
+          <a:lstStyle/>
+          <a:p>
+            <a:pPr algn="ctr"/>
+            <a:r>
+              <a:rPr lang="de-AT" sz="4400" noProof="0" dirty="0"/>
+              <a:t>EINLEITUNG INS PROJEKT</a:t>
+            </a:r>
+          </a:p>
+        </p:txBody>
+      </p:sp>
+      <p:cxnSp>
+        <p:nvCxnSpPr>
+          <p:cNvPr id="11" name="Straight Connector 10">
+            <a:extLst>
+              <a:ext uri="{FF2B5EF4-FFF2-40B4-BE49-F238E27FC236}">
+                <a16:creationId xmlns:a16="http://schemas.microsoft.com/office/drawing/2014/main" id="{5E10C1D6-7EDE-467F-89EA-E0244EB62381}"/>
+              </a:ext>
+              <a:ext uri="{C183D7F6-B498-43B3-948B-1728B52AA6E4}">
+                <adec:decorative xmlns:adec="http://schemas.microsoft.com/office/drawing/2017/decorative" val="1"/>
+              </a:ext>
+            </a:extLst>
+          </p:cNvPr>
+          <p:cNvCxnSpPr>
+            <a:cxnSpLocks noGrp="1" noRot="1" noChangeAspect="1" noMove="1" noResize="1" noEditPoints="1" noAdjustHandles="1" noChangeArrowheads="1" noChangeShapeType="1"/>
+          </p:cNvCxnSpPr>
+          <p:nvPr>
+            <p:extLst>
+              <p:ext uri="{386F3935-93C4-4BCD-93E2-E3B085C9AB24}">
+                <p16:designElem xmlns:p16="http://schemas.microsoft.com/office/powerpoint/2015/main" val="1"/>
+              </p:ext>
+            </p:extLst>
+          </p:nvPr>
+        </p:nvCxnSpPr>
+        <p:spPr>
+          <a:xfrm>
+            <a:off x="5730240" y="4290504"/>
+            <a:ext cx="731520" cy="0"/>
+          </a:xfrm>
+          <a:prstGeom prst="line">
+            <a:avLst/>
+          </a:prstGeom>
+          <a:ln w="57150"/>
+        </p:spPr>
+        <p:style>
+          <a:lnRef idx="1">
+            <a:schemeClr val="accent1"/>
+          </a:lnRef>
+          <a:fillRef idx="0">
+            <a:schemeClr val="accent1"/>
+          </a:fillRef>
+          <a:effectRef idx="0">
+            <a:schemeClr val="accent1"/>
+          </a:effectRef>
+          <a:fontRef idx="minor">
+            <a:schemeClr val="tx1"/>
+          </a:fontRef>
+        </p:style>
+      </p:cxnSp>
+    </p:spTree>
+    <p:extLst>
+      <p:ext uri="{BB962C8B-B14F-4D97-AF65-F5344CB8AC3E}">
+        <p14:creationId xmlns:p14="http://schemas.microsoft.com/office/powerpoint/2010/main" val="3464076384"/>
+      </p:ext>
+    </p:extLst>
+  </p:cSld>
+  <p:clrMapOvr>
+    <a:masterClrMapping/>
+  </p:clrMapOvr>
+</p:sld>
+</file>
+
+<file path=ppt/slides/slide4.xml><?xml version="1.0" encoding="utf-8"?>
+<p:sld xmlns:a="http://schemas.openxmlformats.org/drawingml/2006/main" xmlns:r="http://schemas.openxmlformats.org/officeDocument/2006/relationships" xmlns:p="http://schemas.openxmlformats.org/presentationml/2006/main">
+  <p:cSld>
+    <p:bg>
+      <p:bgPr>
+        <a:solidFill>
+          <a:schemeClr val="bg1"/>
+        </a:solidFill>
+        <a:effectLst/>
+      </p:bgPr>
+    </p:bg>
+    <p:spTree>
+      <p:nvGrpSpPr>
+        <p:cNvPr id="1" name="">
+          <a:extLst>
+            <a:ext uri="{FF2B5EF4-FFF2-40B4-BE49-F238E27FC236}">
+              <a16:creationId xmlns:a16="http://schemas.microsoft.com/office/drawing/2014/main" id="{A2E3BFAF-0ACA-036B-5507-931CC4F3184F}"/>
+            </a:ext>
+          </a:extLst>
+        </p:cNvPr>
+        <p:cNvGrpSpPr/>
+        <p:nvPr/>
+      </p:nvGrpSpPr>
+      <p:grpSpPr>
+        <a:xfrm>
+          <a:off x="0" y="0"/>
+          <a:ext cx="0" cy="0"/>
+          <a:chOff x="0" y="0"/>
+          <a:chExt cx="0" cy="0"/>
+        </a:xfrm>
+      </p:grpSpPr>
+      <p:cxnSp>
+        <p:nvCxnSpPr>
+          <p:cNvPr id="10" name="Straight Connector 9">
+            <a:extLst>
+              <a:ext uri="{FF2B5EF4-FFF2-40B4-BE49-F238E27FC236}">
+                <a16:creationId xmlns:a16="http://schemas.microsoft.com/office/drawing/2014/main" id="{D81F042D-7BF9-90D8-CA8C-C1EABF57514E}"/>
+              </a:ext>
+              <a:ext uri="{C183D7F6-B498-43B3-948B-1728B52AA6E4}">
+                <adec:decorative xmlns:adec="http://schemas.microsoft.com/office/drawing/2017/decorative" val="1"/>
+              </a:ext>
+            </a:extLst>
+          </p:cNvPr>
+          <p:cNvCxnSpPr>
+            <a:cxnSpLocks noGrp="1" noRot="1" noChangeAspect="1" noMove="1" noResize="1" noEditPoints="1" noAdjustHandles="1" noChangeArrowheads="1" noChangeShapeType="1"/>
+          </p:cNvCxnSpPr>
+          <p:nvPr>
+            <p:extLst>
+              <p:ext uri="{386F3935-93C4-4BCD-93E2-E3B085C9AB24}">
+                <p16:designElem xmlns:p16="http://schemas.microsoft.com/office/powerpoint/2015/main" val="1"/>
+              </p:ext>
+            </p:extLst>
+          </p:nvPr>
+        </p:nvCxnSpPr>
+        <p:spPr>
+          <a:xfrm>
+            <a:off x="713232" y="1031001"/>
+            <a:ext cx="978862" cy="0"/>
+          </a:xfrm>
+          <a:prstGeom prst="line">
+            <a:avLst/>
+          </a:prstGeom>
+          <a:ln w="76200"/>
+        </p:spPr>
+        <p:style>
+          <a:lnRef idx="1">
+            <a:schemeClr val="accent1"/>
+          </a:lnRef>
+          <a:fillRef idx="0">
+            <a:schemeClr val="accent1"/>
+          </a:fillRef>
+          <a:effectRef idx="0">
+            <a:schemeClr val="accent1"/>
+          </a:effectRef>
+          <a:fontRef idx="minor">
+            <a:schemeClr val="tx1"/>
+          </a:fontRef>
+        </p:style>
+      </p:cxnSp>
+      <p:sp useBgFill="1">
+        <p:nvSpPr>
+          <p:cNvPr id="12" name="Rectangle 11">
+            <a:extLst>
+              <a:ext uri="{FF2B5EF4-FFF2-40B4-BE49-F238E27FC236}">
+                <a16:creationId xmlns:a16="http://schemas.microsoft.com/office/drawing/2014/main" id="{B894B7CF-9661-5DED-8ADA-8809728F142D}"/>
+              </a:ext>
+              <a:ext uri="{C183D7F6-B498-43B3-948B-1728B52AA6E4}">
+                <adec:decorative xmlns:adec="http://schemas.microsoft.com/office/drawing/2017/decorative" val="1"/>
+              </a:ext>
+            </a:extLst>
+          </p:cNvPr>
+          <p:cNvSpPr>
+            <a:spLocks noGrp="1" noRot="1" noChangeAspect="1" noMove="1" noResize="1" noEditPoints="1" noAdjustHandles="1" noChangeArrowheads="1" noChangeShapeType="1" noTextEdit="1"/>
+          </p:cNvSpPr>
+          <p:nvPr>
+            <p:extLst>
+              <p:ext uri="{386F3935-93C4-4BCD-93E2-E3B085C9AB24}">
+                <p16:designElem xmlns:p16="http://schemas.microsoft.com/office/powerpoint/2015/main" val="1"/>
+              </p:ext>
+            </p:extLst>
+          </p:nvPr>
+        </p:nvSpPr>
+        <p:spPr>
+          <a:xfrm>
+            <a:off x="0" y="0"/>
+            <a:ext cx="12192000" cy="6858000"/>
+          </a:xfrm>
+          <a:prstGeom prst="rect">
+            <a:avLst/>
+          </a:prstGeom>
+          <a:ln w="12700" cap="flat" cmpd="sng" algn="ctr">
+            <a:noFill/>
+            <a:prstDash val="solid"/>
+            <a:miter lim="800000"/>
+          </a:ln>
+          <a:effectLst/>
+          <a:extLst>
+            <a:ext uri="{91240B29-F687-4F45-9708-019B960494DF}">
+              <a14:hiddenLine xmlns:a14="http://schemas.microsoft.com/office/drawing/2010/main" w="12700" cap="flat" cmpd="sng" algn="ctr">
+                <a:solidFill>
+                  <a:schemeClr val="accent1">
+                    <a:shade val="50000"/>
+                  </a:schemeClr>
+                </a:solidFill>
+                <a:prstDash val="solid"/>
+                <a:miter lim="800000"/>
+              </a14:hiddenLine>
+            </a:ext>
+          </a:extLst>
+        </p:spPr>
+        <p:style>
+          <a:lnRef idx="2">
+            <a:schemeClr val="accent1">
+              <a:shade val="50000"/>
+            </a:schemeClr>
+          </a:lnRef>
+          <a:fillRef idx="1">
+            <a:schemeClr val="accent1"/>
+          </a:fillRef>
+          <a:effectRef idx="0">
+            <a:schemeClr val="accent1"/>
+          </a:effectRef>
+          <a:fontRef idx="minor">
+            <a:schemeClr val="lt1"/>
+          </a:fontRef>
+        </p:style>
+        <p:txBody>
+          <a:bodyPr rtlCol="0" anchor="ctr"/>
+          <a:lstStyle/>
+          <a:p>
+            <a:pPr algn="ctr"/>
+            <a:endParaRPr lang="de-AT" noProof="0" dirty="0"/>
+          </a:p>
+        </p:txBody>
+      </p:sp>
+      <p:pic>
+        <p:nvPicPr>
+          <p:cNvPr id="5" name="Picture 3" descr="Ein Bild, das Himmel, Wolke, Blau, Screenshot enthält.&#10;&#10;KI-generierte Inhalte können fehlerhaft sein.">
+            <a:extLst>
+              <a:ext uri="{FF2B5EF4-FFF2-40B4-BE49-F238E27FC236}">
+                <a16:creationId xmlns:a16="http://schemas.microsoft.com/office/drawing/2014/main" id="{30BCB355-A4A7-7305-8214-C54E8BFB2F37}"/>
+              </a:ext>
+            </a:extLst>
+          </p:cNvPr>
+          <p:cNvPicPr>
+            <a:picLocks noChangeAspect="1"/>
+          </p:cNvPicPr>
+          <p:nvPr/>
+        </p:nvPicPr>
+        <p:blipFill>
+          <a:blip r:embed="rId2"/>
+          <a:srcRect t="25000"/>
+          <a:stretch/>
+        </p:blipFill>
+        <p:spPr>
+          <a:xfrm>
+            <a:off x="20" y="10"/>
+            <a:ext cx="12191980" cy="6857990"/>
+          </a:xfrm>
+          <a:prstGeom prst="rect">
+            <a:avLst/>
+          </a:prstGeom>
+        </p:spPr>
+      </p:pic>
+      <p:sp useBgFill="1">
+        <p:nvSpPr>
+          <p:cNvPr id="14" name="Rectangle 13">
+            <a:extLst>
+              <a:ext uri="{FF2B5EF4-FFF2-40B4-BE49-F238E27FC236}">
+                <a16:creationId xmlns:a16="http://schemas.microsoft.com/office/drawing/2014/main" id="{F5FC1458-4759-66F1-BB81-E118A9DACD8D}"/>
+              </a:ext>
+              <a:ext uri="{C183D7F6-B498-43B3-948B-1728B52AA6E4}">
+                <adec:decorative xmlns:adec="http://schemas.microsoft.com/office/drawing/2017/decorative" val="1"/>
+              </a:ext>
+            </a:extLst>
+          </p:cNvPr>
+          <p:cNvSpPr>
+            <a:spLocks noGrp="1" noRot="1" noChangeAspect="1" noMove="1" noResize="1" noEditPoints="1" noAdjustHandles="1" noChangeArrowheads="1" noChangeShapeType="1" noTextEdit="1"/>
+          </p:cNvSpPr>
+          <p:nvPr>
+            <p:extLst>
+              <p:ext uri="{386F3935-93C4-4BCD-93E2-E3B085C9AB24}">
+                <p16:designElem xmlns:p16="http://schemas.microsoft.com/office/powerpoint/2015/main" val="1"/>
+              </p:ext>
+            </p:extLst>
+          </p:nvPr>
+        </p:nvSpPr>
+        <p:spPr>
+          <a:xfrm>
+            <a:off x="454894" y="979075"/>
+            <a:ext cx="5777024" cy="5074920"/>
+          </a:xfrm>
+          <a:prstGeom prst="rect">
+            <a:avLst/>
+          </a:prstGeom>
+          <a:ln>
+            <a:noFill/>
+          </a:ln>
+        </p:spPr>
+        <p:style>
+          <a:lnRef idx="2">
+            <a:schemeClr val="accent1">
+              <a:shade val="50000"/>
+            </a:schemeClr>
+          </a:lnRef>
+          <a:fillRef idx="1">
+            <a:schemeClr val="accent1"/>
+          </a:fillRef>
+          <a:effectRef idx="0">
+            <a:schemeClr val="accent1"/>
+          </a:effectRef>
+          <a:fontRef idx="minor">
+            <a:schemeClr val="lt1"/>
+          </a:fontRef>
+        </p:style>
+        <p:txBody>
+          <a:bodyPr rtlCol="0" anchor="ctr"/>
+          <a:lstStyle/>
+          <a:p>
+            <a:pPr algn="ctr"/>
+            <a:endParaRPr lang="de-AT" noProof="0" dirty="0"/>
+          </a:p>
+        </p:txBody>
+      </p:sp>
+      <p:sp>
+        <p:nvSpPr>
+          <p:cNvPr id="2" name="Titel 1">
+            <a:extLst>
+              <a:ext uri="{FF2B5EF4-FFF2-40B4-BE49-F238E27FC236}">
+                <a16:creationId xmlns:a16="http://schemas.microsoft.com/office/drawing/2014/main" id="{256534F8-DA7C-7782-37A3-40FA0E096198}"/>
+              </a:ext>
+            </a:extLst>
+          </p:cNvPr>
+          <p:cNvSpPr>
+            <a:spLocks noGrp="1"/>
+          </p:cNvSpPr>
+          <p:nvPr>
+            <p:ph type="title"/>
+          </p:nvPr>
+        </p:nvSpPr>
+        <p:spPr>
+          <a:xfrm>
+            <a:off x="1049450" y="1352492"/>
+            <a:ext cx="5387913" cy="657573"/>
+          </a:xfrm>
+        </p:spPr>
+        <p:txBody>
+          <a:bodyPr vert="horz" lIns="91440" tIns="45720" rIns="91440" bIns="45720" rtlCol="0" anchor="t">
+            <a:normAutofit/>
+          </a:bodyPr>
+          <a:lstStyle/>
+          <a:p>
+            <a:r>
+              <a:rPr lang="de-DE" sz="3200" noProof="0" dirty="0"/>
+              <a:t>Projektziel und Motivation</a:t>
+            </a:r>
+            <a:endParaRPr lang="de-AT" sz="3200" noProof="0" dirty="0"/>
+          </a:p>
+        </p:txBody>
+      </p:sp>
+      <p:sp>
+        <p:nvSpPr>
+          <p:cNvPr id="4" name="Textplatzhalter 3">
+            <a:extLst>
+              <a:ext uri="{FF2B5EF4-FFF2-40B4-BE49-F238E27FC236}">
+                <a16:creationId xmlns:a16="http://schemas.microsoft.com/office/drawing/2014/main" id="{A0C77077-9A7E-C4F5-81C5-A4A155F3BDEB}"/>
+              </a:ext>
+            </a:extLst>
+          </p:cNvPr>
+          <p:cNvSpPr>
+            <a:spLocks noGrp="1"/>
+          </p:cNvSpPr>
+          <p:nvPr>
+            <p:ph type="body" sz="half" idx="2"/>
+          </p:nvPr>
+        </p:nvSpPr>
+        <p:spPr>
+          <a:xfrm>
+            <a:off x="1334605" y="2231136"/>
+            <a:ext cx="4665546" cy="3489131"/>
+          </a:xfrm>
+        </p:spPr>
+        <p:txBody>
+          <a:bodyPr vert="horz" lIns="91440" tIns="45720" rIns="91440" bIns="45720" rtlCol="0">
+            <a:normAutofit/>
+          </a:bodyPr>
+          <a:lstStyle/>
+          <a:p>
+            <a:pPr>
+              <a:buFont typeface="Arial" panose="020B0604020202020204" pitchFamily="34" charset="0"/>
+              <a:buChar char="•"/>
+            </a:pPr>
+            <a:r>
+              <a:rPr lang="de-DE"/>
+              <a:t> Ein umfassendes Hausverwaltungssystem mit einer Vielzahl an Funktionen.</a:t>
+            </a:r>
+            <a:endParaRPr lang="de-AT" noProof="0" dirty="0"/>
+          </a:p>
+        </p:txBody>
+      </p:sp>
+      <p:cxnSp>
+        <p:nvCxnSpPr>
+          <p:cNvPr id="16" name="Straight Connector 15">
+            <a:extLst>
+              <a:ext uri="{FF2B5EF4-FFF2-40B4-BE49-F238E27FC236}">
+                <a16:creationId xmlns:a16="http://schemas.microsoft.com/office/drawing/2014/main" id="{9FABD133-1B44-8167-726F-7AF1A54A32EA}"/>
+              </a:ext>
+              <a:ext uri="{C183D7F6-B498-43B3-948B-1728B52AA6E4}">
+                <adec:decorative xmlns:adec="http://schemas.microsoft.com/office/drawing/2017/decorative" val="1"/>
+              </a:ext>
+            </a:extLst>
+          </p:cNvPr>
+          <p:cNvCxnSpPr>
+            <a:cxnSpLocks noGrp="1" noRot="1" noChangeAspect="1" noMove="1" noResize="1" noEditPoints="1" noAdjustHandles="1" noChangeArrowheads="1" noChangeShapeType="1"/>
+          </p:cNvCxnSpPr>
+          <p:nvPr>
+            <p:extLst>
+              <p:ext uri="{386F3935-93C4-4BCD-93E2-E3B085C9AB24}">
+                <p16:designElem xmlns:p16="http://schemas.microsoft.com/office/powerpoint/2015/main" val="1"/>
+              </p:ext>
+            </p:extLst>
+          </p:nvPr>
+        </p:nvCxnSpPr>
+        <p:spPr>
+          <a:xfrm flipV="1">
+            <a:off x="485673" y="979075"/>
+            <a:ext cx="0" cy="5074920"/>
+          </a:xfrm>
+          <a:prstGeom prst="line">
+            <a:avLst/>
+          </a:prstGeom>
+          <a:ln w="76200"/>
+        </p:spPr>
+        <p:style>
+          <a:lnRef idx="1">
+            <a:schemeClr val="accent1"/>
+          </a:lnRef>
+          <a:fillRef idx="0">
+            <a:schemeClr val="accent1"/>
+          </a:fillRef>
+          <a:effectRef idx="0">
+            <a:schemeClr val="accent1"/>
+          </a:effectRef>
+          <a:fontRef idx="minor">
+            <a:schemeClr val="tx1"/>
+          </a:fontRef>
+        </p:style>
+      </p:cxnSp>
+      <p:pic>
+        <p:nvPicPr>
+          <p:cNvPr id="7" name="Grafik 6" descr="Ein Bild, das Schrift, Grafiken, Text, Grafikdesign enthält.&#10;&#10;KI-generierte Inhalte können fehlerhaft sein.">
+            <a:extLst>
+              <a:ext uri="{FF2B5EF4-FFF2-40B4-BE49-F238E27FC236}">
+                <a16:creationId xmlns:a16="http://schemas.microsoft.com/office/drawing/2014/main" id="{D43B6506-E0AC-9ED0-A3F6-E1A6DCB2938A}"/>
+              </a:ext>
+            </a:extLst>
+          </p:cNvPr>
+          <p:cNvPicPr>
+            <a:picLocks noChangeAspect="1"/>
+          </p:cNvPicPr>
+          <p:nvPr/>
+        </p:nvPicPr>
+        <p:blipFill>
+          <a:blip r:embed="rId3">
+            <a:extLst>
+              <a:ext uri="{28A0092B-C50C-407E-A947-70E740481C1C}">
+                <a14:useLocalDpi xmlns:a14="http://schemas.microsoft.com/office/drawing/2010/main" val="0"/>
+              </a:ext>
+            </a:extLst>
+          </a:blip>
+          <a:stretch>
+            <a:fillRect/>
+          </a:stretch>
+        </p:blipFill>
+        <p:spPr>
+          <a:xfrm>
+            <a:off x="8951976" y="120206"/>
+            <a:ext cx="2212010" cy="488700"/>
+          </a:xfrm>
+          <a:prstGeom prst="rect">
+            <a:avLst/>
+          </a:prstGeom>
+        </p:spPr>
+      </p:pic>
+    </p:spTree>
+    <p:extLst>
+      <p:ext uri="{BB962C8B-B14F-4D97-AF65-F5344CB8AC3E}">
+        <p14:creationId xmlns:p14="http://schemas.microsoft.com/office/powerpoint/2010/main" val="2772175653"/>
+      </p:ext>
+    </p:extLst>
+  </p:cSld>
+  <p:clrMapOvr>
+    <a:masterClrMapping/>
+  </p:clrMapOvr>
+  <mc:AlternateContent xmlns:mc="http://schemas.openxmlformats.org/markup-compatibility/2006">
+    <mc:Choice xmlns:p159="http://schemas.microsoft.com/office/powerpoint/2015/09/main" Requires="p159">
+      <p:transition xmlns:p14="http://schemas.microsoft.com/office/powerpoint/2010/main" spd="slow" p14:dur="2000">
+        <p159:morph option="byObject"/>
+      </p:transition>
+    </mc:Choice>
+    <mc:Fallback>
+      <p:transition spd="slow">
+        <p:fade/>
+      </p:transition>
+    </mc:Fallback>
+  </mc:AlternateContent>
 </p:sld>
 </file>
 

--- a/Project-management/999. Abschlusspräsentation/Abschlusspräsentation 25.02.2025 HomeSphere.pptx
+++ b/Project-management/999. Abschlusspräsentation/Abschlusspräsentation 25.02.2025 HomeSphere.pptx
@@ -9,6 +9,20 @@
     <p:sldId id="257" r:id="rId3"/>
     <p:sldId id="258" r:id="rId4"/>
     <p:sldId id="259" r:id="rId5"/>
+    <p:sldId id="261" r:id="rId6"/>
+    <p:sldId id="260" r:id="rId7"/>
+    <p:sldId id="262" r:id="rId8"/>
+    <p:sldId id="263" r:id="rId9"/>
+    <p:sldId id="264" r:id="rId10"/>
+    <p:sldId id="265" r:id="rId11"/>
+    <p:sldId id="266" r:id="rId12"/>
+    <p:sldId id="267" r:id="rId13"/>
+    <p:sldId id="268" r:id="rId14"/>
+    <p:sldId id="269" r:id="rId15"/>
+    <p:sldId id="271" r:id="rId16"/>
+    <p:sldId id="272" r:id="rId17"/>
+    <p:sldId id="273" r:id="rId18"/>
+    <p:sldId id="275" r:id="rId19"/>
   </p:sldIdLst>
   <p:sldSz cx="12192000" cy="6858000"/>
   <p:notesSz cx="6858000" cy="9144000"/>
@@ -118,7 +132,7 @@
 <file path=ppt/revisionInfo.xml><?xml version="1.0" encoding="utf-8"?>
 <p1510:revInfo xmlns:a="http://schemas.openxmlformats.org/drawingml/2006/main" xmlns:r="http://schemas.openxmlformats.org/officeDocument/2006/relationships" xmlns:p1510="http://schemas.microsoft.com/office/powerpoint/2015/10/main">
   <p1510:revLst>
-    <p1510:client id="{6FC34448-27DE-4F46-AB60-9D3B18F64782}" v="14" dt="2025-02-25T15:00:58.886"/>
+    <p1510:client id="{6FC34448-27DE-4F46-AB60-9D3B18F64782}" v="27" dt="2025-02-25T20:31:16.064"/>
   </p1510:revLst>
 </p1510:revInfo>
 </file>
@@ -127,8 +141,8 @@
 <pc:chgInfo xmlns:a="http://schemas.openxmlformats.org/drawingml/2006/main" xmlns:r="http://schemas.openxmlformats.org/officeDocument/2006/relationships" xmlns:ac="http://schemas.microsoft.com/office/drawing/2013/main/command" xmlns:pc="http://schemas.microsoft.com/office/powerpoint/2013/main/command">
   <pc:docChgLst>
     <pc:chgData name="Wörndle Linus" userId="e99df0f2-d3c7-483b-b111-e87b6efc6f80" providerId="ADAL" clId="{6FC34448-27DE-4F46-AB60-9D3B18F64782}"/>
-    <pc:docChg chg="undo custSel addSld modSld sldOrd">
-      <pc:chgData name="Wörndle Linus" userId="e99df0f2-d3c7-483b-b111-e87b6efc6f80" providerId="ADAL" clId="{6FC34448-27DE-4F46-AB60-9D3B18F64782}" dt="2025-02-25T15:01:10.181" v="536"/>
+    <pc:docChg chg="undo custSel addSld delSld modSld sldOrd">
+      <pc:chgData name="Wörndle Linus" userId="e99df0f2-d3c7-483b-b111-e87b6efc6f80" providerId="ADAL" clId="{6FC34448-27DE-4F46-AB60-9D3B18F64782}" dt="2025-02-25T20:31:16.064" v="3163"/>
       <pc:docMkLst>
         <pc:docMk/>
       </pc:docMkLst>
@@ -188,7 +202,7 @@
         </pc:picChg>
       </pc:sldChg>
       <pc:sldChg chg="addSp delSp modSp new mod modTransition setBg">
-        <pc:chgData name="Wörndle Linus" userId="e99df0f2-d3c7-483b-b111-e87b6efc6f80" providerId="ADAL" clId="{6FC34448-27DE-4F46-AB60-9D3B18F64782}" dt="2025-02-25T14:54:24.581" v="351" actId="790"/>
+        <pc:chgData name="Wörndle Linus" userId="e99df0f2-d3c7-483b-b111-e87b6efc6f80" providerId="ADAL" clId="{6FC34448-27DE-4F46-AB60-9D3B18F64782}" dt="2025-02-25T20:12:45.847" v="2288" actId="313"/>
         <pc:sldMkLst>
           <pc:docMk/>
           <pc:sldMk cId="1594867361" sldId="257"/>
@@ -210,7 +224,7 @@
           </ac:spMkLst>
         </pc:spChg>
         <pc:spChg chg="mod">
-          <ac:chgData name="Wörndle Linus" userId="e99df0f2-d3c7-483b-b111-e87b6efc6f80" providerId="ADAL" clId="{6FC34448-27DE-4F46-AB60-9D3B18F64782}" dt="2025-02-25T14:54:24.581" v="351" actId="790"/>
+          <ac:chgData name="Wörndle Linus" userId="e99df0f2-d3c7-483b-b111-e87b6efc6f80" providerId="ADAL" clId="{6FC34448-27DE-4F46-AB60-9D3B18F64782}" dt="2025-02-25T20:12:45.847" v="2288" actId="313"/>
           <ac:spMkLst>
             <pc:docMk/>
             <pc:sldMk cId="1594867361" sldId="257"/>
@@ -274,8 +288,8 @@
           </ac:cxnSpMkLst>
         </pc:cxnChg>
       </pc:sldChg>
-      <pc:sldChg chg="addSp delSp modSp new mod setBg">
-        <pc:chgData name="Wörndle Linus" userId="e99df0f2-d3c7-483b-b111-e87b6efc6f80" providerId="ADAL" clId="{6FC34448-27DE-4F46-AB60-9D3B18F64782}" dt="2025-02-25T14:54:44.228" v="377" actId="404"/>
+      <pc:sldChg chg="addSp delSp modSp new mod modTransition setBg">
+        <pc:chgData name="Wörndle Linus" userId="e99df0f2-d3c7-483b-b111-e87b6efc6f80" providerId="ADAL" clId="{6FC34448-27DE-4F46-AB60-9D3B18F64782}" dt="2025-02-25T20:31:16.064" v="3163"/>
         <pc:sldMkLst>
           <pc:docMk/>
           <pc:sldMk cId="3464076384" sldId="258"/>
@@ -329,8 +343,8 @@
           </ac:cxnSpMkLst>
         </pc:cxnChg>
       </pc:sldChg>
-      <pc:sldChg chg="addSp modSp add mod ord">
-        <pc:chgData name="Wörndle Linus" userId="e99df0f2-d3c7-483b-b111-e87b6efc6f80" providerId="ADAL" clId="{6FC34448-27DE-4F46-AB60-9D3B18F64782}" dt="2025-02-25T15:01:10.181" v="536"/>
+      <pc:sldChg chg="addSp modSp add mod ord modTransition">
+        <pc:chgData name="Wörndle Linus" userId="e99df0f2-d3c7-483b-b111-e87b6efc6f80" providerId="ADAL" clId="{6FC34448-27DE-4F46-AB60-9D3B18F64782}" dt="2025-02-25T20:31:16.064" v="3163"/>
         <pc:sldMkLst>
           <pc:docMk/>
           <pc:sldMk cId="2772175653" sldId="259"/>
@@ -352,7 +366,7 @@
           </ac:spMkLst>
         </pc:spChg>
         <pc:spChg chg="mod">
-          <ac:chgData name="Wörndle Linus" userId="e99df0f2-d3c7-483b-b111-e87b6efc6f80" providerId="ADAL" clId="{6FC34448-27DE-4F46-AB60-9D3B18F64782}" dt="2025-02-25T15:01:10.181" v="536"/>
+          <ac:chgData name="Wörndle Linus" userId="e99df0f2-d3c7-483b-b111-e87b6efc6f80" providerId="ADAL" clId="{6FC34448-27DE-4F46-AB60-9D3B18F64782}" dt="2025-02-25T20:02:44.556" v="1152" actId="6549"/>
           <ac:spMkLst>
             <pc:docMk/>
             <pc:sldMk cId="2772175653" sldId="259"/>
@@ -367,6 +381,445 @@
             <ac:spMk id="6" creationId="{4199D39D-CE6E-D64A-6E8E-DAEB6ADEAB3B}"/>
           </ac:spMkLst>
         </pc:spChg>
+      </pc:sldChg>
+      <pc:sldChg chg="modSp add mod modTransition">
+        <pc:chgData name="Wörndle Linus" userId="e99df0f2-d3c7-483b-b111-e87b6efc6f80" providerId="ADAL" clId="{6FC34448-27DE-4F46-AB60-9D3B18F64782}" dt="2025-02-25T20:31:16.064" v="3163"/>
+        <pc:sldMkLst>
+          <pc:docMk/>
+          <pc:sldMk cId="3229738325" sldId="260"/>
+        </pc:sldMkLst>
+        <pc:spChg chg="mod">
+          <ac:chgData name="Wörndle Linus" userId="e99df0f2-d3c7-483b-b111-e87b6efc6f80" providerId="ADAL" clId="{6FC34448-27DE-4F46-AB60-9D3B18F64782}" dt="2025-02-25T20:13:21.312" v="2322" actId="20577"/>
+          <ac:spMkLst>
+            <pc:docMk/>
+            <pc:sldMk cId="3229738325" sldId="260"/>
+            <ac:spMk id="4" creationId="{2052B650-8675-3B83-9D79-C04C4AB60F43}"/>
+          </ac:spMkLst>
+        </pc:spChg>
+      </pc:sldChg>
+      <pc:sldChg chg="modSp add del mod">
+        <pc:chgData name="Wörndle Linus" userId="e99df0f2-d3c7-483b-b111-e87b6efc6f80" providerId="ADAL" clId="{6FC34448-27DE-4F46-AB60-9D3B18F64782}" dt="2025-02-25T20:01:49.120" v="956" actId="2696"/>
+        <pc:sldMkLst>
+          <pc:docMk/>
+          <pc:sldMk cId="3765200794" sldId="260"/>
+        </pc:sldMkLst>
+        <pc:spChg chg="mod">
+          <ac:chgData name="Wörndle Linus" userId="e99df0f2-d3c7-483b-b111-e87b6efc6f80" providerId="ADAL" clId="{6FC34448-27DE-4F46-AB60-9D3B18F64782}" dt="2025-02-25T20:00:00.291" v="874" actId="20577"/>
+          <ac:spMkLst>
+            <pc:docMk/>
+            <pc:sldMk cId="3765200794" sldId="260"/>
+            <ac:spMk id="2" creationId="{D5548EE5-355A-72AB-0381-A8B7E4E7B7A5}"/>
+          </ac:spMkLst>
+        </pc:spChg>
+        <pc:spChg chg="mod">
+          <ac:chgData name="Wörndle Linus" userId="e99df0f2-d3c7-483b-b111-e87b6efc6f80" providerId="ADAL" clId="{6FC34448-27DE-4F46-AB60-9D3B18F64782}" dt="2025-02-25T20:00:47.242" v="955" actId="20577"/>
+          <ac:spMkLst>
+            <pc:docMk/>
+            <pc:sldMk cId="3765200794" sldId="260"/>
+            <ac:spMk id="4" creationId="{23AE6A21-530F-E2AB-95AC-447F3F73964C}"/>
+          </ac:spMkLst>
+        </pc:spChg>
+      </pc:sldChg>
+      <pc:sldChg chg="modSp add mod ord modTransition">
+        <pc:chgData name="Wörndle Linus" userId="e99df0f2-d3c7-483b-b111-e87b6efc6f80" providerId="ADAL" clId="{6FC34448-27DE-4F46-AB60-9D3B18F64782}" dt="2025-02-25T20:31:16.064" v="3163"/>
+        <pc:sldMkLst>
+          <pc:docMk/>
+          <pc:sldMk cId="601717206" sldId="261"/>
+        </pc:sldMkLst>
+        <pc:spChg chg="mod">
+          <ac:chgData name="Wörndle Linus" userId="e99df0f2-d3c7-483b-b111-e87b6efc6f80" providerId="ADAL" clId="{6FC34448-27DE-4F46-AB60-9D3B18F64782}" dt="2025-02-25T20:03:13.142" v="1173" actId="20577"/>
+          <ac:spMkLst>
+            <pc:docMk/>
+            <pc:sldMk cId="601717206" sldId="261"/>
+            <ac:spMk id="2" creationId="{1CBAE498-A345-2D81-D8C2-8269044D55C9}"/>
+          </ac:spMkLst>
+        </pc:spChg>
+      </pc:sldChg>
+      <pc:sldChg chg="modSp add mod modTransition">
+        <pc:chgData name="Wörndle Linus" userId="e99df0f2-d3c7-483b-b111-e87b6efc6f80" providerId="ADAL" clId="{6FC34448-27DE-4F46-AB60-9D3B18F64782}" dt="2025-02-25T20:31:16.064" v="3163"/>
+        <pc:sldMkLst>
+          <pc:docMk/>
+          <pc:sldMk cId="2021323639" sldId="262"/>
+        </pc:sldMkLst>
+        <pc:spChg chg="mod">
+          <ac:chgData name="Wörndle Linus" userId="e99df0f2-d3c7-483b-b111-e87b6efc6f80" providerId="ADAL" clId="{6FC34448-27DE-4F46-AB60-9D3B18F64782}" dt="2025-02-25T20:06:43.507" v="1709" actId="20577"/>
+          <ac:spMkLst>
+            <pc:docMk/>
+            <pc:sldMk cId="2021323639" sldId="262"/>
+            <ac:spMk id="2" creationId="{CAD79F3F-365B-13C8-F175-87381CED7CF5}"/>
+          </ac:spMkLst>
+        </pc:spChg>
+      </pc:sldChg>
+      <pc:sldChg chg="modSp add mod replId modTransition">
+        <pc:chgData name="Wörndle Linus" userId="e99df0f2-d3c7-483b-b111-e87b6efc6f80" providerId="ADAL" clId="{6FC34448-27DE-4F46-AB60-9D3B18F64782}" dt="2025-02-25T20:31:16.064" v="3163"/>
+        <pc:sldMkLst>
+          <pc:docMk/>
+          <pc:sldMk cId="1229766770" sldId="263"/>
+        </pc:sldMkLst>
+        <pc:spChg chg="mod">
+          <ac:chgData name="Wörndle Linus" userId="e99df0f2-d3c7-483b-b111-e87b6efc6f80" providerId="ADAL" clId="{6FC34448-27DE-4F46-AB60-9D3B18F64782}" dt="2025-02-25T20:06:50.960" v="1729" actId="20577"/>
+          <ac:spMkLst>
+            <pc:docMk/>
+            <pc:sldMk cId="1229766770" sldId="263"/>
+            <ac:spMk id="2" creationId="{89214466-AF4F-B5E0-B6A1-25E4761C1B09}"/>
+          </ac:spMkLst>
+        </pc:spChg>
+        <pc:spChg chg="mod">
+          <ac:chgData name="Wörndle Linus" userId="e99df0f2-d3c7-483b-b111-e87b6efc6f80" providerId="ADAL" clId="{6FC34448-27DE-4F46-AB60-9D3B18F64782}" dt="2025-02-25T20:10:47.409" v="2120" actId="20577"/>
+          <ac:spMkLst>
+            <pc:docMk/>
+            <pc:sldMk cId="1229766770" sldId="263"/>
+            <ac:spMk id="4" creationId="{DDF2EA8A-4153-33BE-7815-37433871875A}"/>
+          </ac:spMkLst>
+        </pc:spChg>
+      </pc:sldChg>
+      <pc:sldChg chg="modSp add mod modTransition">
+        <pc:chgData name="Wörndle Linus" userId="e99df0f2-d3c7-483b-b111-e87b6efc6f80" providerId="ADAL" clId="{6FC34448-27DE-4F46-AB60-9D3B18F64782}" dt="2025-02-25T20:31:16.064" v="3163"/>
+        <pc:sldMkLst>
+          <pc:docMk/>
+          <pc:sldMk cId="3994698277" sldId="264"/>
+        </pc:sldMkLst>
+        <pc:spChg chg="mod">
+          <ac:chgData name="Wörndle Linus" userId="e99df0f2-d3c7-483b-b111-e87b6efc6f80" providerId="ADAL" clId="{6FC34448-27DE-4F46-AB60-9D3B18F64782}" dt="2025-02-25T20:07:44.487" v="1833" actId="20577"/>
+          <ac:spMkLst>
+            <pc:docMk/>
+            <pc:sldMk cId="3994698277" sldId="264"/>
+            <ac:spMk id="2" creationId="{D9ADE4DA-BCAF-538E-EE09-E8E1A9846001}"/>
+          </ac:spMkLst>
+        </pc:spChg>
+      </pc:sldChg>
+      <pc:sldChg chg="modSp add mod replId modTransition">
+        <pc:chgData name="Wörndle Linus" userId="e99df0f2-d3c7-483b-b111-e87b6efc6f80" providerId="ADAL" clId="{6FC34448-27DE-4F46-AB60-9D3B18F64782}" dt="2025-02-25T20:31:16.064" v="3163"/>
+        <pc:sldMkLst>
+          <pc:docMk/>
+          <pc:sldMk cId="2378151521" sldId="265"/>
+        </pc:sldMkLst>
+        <pc:spChg chg="mod">
+          <ac:chgData name="Wörndle Linus" userId="e99df0f2-d3c7-483b-b111-e87b6efc6f80" providerId="ADAL" clId="{6FC34448-27DE-4F46-AB60-9D3B18F64782}" dt="2025-02-25T20:10:57.651" v="2133" actId="20577"/>
+          <ac:spMkLst>
+            <pc:docMk/>
+            <pc:sldMk cId="2378151521" sldId="265"/>
+            <ac:spMk id="4" creationId="{A5E095C5-337E-C85A-99E1-E6363A080E96}"/>
+          </ac:spMkLst>
+        </pc:spChg>
+      </pc:sldChg>
+      <pc:sldChg chg="modSp add mod modTransition">
+        <pc:chgData name="Wörndle Linus" userId="e99df0f2-d3c7-483b-b111-e87b6efc6f80" providerId="ADAL" clId="{6FC34448-27DE-4F46-AB60-9D3B18F64782}" dt="2025-02-25T20:31:16.064" v="3163"/>
+        <pc:sldMkLst>
+          <pc:docMk/>
+          <pc:sldMk cId="272555990" sldId="266"/>
+        </pc:sldMkLst>
+        <pc:spChg chg="mod">
+          <ac:chgData name="Wörndle Linus" userId="e99df0f2-d3c7-483b-b111-e87b6efc6f80" providerId="ADAL" clId="{6FC34448-27DE-4F46-AB60-9D3B18F64782}" dt="2025-02-25T20:12:03.333" v="2163" actId="20577"/>
+          <ac:spMkLst>
+            <pc:docMk/>
+            <pc:sldMk cId="272555990" sldId="266"/>
+            <ac:spMk id="2" creationId="{32C6B551-11FD-B9BD-FBCC-182DAA988C17}"/>
+          </ac:spMkLst>
+        </pc:spChg>
+      </pc:sldChg>
+      <pc:sldChg chg="modSp add mod replId modTransition">
+        <pc:chgData name="Wörndle Linus" userId="e99df0f2-d3c7-483b-b111-e87b6efc6f80" providerId="ADAL" clId="{6FC34448-27DE-4F46-AB60-9D3B18F64782}" dt="2025-02-25T20:31:16.064" v="3163"/>
+        <pc:sldMkLst>
+          <pc:docMk/>
+          <pc:sldMk cId="1840319505" sldId="267"/>
+        </pc:sldMkLst>
+        <pc:spChg chg="mod">
+          <ac:chgData name="Wörndle Linus" userId="e99df0f2-d3c7-483b-b111-e87b6efc6f80" providerId="ADAL" clId="{6FC34448-27DE-4F46-AB60-9D3B18F64782}" dt="2025-02-25T20:12:11.638" v="2188" actId="20577"/>
+          <ac:spMkLst>
+            <pc:docMk/>
+            <pc:sldMk cId="1840319505" sldId="267"/>
+            <ac:spMk id="2" creationId="{8F29E892-7BC2-CFC7-0BC9-F76699D866DE}"/>
+          </ac:spMkLst>
+        </pc:spChg>
+        <pc:spChg chg="mod">
+          <ac:chgData name="Wörndle Linus" userId="e99df0f2-d3c7-483b-b111-e87b6efc6f80" providerId="ADAL" clId="{6FC34448-27DE-4F46-AB60-9D3B18F64782}" dt="2025-02-25T20:18:10.687" v="2614"/>
+          <ac:spMkLst>
+            <pc:docMk/>
+            <pc:sldMk cId="1840319505" sldId="267"/>
+            <ac:spMk id="4" creationId="{CA28C5EA-D753-979E-0CE6-981F1DD69E75}"/>
+          </ac:spMkLst>
+        </pc:spChg>
+      </pc:sldChg>
+      <pc:sldChg chg="modSp add mod ord modTransition">
+        <pc:chgData name="Wörndle Linus" userId="e99df0f2-d3c7-483b-b111-e87b6efc6f80" providerId="ADAL" clId="{6FC34448-27DE-4F46-AB60-9D3B18F64782}" dt="2025-02-25T20:31:16.064" v="3163"/>
+        <pc:sldMkLst>
+          <pc:docMk/>
+          <pc:sldMk cId="3768464478" sldId="268"/>
+        </pc:sldMkLst>
+        <pc:spChg chg="mod">
+          <ac:chgData name="Wörndle Linus" userId="e99df0f2-d3c7-483b-b111-e87b6efc6f80" providerId="ADAL" clId="{6FC34448-27DE-4F46-AB60-9D3B18F64782}" dt="2025-02-25T20:18:28.770" v="2650" actId="20577"/>
+          <ac:spMkLst>
+            <pc:docMk/>
+            <pc:sldMk cId="3768464478" sldId="268"/>
+            <ac:spMk id="2" creationId="{9B4F8F32-1964-5E81-ECC6-8F3EDA841383}"/>
+          </ac:spMkLst>
+        </pc:spChg>
+        <pc:picChg chg="mod">
+          <ac:chgData name="Wörndle Linus" userId="e99df0f2-d3c7-483b-b111-e87b6efc6f80" providerId="ADAL" clId="{6FC34448-27DE-4F46-AB60-9D3B18F64782}" dt="2025-02-25T20:28:10.478" v="3146" actId="29295"/>
+          <ac:picMkLst>
+            <pc:docMk/>
+            <pc:sldMk cId="3768464478" sldId="268"/>
+            <ac:picMk id="4" creationId="{B137ECC4-3F97-0781-6C02-49E1A8D135A4}"/>
+          </ac:picMkLst>
+        </pc:picChg>
+      </pc:sldChg>
+      <pc:sldChg chg="modSp add mod ord modTransition">
+        <pc:chgData name="Wörndle Linus" userId="e99df0f2-d3c7-483b-b111-e87b6efc6f80" providerId="ADAL" clId="{6FC34448-27DE-4F46-AB60-9D3B18F64782}" dt="2025-02-25T20:31:16.064" v="3163"/>
+        <pc:sldMkLst>
+          <pc:docMk/>
+          <pc:sldMk cId="1979328243" sldId="269"/>
+        </pc:sldMkLst>
+        <pc:spChg chg="mod">
+          <ac:chgData name="Wörndle Linus" userId="e99df0f2-d3c7-483b-b111-e87b6efc6f80" providerId="ADAL" clId="{6FC34448-27DE-4F46-AB60-9D3B18F64782}" dt="2025-02-25T20:18:52.278" v="2687" actId="20577"/>
+          <ac:spMkLst>
+            <pc:docMk/>
+            <pc:sldMk cId="1979328243" sldId="269"/>
+            <ac:spMk id="2" creationId="{91EBDBDE-88B5-9234-6816-888C576048D3}"/>
+          </ac:spMkLst>
+        </pc:spChg>
+        <pc:picChg chg="mod">
+          <ac:chgData name="Wörndle Linus" userId="e99df0f2-d3c7-483b-b111-e87b6efc6f80" providerId="ADAL" clId="{6FC34448-27DE-4F46-AB60-9D3B18F64782}" dt="2025-02-25T20:28:10.677" v="3147" actId="29295"/>
+          <ac:picMkLst>
+            <pc:docMk/>
+            <pc:sldMk cId="1979328243" sldId="269"/>
+            <ac:picMk id="4" creationId="{0107CF2C-206D-F808-AD3E-9E8AE5491E3F}"/>
+          </ac:picMkLst>
+        </pc:picChg>
+      </pc:sldChg>
+      <pc:sldChg chg="add del ord replId">
+        <pc:chgData name="Wörndle Linus" userId="e99df0f2-d3c7-483b-b111-e87b6efc6f80" providerId="ADAL" clId="{6FC34448-27DE-4F46-AB60-9D3B18F64782}" dt="2025-02-25T20:20:52.146" v="2735" actId="47"/>
+        <pc:sldMkLst>
+          <pc:docMk/>
+          <pc:sldMk cId="589499786" sldId="270"/>
+        </pc:sldMkLst>
+      </pc:sldChg>
+      <pc:sldChg chg="addSp delSp modSp new mod modTransition setBg addAnim setClrOvrMap">
+        <pc:chgData name="Wörndle Linus" userId="e99df0f2-d3c7-483b-b111-e87b6efc6f80" providerId="ADAL" clId="{6FC34448-27DE-4F46-AB60-9D3B18F64782}" dt="2025-02-25T20:31:16.064" v="3163"/>
+        <pc:sldMkLst>
+          <pc:docMk/>
+          <pc:sldMk cId="2813430652" sldId="271"/>
+        </pc:sldMkLst>
+        <pc:spChg chg="mod ord">
+          <ac:chgData name="Wörndle Linus" userId="e99df0f2-d3c7-483b-b111-e87b6efc6f80" providerId="ADAL" clId="{6FC34448-27DE-4F46-AB60-9D3B18F64782}" dt="2025-02-25T20:29:37.522" v="3151" actId="26606"/>
+          <ac:spMkLst>
+            <pc:docMk/>
+            <pc:sldMk cId="2813430652" sldId="271"/>
+            <ac:spMk id="2" creationId="{5112F93D-0E20-9CF2-B5DF-74C03B6CB969}"/>
+          </ac:spMkLst>
+        </pc:spChg>
+        <pc:spChg chg="add del">
+          <ac:chgData name="Wörndle Linus" userId="e99df0f2-d3c7-483b-b111-e87b6efc6f80" providerId="ADAL" clId="{6FC34448-27DE-4F46-AB60-9D3B18F64782}" dt="2025-02-25T20:29:37.522" v="3151" actId="26606"/>
+          <ac:spMkLst>
+            <pc:docMk/>
+            <pc:sldMk cId="2813430652" sldId="271"/>
+            <ac:spMk id="10" creationId="{19F9BF86-FE94-4517-B97D-026C7515E589}"/>
+          </ac:spMkLst>
+        </pc:spChg>
+        <pc:spChg chg="add del">
+          <ac:chgData name="Wörndle Linus" userId="e99df0f2-d3c7-483b-b111-e87b6efc6f80" providerId="ADAL" clId="{6FC34448-27DE-4F46-AB60-9D3B18F64782}" dt="2025-02-25T20:29:37.522" v="3151" actId="26606"/>
+          <ac:spMkLst>
+            <pc:docMk/>
+            <pc:sldMk cId="2813430652" sldId="271"/>
+            <ac:spMk id="12" creationId="{9E9D00D9-C4F5-471E-BE2C-126CB112A6BD}"/>
+          </ac:spMkLst>
+        </pc:spChg>
+        <pc:spChg chg="add">
+          <ac:chgData name="Wörndle Linus" userId="e99df0f2-d3c7-483b-b111-e87b6efc6f80" providerId="ADAL" clId="{6FC34448-27DE-4F46-AB60-9D3B18F64782}" dt="2025-02-25T20:29:37.522" v="3151" actId="26606"/>
+          <ac:spMkLst>
+            <pc:docMk/>
+            <pc:sldMk cId="2813430652" sldId="271"/>
+            <ac:spMk id="21" creationId="{CFD1D2CD-954D-4C4D-B505-05EAD159B230}"/>
+          </ac:spMkLst>
+        </pc:spChg>
+        <pc:picChg chg="add mod ord">
+          <ac:chgData name="Wörndle Linus" userId="e99df0f2-d3c7-483b-b111-e87b6efc6f80" providerId="ADAL" clId="{6FC34448-27DE-4F46-AB60-9D3B18F64782}" dt="2025-02-25T20:29:45.226" v="3154" actId="14100"/>
+          <ac:picMkLst>
+            <pc:docMk/>
+            <pc:sldMk cId="2813430652" sldId="271"/>
+            <ac:picMk id="3" creationId="{8E5C5B0E-CEAD-2224-77E6-9C773B6E9253}"/>
+          </ac:picMkLst>
+        </pc:picChg>
+        <pc:picChg chg="add mod">
+          <ac:chgData name="Wörndle Linus" userId="e99df0f2-d3c7-483b-b111-e87b6efc6f80" providerId="ADAL" clId="{6FC34448-27DE-4F46-AB60-9D3B18F64782}" dt="2025-02-25T20:20:20.051" v="2732" actId="1076"/>
+          <ac:picMkLst>
+            <pc:docMk/>
+            <pc:sldMk cId="2813430652" sldId="271"/>
+            <ac:picMk id="4" creationId="{7A714DD3-699E-AA78-0467-A9466232FE15}"/>
+          </ac:picMkLst>
+        </pc:picChg>
+        <pc:picChg chg="add del mod ord">
+          <ac:chgData name="Wörndle Linus" userId="e99df0f2-d3c7-483b-b111-e87b6efc6f80" providerId="ADAL" clId="{6FC34448-27DE-4F46-AB60-9D3B18F64782}" dt="2025-02-25T20:30:03.853" v="3158" actId="478"/>
+          <ac:picMkLst>
+            <pc:docMk/>
+            <pc:sldMk cId="2813430652" sldId="271"/>
+            <ac:picMk id="5" creationId="{312CB7AB-E448-3207-AFE1-66C9B1C5BBB7}"/>
+          </ac:picMkLst>
+        </pc:picChg>
+        <pc:picChg chg="add mod">
+          <ac:chgData name="Wörndle Linus" userId="e99df0f2-d3c7-483b-b111-e87b6efc6f80" providerId="ADAL" clId="{6FC34448-27DE-4F46-AB60-9D3B18F64782}" dt="2025-02-25T20:30:12.427" v="3160" actId="1076"/>
+          <ac:picMkLst>
+            <pc:docMk/>
+            <pc:sldMk cId="2813430652" sldId="271"/>
+            <ac:picMk id="6" creationId="{9D92E539-2C7F-2C11-40C3-9EBC74D69B71}"/>
+          </ac:picMkLst>
+        </pc:picChg>
+        <pc:cxnChg chg="add del">
+          <ac:chgData name="Wörndle Linus" userId="e99df0f2-d3c7-483b-b111-e87b6efc6f80" providerId="ADAL" clId="{6FC34448-27DE-4F46-AB60-9D3B18F64782}" dt="2025-02-25T20:29:37.522" v="3151" actId="26606"/>
+          <ac:cxnSpMkLst>
+            <pc:docMk/>
+            <pc:sldMk cId="2813430652" sldId="271"/>
+            <ac:cxnSpMk id="8" creationId="{118E06E4-607B-144B-382B-AD3D06B1EE8C}"/>
+          </ac:cxnSpMkLst>
+        </pc:cxnChg>
+        <pc:cxnChg chg="add del">
+          <ac:chgData name="Wörndle Linus" userId="e99df0f2-d3c7-483b-b111-e87b6efc6f80" providerId="ADAL" clId="{6FC34448-27DE-4F46-AB60-9D3B18F64782}" dt="2025-02-25T20:29:37.522" v="3151" actId="26606"/>
+          <ac:cxnSpMkLst>
+            <pc:docMk/>
+            <pc:sldMk cId="2813430652" sldId="271"/>
+            <ac:cxnSpMk id="14" creationId="{97CC2FE6-3AD0-4131-B4BC-1F4D65E25E13}"/>
+          </ac:cxnSpMkLst>
+        </pc:cxnChg>
+        <pc:cxnChg chg="add">
+          <ac:chgData name="Wörndle Linus" userId="e99df0f2-d3c7-483b-b111-e87b6efc6f80" providerId="ADAL" clId="{6FC34448-27DE-4F46-AB60-9D3B18F64782}" dt="2025-02-25T20:29:37.522" v="3151" actId="26606"/>
+          <ac:cxnSpMkLst>
+            <pc:docMk/>
+            <pc:sldMk cId="2813430652" sldId="271"/>
+            <ac:cxnSpMk id="19" creationId="{118E06E4-607B-144B-382B-AD3D06B1EE8C}"/>
+          </ac:cxnSpMkLst>
+        </pc:cxnChg>
+        <pc:cxnChg chg="add">
+          <ac:chgData name="Wörndle Linus" userId="e99df0f2-d3c7-483b-b111-e87b6efc6f80" providerId="ADAL" clId="{6FC34448-27DE-4F46-AB60-9D3B18F64782}" dt="2025-02-25T20:29:37.522" v="3151" actId="26606"/>
+          <ac:cxnSpMkLst>
+            <pc:docMk/>
+            <pc:sldMk cId="2813430652" sldId="271"/>
+            <ac:cxnSpMk id="23" creationId="{D132AEA7-A24A-45A9-BF8F-D0AFF34DF68C}"/>
+          </ac:cxnSpMkLst>
+        </pc:cxnChg>
+      </pc:sldChg>
+      <pc:sldChg chg="modSp add mod ord modTransition">
+        <pc:chgData name="Wörndle Linus" userId="e99df0f2-d3c7-483b-b111-e87b6efc6f80" providerId="ADAL" clId="{6FC34448-27DE-4F46-AB60-9D3B18F64782}" dt="2025-02-25T20:31:16.064" v="3163"/>
+        <pc:sldMkLst>
+          <pc:docMk/>
+          <pc:sldMk cId="2662032391" sldId="272"/>
+        </pc:sldMkLst>
+        <pc:spChg chg="mod">
+          <ac:chgData name="Wörndle Linus" userId="e99df0f2-d3c7-483b-b111-e87b6efc6f80" providerId="ADAL" clId="{6FC34448-27DE-4F46-AB60-9D3B18F64782}" dt="2025-02-25T20:21:04.318" v="2755" actId="20577"/>
+          <ac:spMkLst>
+            <pc:docMk/>
+            <pc:sldMk cId="2662032391" sldId="272"/>
+            <ac:spMk id="2" creationId="{BD1863DD-947D-83FC-0A8A-718CD2D271A6}"/>
+          </ac:spMkLst>
+        </pc:spChg>
+      </pc:sldChg>
+      <pc:sldChg chg="modSp add mod ord replId modTransition">
+        <pc:chgData name="Wörndle Linus" userId="e99df0f2-d3c7-483b-b111-e87b6efc6f80" providerId="ADAL" clId="{6FC34448-27DE-4F46-AB60-9D3B18F64782}" dt="2025-02-25T20:31:16.064" v="3163"/>
+        <pc:sldMkLst>
+          <pc:docMk/>
+          <pc:sldMk cId="874703722" sldId="273"/>
+        </pc:sldMkLst>
+        <pc:spChg chg="mod">
+          <ac:chgData name="Wörndle Linus" userId="e99df0f2-d3c7-483b-b111-e87b6efc6f80" providerId="ADAL" clId="{6FC34448-27DE-4F46-AB60-9D3B18F64782}" dt="2025-02-25T20:21:15.496" v="2780" actId="20577"/>
+          <ac:spMkLst>
+            <pc:docMk/>
+            <pc:sldMk cId="874703722" sldId="273"/>
+            <ac:spMk id="2" creationId="{E9DB0F3E-7F45-788B-3590-A1AA047E991A}"/>
+          </ac:spMkLst>
+        </pc:spChg>
+        <pc:spChg chg="mod">
+          <ac:chgData name="Wörndle Linus" userId="e99df0f2-d3c7-483b-b111-e87b6efc6f80" providerId="ADAL" clId="{6FC34448-27DE-4F46-AB60-9D3B18F64782}" dt="2025-02-25T20:22:24.980" v="3060" actId="20577"/>
+          <ac:spMkLst>
+            <pc:docMk/>
+            <pc:sldMk cId="874703722" sldId="273"/>
+            <ac:spMk id="4" creationId="{A26C48BE-5C4F-AB0F-B16E-50CC841E15C8}"/>
+          </ac:spMkLst>
+        </pc:spChg>
+      </pc:sldChg>
+      <pc:sldChg chg="addSp delSp modSp add del mod ord">
+        <pc:chgData name="Wörndle Linus" userId="e99df0f2-d3c7-483b-b111-e87b6efc6f80" providerId="ADAL" clId="{6FC34448-27DE-4F46-AB60-9D3B18F64782}" dt="2025-02-25T20:25:49.168" v="3143" actId="2696"/>
+        <pc:sldMkLst>
+          <pc:docMk/>
+          <pc:sldMk cId="4028889702" sldId="274"/>
+        </pc:sldMkLst>
+        <pc:spChg chg="del">
+          <ac:chgData name="Wörndle Linus" userId="e99df0f2-d3c7-483b-b111-e87b6efc6f80" providerId="ADAL" clId="{6FC34448-27DE-4F46-AB60-9D3B18F64782}" dt="2025-02-25T20:22:43.269" v="3064" actId="478"/>
+          <ac:spMkLst>
+            <pc:docMk/>
+            <pc:sldMk cId="4028889702" sldId="274"/>
+            <ac:spMk id="3" creationId="{8D8830EB-28EA-537C-23FD-6C1B34288E0C}"/>
+          </ac:spMkLst>
+        </pc:spChg>
+        <pc:spChg chg="add del mod">
+          <ac:chgData name="Wörndle Linus" userId="e99df0f2-d3c7-483b-b111-e87b6efc6f80" providerId="ADAL" clId="{6FC34448-27DE-4F46-AB60-9D3B18F64782}" dt="2025-02-25T20:22:49.759" v="3068" actId="478"/>
+          <ac:spMkLst>
+            <pc:docMk/>
+            <pc:sldMk cId="4028889702" sldId="274"/>
+            <ac:spMk id="5" creationId="{571A36F1-26CC-4D4C-DE4C-896EC7965694}"/>
+          </ac:spMkLst>
+        </pc:spChg>
+        <pc:spChg chg="add mod">
+          <ac:chgData name="Wörndle Linus" userId="e99df0f2-d3c7-483b-b111-e87b6efc6f80" providerId="ADAL" clId="{6FC34448-27DE-4F46-AB60-9D3B18F64782}" dt="2025-02-25T20:25:03.597" v="3137" actId="113"/>
+          <ac:spMkLst>
+            <pc:docMk/>
+            <pc:sldMk cId="4028889702" sldId="274"/>
+            <ac:spMk id="6" creationId="{99B3A9C9-46BA-06DF-93B4-7FEBCA225F95}"/>
+          </ac:spMkLst>
+        </pc:spChg>
+        <pc:spChg chg="add mod">
+          <ac:chgData name="Wörndle Linus" userId="e99df0f2-d3c7-483b-b111-e87b6efc6f80" providerId="ADAL" clId="{6FC34448-27DE-4F46-AB60-9D3B18F64782}" dt="2025-02-25T20:25:00.664" v="3136" actId="1076"/>
+          <ac:spMkLst>
+            <pc:docMk/>
+            <pc:sldMk cId="4028889702" sldId="274"/>
+            <ac:spMk id="7" creationId="{744CA7A6-E760-19C1-EE06-70E8F0784F25}"/>
+          </ac:spMkLst>
+        </pc:spChg>
+        <pc:picChg chg="add del mod">
+          <ac:chgData name="Wörndle Linus" userId="e99df0f2-d3c7-483b-b111-e87b6efc6f80" providerId="ADAL" clId="{6FC34448-27DE-4F46-AB60-9D3B18F64782}" dt="2025-02-25T20:25:23.536" v="3139" actId="478"/>
+          <ac:picMkLst>
+            <pc:docMk/>
+            <pc:sldMk cId="4028889702" sldId="274"/>
+            <ac:picMk id="4" creationId="{8B061613-8CFD-FB75-BDB2-693CFF5B0FFF}"/>
+          </ac:picMkLst>
+        </pc:picChg>
+        <pc:picChg chg="del">
+          <ac:chgData name="Wörndle Linus" userId="e99df0f2-d3c7-483b-b111-e87b6efc6f80" providerId="ADAL" clId="{6FC34448-27DE-4F46-AB60-9D3B18F64782}" dt="2025-02-25T20:22:44.149" v="3065" actId="478"/>
+          <ac:picMkLst>
+            <pc:docMk/>
+            <pc:sldMk cId="4028889702" sldId="274"/>
+            <ac:picMk id="8" creationId="{7D4783E3-DDDD-A12F-7668-D89111ACA343}"/>
+          </ac:picMkLst>
+        </pc:picChg>
+      </pc:sldChg>
+      <pc:sldChg chg="addSp modSp new modTransition">
+        <pc:chgData name="Wörndle Linus" userId="e99df0f2-d3c7-483b-b111-e87b6efc6f80" providerId="ADAL" clId="{6FC34448-27DE-4F46-AB60-9D3B18F64782}" dt="2025-02-25T20:31:16.064" v="3163"/>
+        <pc:sldMkLst>
+          <pc:docMk/>
+          <pc:sldMk cId="3700679763" sldId="275"/>
+        </pc:sldMkLst>
+        <pc:spChg chg="add mod">
+          <ac:chgData name="Wörndle Linus" userId="e99df0f2-d3c7-483b-b111-e87b6efc6f80" providerId="ADAL" clId="{6FC34448-27DE-4F46-AB60-9D3B18F64782}" dt="2025-02-25T20:25:40.149" v="3142"/>
+          <ac:spMkLst>
+            <pc:docMk/>
+            <pc:sldMk cId="3700679763" sldId="275"/>
+            <ac:spMk id="3" creationId="{BBA427B3-C174-2B21-C477-2167B226CFD5}"/>
+          </ac:spMkLst>
+        </pc:spChg>
+        <pc:spChg chg="add mod">
+          <ac:chgData name="Wörndle Linus" userId="e99df0f2-d3c7-483b-b111-e87b6efc6f80" providerId="ADAL" clId="{6FC34448-27DE-4F46-AB60-9D3B18F64782}" dt="2025-02-25T20:25:40.149" v="3142"/>
+          <ac:spMkLst>
+            <pc:docMk/>
+            <pc:sldMk cId="3700679763" sldId="275"/>
+            <ac:spMk id="4" creationId="{379BA91A-F0FD-1B78-6EBD-2F9A75D0AFA6}"/>
+          </ac:spMkLst>
+        </pc:spChg>
+        <pc:picChg chg="add mod">
+          <ac:chgData name="Wörndle Linus" userId="e99df0f2-d3c7-483b-b111-e87b6efc6f80" providerId="ADAL" clId="{6FC34448-27DE-4F46-AB60-9D3B18F64782}" dt="2025-02-25T20:25:34.666" v="3141"/>
+          <ac:picMkLst>
+            <pc:docMk/>
+            <pc:sldMk cId="3700679763" sldId="275"/>
+            <ac:picMk id="2" creationId="{B815A636-2C83-1125-DD99-CA3008014A94}"/>
+          </ac:picMkLst>
+        </pc:picChg>
       </pc:sldChg>
     </pc:docChg>
   </pc:docChgLst>
@@ -4186,6 +4639,3337 @@
 </p:sld>
 </file>
 
+<file path=ppt/slides/slide10.xml><?xml version="1.0" encoding="utf-8"?>
+<p:sld xmlns:a="http://schemas.openxmlformats.org/drawingml/2006/main" xmlns:r="http://schemas.openxmlformats.org/officeDocument/2006/relationships" xmlns:p="http://schemas.openxmlformats.org/presentationml/2006/main">
+  <p:cSld>
+    <p:bg>
+      <p:bgPr>
+        <a:solidFill>
+          <a:schemeClr val="bg1"/>
+        </a:solidFill>
+        <a:effectLst/>
+      </p:bgPr>
+    </p:bg>
+    <p:spTree>
+      <p:nvGrpSpPr>
+        <p:cNvPr id="1" name="">
+          <a:extLst>
+            <a:ext uri="{FF2B5EF4-FFF2-40B4-BE49-F238E27FC236}">
+              <a16:creationId xmlns:a16="http://schemas.microsoft.com/office/drawing/2014/main" id="{9F0C94F1-06EA-6C86-B2EE-2CA7BD93CA45}"/>
+            </a:ext>
+          </a:extLst>
+        </p:cNvPr>
+        <p:cNvGrpSpPr/>
+        <p:nvPr/>
+      </p:nvGrpSpPr>
+      <p:grpSpPr>
+        <a:xfrm>
+          <a:off x="0" y="0"/>
+          <a:ext cx="0" cy="0"/>
+          <a:chOff x="0" y="0"/>
+          <a:chExt cx="0" cy="0"/>
+        </a:xfrm>
+      </p:grpSpPr>
+      <p:cxnSp>
+        <p:nvCxnSpPr>
+          <p:cNvPr id="10" name="Straight Connector 9">
+            <a:extLst>
+              <a:ext uri="{FF2B5EF4-FFF2-40B4-BE49-F238E27FC236}">
+                <a16:creationId xmlns:a16="http://schemas.microsoft.com/office/drawing/2014/main" id="{B1AE9E7B-14D5-3B6E-2388-34881F2B17A9}"/>
+              </a:ext>
+              <a:ext uri="{C183D7F6-B498-43B3-948B-1728B52AA6E4}">
+                <adec:decorative xmlns:adec="http://schemas.microsoft.com/office/drawing/2017/decorative" val="1"/>
+              </a:ext>
+            </a:extLst>
+          </p:cNvPr>
+          <p:cNvCxnSpPr>
+            <a:cxnSpLocks noGrp="1" noRot="1" noChangeAspect="1" noMove="1" noResize="1" noEditPoints="1" noAdjustHandles="1" noChangeArrowheads="1" noChangeShapeType="1"/>
+          </p:cNvCxnSpPr>
+          <p:nvPr>
+            <p:extLst>
+              <p:ext uri="{386F3935-93C4-4BCD-93E2-E3B085C9AB24}">
+                <p16:designElem xmlns:p16="http://schemas.microsoft.com/office/powerpoint/2015/main" val="1"/>
+              </p:ext>
+            </p:extLst>
+          </p:nvPr>
+        </p:nvCxnSpPr>
+        <p:spPr>
+          <a:xfrm>
+            <a:off x="713232" y="1031001"/>
+            <a:ext cx="978862" cy="0"/>
+          </a:xfrm>
+          <a:prstGeom prst="line">
+            <a:avLst/>
+          </a:prstGeom>
+          <a:ln w="76200"/>
+        </p:spPr>
+        <p:style>
+          <a:lnRef idx="1">
+            <a:schemeClr val="accent1"/>
+          </a:lnRef>
+          <a:fillRef idx="0">
+            <a:schemeClr val="accent1"/>
+          </a:fillRef>
+          <a:effectRef idx="0">
+            <a:schemeClr val="accent1"/>
+          </a:effectRef>
+          <a:fontRef idx="minor">
+            <a:schemeClr val="tx1"/>
+          </a:fontRef>
+        </p:style>
+      </p:cxnSp>
+      <p:sp useBgFill="1">
+        <p:nvSpPr>
+          <p:cNvPr id="12" name="Rectangle 11">
+            <a:extLst>
+              <a:ext uri="{FF2B5EF4-FFF2-40B4-BE49-F238E27FC236}">
+                <a16:creationId xmlns:a16="http://schemas.microsoft.com/office/drawing/2014/main" id="{4DE26471-6F9F-9632-C155-72BE04CFB6BB}"/>
+              </a:ext>
+              <a:ext uri="{C183D7F6-B498-43B3-948B-1728B52AA6E4}">
+                <adec:decorative xmlns:adec="http://schemas.microsoft.com/office/drawing/2017/decorative" val="1"/>
+              </a:ext>
+            </a:extLst>
+          </p:cNvPr>
+          <p:cNvSpPr>
+            <a:spLocks noGrp="1" noRot="1" noChangeAspect="1" noMove="1" noResize="1" noEditPoints="1" noAdjustHandles="1" noChangeArrowheads="1" noChangeShapeType="1" noTextEdit="1"/>
+          </p:cNvSpPr>
+          <p:nvPr>
+            <p:extLst>
+              <p:ext uri="{386F3935-93C4-4BCD-93E2-E3B085C9AB24}">
+                <p16:designElem xmlns:p16="http://schemas.microsoft.com/office/powerpoint/2015/main" val="1"/>
+              </p:ext>
+            </p:extLst>
+          </p:nvPr>
+        </p:nvSpPr>
+        <p:spPr>
+          <a:xfrm>
+            <a:off x="0" y="0"/>
+            <a:ext cx="12192000" cy="6858000"/>
+          </a:xfrm>
+          <a:prstGeom prst="rect">
+            <a:avLst/>
+          </a:prstGeom>
+          <a:ln w="12700" cap="flat" cmpd="sng" algn="ctr">
+            <a:noFill/>
+            <a:prstDash val="solid"/>
+            <a:miter lim="800000"/>
+          </a:ln>
+          <a:effectLst/>
+          <a:extLst>
+            <a:ext uri="{91240B29-F687-4F45-9708-019B960494DF}">
+              <a14:hiddenLine xmlns:a14="http://schemas.microsoft.com/office/drawing/2010/main" w="12700" cap="flat" cmpd="sng" algn="ctr">
+                <a:solidFill>
+                  <a:schemeClr val="accent1">
+                    <a:shade val="50000"/>
+                  </a:schemeClr>
+                </a:solidFill>
+                <a:prstDash val="solid"/>
+                <a:miter lim="800000"/>
+              </a14:hiddenLine>
+            </a:ext>
+          </a:extLst>
+        </p:spPr>
+        <p:style>
+          <a:lnRef idx="2">
+            <a:schemeClr val="accent1">
+              <a:shade val="50000"/>
+            </a:schemeClr>
+          </a:lnRef>
+          <a:fillRef idx="1">
+            <a:schemeClr val="accent1"/>
+          </a:fillRef>
+          <a:effectRef idx="0">
+            <a:schemeClr val="accent1"/>
+          </a:effectRef>
+          <a:fontRef idx="minor">
+            <a:schemeClr val="lt1"/>
+          </a:fontRef>
+        </p:style>
+        <p:txBody>
+          <a:bodyPr rtlCol="0" anchor="ctr"/>
+          <a:lstStyle/>
+          <a:p>
+            <a:pPr algn="ctr"/>
+            <a:endParaRPr lang="de-AT" noProof="0" dirty="0"/>
+          </a:p>
+        </p:txBody>
+      </p:sp>
+      <p:pic>
+        <p:nvPicPr>
+          <p:cNvPr id="5" name="Picture 3" descr="Ein Bild, das Himmel, Wolke, Blau, Screenshot enthält.&#10;&#10;KI-generierte Inhalte können fehlerhaft sein.">
+            <a:extLst>
+              <a:ext uri="{FF2B5EF4-FFF2-40B4-BE49-F238E27FC236}">
+                <a16:creationId xmlns:a16="http://schemas.microsoft.com/office/drawing/2014/main" id="{DB5E05DF-FCA1-B306-A813-AB2FC39E25A0}"/>
+              </a:ext>
+            </a:extLst>
+          </p:cNvPr>
+          <p:cNvPicPr>
+            <a:picLocks noChangeAspect="1"/>
+          </p:cNvPicPr>
+          <p:nvPr/>
+        </p:nvPicPr>
+        <p:blipFill>
+          <a:blip r:embed="rId2"/>
+          <a:srcRect t="25000"/>
+          <a:stretch/>
+        </p:blipFill>
+        <p:spPr>
+          <a:xfrm>
+            <a:off x="20" y="10"/>
+            <a:ext cx="12191980" cy="6857990"/>
+          </a:xfrm>
+          <a:prstGeom prst="rect">
+            <a:avLst/>
+          </a:prstGeom>
+        </p:spPr>
+      </p:pic>
+      <p:sp useBgFill="1">
+        <p:nvSpPr>
+          <p:cNvPr id="14" name="Rectangle 13">
+            <a:extLst>
+              <a:ext uri="{FF2B5EF4-FFF2-40B4-BE49-F238E27FC236}">
+                <a16:creationId xmlns:a16="http://schemas.microsoft.com/office/drawing/2014/main" id="{FE5810E0-E46D-4004-8054-6922B53025AB}"/>
+              </a:ext>
+              <a:ext uri="{C183D7F6-B498-43B3-948B-1728B52AA6E4}">
+                <adec:decorative xmlns:adec="http://schemas.microsoft.com/office/drawing/2017/decorative" val="1"/>
+              </a:ext>
+            </a:extLst>
+          </p:cNvPr>
+          <p:cNvSpPr>
+            <a:spLocks noGrp="1" noRot="1" noChangeAspect="1" noMove="1" noResize="1" noEditPoints="1" noAdjustHandles="1" noChangeArrowheads="1" noChangeShapeType="1" noTextEdit="1"/>
+          </p:cNvSpPr>
+          <p:nvPr>
+            <p:extLst>
+              <p:ext uri="{386F3935-93C4-4BCD-93E2-E3B085C9AB24}">
+                <p16:designElem xmlns:p16="http://schemas.microsoft.com/office/powerpoint/2015/main" val="1"/>
+              </p:ext>
+            </p:extLst>
+          </p:nvPr>
+        </p:nvSpPr>
+        <p:spPr>
+          <a:xfrm>
+            <a:off x="454894" y="979075"/>
+            <a:ext cx="5777024" cy="5074920"/>
+          </a:xfrm>
+          <a:prstGeom prst="rect">
+            <a:avLst/>
+          </a:prstGeom>
+          <a:ln>
+            <a:noFill/>
+          </a:ln>
+        </p:spPr>
+        <p:style>
+          <a:lnRef idx="2">
+            <a:schemeClr val="accent1">
+              <a:shade val="50000"/>
+            </a:schemeClr>
+          </a:lnRef>
+          <a:fillRef idx="1">
+            <a:schemeClr val="accent1"/>
+          </a:fillRef>
+          <a:effectRef idx="0">
+            <a:schemeClr val="accent1"/>
+          </a:effectRef>
+          <a:fontRef idx="minor">
+            <a:schemeClr val="lt1"/>
+          </a:fontRef>
+        </p:style>
+        <p:txBody>
+          <a:bodyPr rtlCol="0" anchor="ctr"/>
+          <a:lstStyle/>
+          <a:p>
+            <a:pPr algn="ctr"/>
+            <a:endParaRPr lang="de-AT" noProof="0" dirty="0"/>
+          </a:p>
+        </p:txBody>
+      </p:sp>
+      <p:sp>
+        <p:nvSpPr>
+          <p:cNvPr id="2" name="Titel 1">
+            <a:extLst>
+              <a:ext uri="{FF2B5EF4-FFF2-40B4-BE49-F238E27FC236}">
+                <a16:creationId xmlns:a16="http://schemas.microsoft.com/office/drawing/2014/main" id="{BC07DA79-AD6F-0C3D-5E10-604696BEB4A8}"/>
+              </a:ext>
+            </a:extLst>
+          </p:cNvPr>
+          <p:cNvSpPr>
+            <a:spLocks noGrp="1"/>
+          </p:cNvSpPr>
+          <p:nvPr>
+            <p:ph type="title"/>
+          </p:nvPr>
+        </p:nvSpPr>
+        <p:spPr>
+          <a:xfrm>
+            <a:off x="1049450" y="1352492"/>
+            <a:ext cx="5387913" cy="657573"/>
+          </a:xfrm>
+        </p:spPr>
+        <p:txBody>
+          <a:bodyPr vert="horz" lIns="91440" tIns="45720" rIns="91440" bIns="45720" rtlCol="0" anchor="t">
+            <a:normAutofit/>
+          </a:bodyPr>
+          <a:lstStyle/>
+          <a:p>
+            <a:r>
+              <a:rPr lang="de-DE" sz="3200" noProof="0" dirty="0"/>
+              <a:t>Technische Umsetzung</a:t>
+            </a:r>
+            <a:endParaRPr lang="de-AT" sz="3200" noProof="0" dirty="0"/>
+          </a:p>
+        </p:txBody>
+      </p:sp>
+      <p:sp>
+        <p:nvSpPr>
+          <p:cNvPr id="4" name="Textplatzhalter 3">
+            <a:extLst>
+              <a:ext uri="{FF2B5EF4-FFF2-40B4-BE49-F238E27FC236}">
+                <a16:creationId xmlns:a16="http://schemas.microsoft.com/office/drawing/2014/main" id="{A5E095C5-337E-C85A-99E1-E6363A080E96}"/>
+              </a:ext>
+            </a:extLst>
+          </p:cNvPr>
+          <p:cNvSpPr>
+            <a:spLocks noGrp="1"/>
+          </p:cNvSpPr>
+          <p:nvPr>
+            <p:ph type="body" sz="half" idx="2"/>
+          </p:nvPr>
+        </p:nvSpPr>
+        <p:spPr>
+          <a:xfrm>
+            <a:off x="1334605" y="2231136"/>
+            <a:ext cx="4665546" cy="3489131"/>
+          </a:xfrm>
+        </p:spPr>
+        <p:txBody>
+          <a:bodyPr vert="horz" lIns="91440" tIns="45720" rIns="91440" bIns="45720" rtlCol="0">
+            <a:normAutofit/>
+          </a:bodyPr>
+          <a:lstStyle/>
+          <a:p>
+            <a:pPr>
+              <a:buFont typeface="Arial" panose="020B0604020202020204" pitchFamily="34" charset="0"/>
+              <a:buChar char="•"/>
+            </a:pPr>
+            <a:r>
+              <a:rPr lang="de-DE" dirty="0"/>
+              <a:t> Arbeitsteilung: </a:t>
+            </a:r>
+          </a:p>
+          <a:p>
+            <a:pPr lvl="1">
+              <a:buFont typeface="Arial" panose="020B0604020202020204" pitchFamily="34" charset="0"/>
+              <a:buChar char="•"/>
+            </a:pPr>
+            <a:r>
+              <a:rPr lang="de-DE" dirty="0"/>
+              <a:t> </a:t>
+            </a:r>
+            <a:r>
+              <a:rPr lang="de-DE" b="1" dirty="0"/>
+              <a:t>Linus Wörndle:</a:t>
+            </a:r>
+            <a:r>
+              <a:rPr lang="de-DE" dirty="0"/>
+              <a:t> Projektmanagement und Frontend mit Fokus auf Projektmanagement</a:t>
+            </a:r>
+          </a:p>
+          <a:p>
+            <a:pPr lvl="1">
+              <a:buFont typeface="Arial" panose="020B0604020202020204" pitchFamily="34" charset="0"/>
+              <a:buChar char="•"/>
+            </a:pPr>
+            <a:r>
+              <a:rPr lang="de-DE" dirty="0"/>
+              <a:t> </a:t>
+            </a:r>
+            <a:r>
+              <a:rPr lang="de-DE" b="1" dirty="0"/>
+              <a:t>Christian </a:t>
+            </a:r>
+            <a:r>
+              <a:rPr lang="de-DE" b="1" dirty="0" err="1"/>
+              <a:t>Schallner</a:t>
+            </a:r>
+            <a:r>
+              <a:rPr lang="de-DE" b="1" dirty="0"/>
+              <a:t>: </a:t>
+            </a:r>
+            <a:r>
+              <a:rPr lang="de-DE" dirty="0"/>
+              <a:t>Backend</a:t>
+            </a:r>
+          </a:p>
+          <a:p>
+            <a:pPr lvl="1">
+              <a:buFont typeface="Arial" panose="020B0604020202020204" pitchFamily="34" charset="0"/>
+              <a:buChar char="•"/>
+            </a:pPr>
+            <a:r>
+              <a:rPr lang="de-DE" dirty="0"/>
+              <a:t> </a:t>
+            </a:r>
+            <a:r>
+              <a:rPr lang="de-DE" b="1" dirty="0"/>
+              <a:t>Fabian Lampert:</a:t>
+            </a:r>
+            <a:r>
+              <a:rPr lang="de-DE" dirty="0"/>
+              <a:t> Projektmanagement und Frontend mit Fokus auf Frontend</a:t>
+            </a:r>
+          </a:p>
+          <a:p>
+            <a:pPr>
+              <a:buFont typeface="Arial" panose="020B0604020202020204" pitchFamily="34" charset="0"/>
+              <a:buChar char="•"/>
+            </a:pPr>
+            <a:r>
+              <a:rPr lang="de-DE" dirty="0"/>
+              <a:t> Herausforderungen und gelöste Probleme</a:t>
+            </a:r>
+          </a:p>
+          <a:p>
+            <a:pPr lvl="1">
+              <a:buFont typeface="Arial" panose="020B0604020202020204" pitchFamily="34" charset="0"/>
+              <a:buChar char="•"/>
+            </a:pPr>
+            <a:r>
+              <a:rPr lang="de-DE" dirty="0"/>
+              <a:t> Erneute Programmierung des </a:t>
+            </a:r>
+            <a:r>
+              <a:rPr lang="de-DE" dirty="0" err="1"/>
+              <a:t>Backends</a:t>
+            </a:r>
+            <a:r>
+              <a:rPr lang="de-DE" dirty="0"/>
+              <a:t> -&gt; gelöst</a:t>
+            </a:r>
+          </a:p>
+          <a:p>
+            <a:pPr lvl="1">
+              <a:buFont typeface="Arial" panose="020B0604020202020204" pitchFamily="34" charset="0"/>
+              <a:buChar char="•"/>
+            </a:pPr>
+            <a:r>
+              <a:rPr lang="de-DE" dirty="0"/>
+              <a:t> Verschwinden von Dateien nach GitHub </a:t>
+            </a:r>
+            <a:br>
+              <a:rPr lang="de-DE" dirty="0"/>
+            </a:br>
+            <a:r>
+              <a:rPr lang="de-DE" dirty="0" err="1"/>
+              <a:t>Commits</a:t>
+            </a:r>
+            <a:r>
+              <a:rPr lang="de-DE" dirty="0"/>
+              <a:t> -&gt; ungelöst</a:t>
+            </a:r>
+          </a:p>
+        </p:txBody>
+      </p:sp>
+      <p:cxnSp>
+        <p:nvCxnSpPr>
+          <p:cNvPr id="16" name="Straight Connector 15">
+            <a:extLst>
+              <a:ext uri="{FF2B5EF4-FFF2-40B4-BE49-F238E27FC236}">
+                <a16:creationId xmlns:a16="http://schemas.microsoft.com/office/drawing/2014/main" id="{203CB014-53BC-40DF-6F41-1453A826676A}"/>
+              </a:ext>
+              <a:ext uri="{C183D7F6-B498-43B3-948B-1728B52AA6E4}">
+                <adec:decorative xmlns:adec="http://schemas.microsoft.com/office/drawing/2017/decorative" val="1"/>
+              </a:ext>
+            </a:extLst>
+          </p:cNvPr>
+          <p:cNvCxnSpPr>
+            <a:cxnSpLocks noGrp="1" noRot="1" noChangeAspect="1" noMove="1" noResize="1" noEditPoints="1" noAdjustHandles="1" noChangeArrowheads="1" noChangeShapeType="1"/>
+          </p:cNvCxnSpPr>
+          <p:nvPr>
+            <p:extLst>
+              <p:ext uri="{386F3935-93C4-4BCD-93E2-E3B085C9AB24}">
+                <p16:designElem xmlns:p16="http://schemas.microsoft.com/office/powerpoint/2015/main" val="1"/>
+              </p:ext>
+            </p:extLst>
+          </p:nvPr>
+        </p:nvCxnSpPr>
+        <p:spPr>
+          <a:xfrm flipV="1">
+            <a:off x="485673" y="979075"/>
+            <a:ext cx="0" cy="5074920"/>
+          </a:xfrm>
+          <a:prstGeom prst="line">
+            <a:avLst/>
+          </a:prstGeom>
+          <a:ln w="76200"/>
+        </p:spPr>
+        <p:style>
+          <a:lnRef idx="1">
+            <a:schemeClr val="accent1"/>
+          </a:lnRef>
+          <a:fillRef idx="0">
+            <a:schemeClr val="accent1"/>
+          </a:fillRef>
+          <a:effectRef idx="0">
+            <a:schemeClr val="accent1"/>
+          </a:effectRef>
+          <a:fontRef idx="minor">
+            <a:schemeClr val="tx1"/>
+          </a:fontRef>
+        </p:style>
+      </p:cxnSp>
+      <p:pic>
+        <p:nvPicPr>
+          <p:cNvPr id="7" name="Grafik 6" descr="Ein Bild, das Schrift, Grafiken, Text, Grafikdesign enthält.&#10;&#10;KI-generierte Inhalte können fehlerhaft sein.">
+            <a:extLst>
+              <a:ext uri="{FF2B5EF4-FFF2-40B4-BE49-F238E27FC236}">
+                <a16:creationId xmlns:a16="http://schemas.microsoft.com/office/drawing/2014/main" id="{DDFF155E-08E0-ECFF-A52E-1DE58D983B4D}"/>
+              </a:ext>
+            </a:extLst>
+          </p:cNvPr>
+          <p:cNvPicPr>
+            <a:picLocks noChangeAspect="1"/>
+          </p:cNvPicPr>
+          <p:nvPr/>
+        </p:nvPicPr>
+        <p:blipFill>
+          <a:blip r:embed="rId3">
+            <a:extLst>
+              <a:ext uri="{28A0092B-C50C-407E-A947-70E740481C1C}">
+                <a14:useLocalDpi xmlns:a14="http://schemas.microsoft.com/office/drawing/2010/main" val="0"/>
+              </a:ext>
+            </a:extLst>
+          </a:blip>
+          <a:stretch>
+            <a:fillRect/>
+          </a:stretch>
+        </p:blipFill>
+        <p:spPr>
+          <a:xfrm>
+            <a:off x="8951976" y="120206"/>
+            <a:ext cx="2212010" cy="488700"/>
+          </a:xfrm>
+          <a:prstGeom prst="rect">
+            <a:avLst/>
+          </a:prstGeom>
+        </p:spPr>
+      </p:pic>
+    </p:spTree>
+    <p:extLst>
+      <p:ext uri="{BB962C8B-B14F-4D97-AF65-F5344CB8AC3E}">
+        <p14:creationId xmlns:p14="http://schemas.microsoft.com/office/powerpoint/2010/main" val="2378151521"/>
+      </p:ext>
+    </p:extLst>
+  </p:cSld>
+  <p:clrMapOvr>
+    <a:masterClrMapping/>
+  </p:clrMapOvr>
+  <mc:AlternateContent xmlns:mc="http://schemas.openxmlformats.org/markup-compatibility/2006">
+    <mc:Choice xmlns:p14="http://schemas.microsoft.com/office/powerpoint/2010/main" Requires="p14">
+      <p:transition spd="med" p14:dur="700">
+        <p:fade/>
+      </p:transition>
+    </mc:Choice>
+    <mc:Fallback>
+      <p:transition spd="med">
+        <p:fade/>
+      </p:transition>
+    </mc:Fallback>
+  </mc:AlternateContent>
+</p:sld>
+</file>
+
+<file path=ppt/slides/slide11.xml><?xml version="1.0" encoding="utf-8"?>
+<p:sld xmlns:a="http://schemas.openxmlformats.org/drawingml/2006/main" xmlns:r="http://schemas.openxmlformats.org/officeDocument/2006/relationships" xmlns:p="http://schemas.openxmlformats.org/presentationml/2006/main">
+  <p:cSld>
+    <p:bg>
+      <p:bgPr>
+        <a:solidFill>
+          <a:schemeClr val="bg1"/>
+        </a:solidFill>
+        <a:effectLst/>
+      </p:bgPr>
+    </p:bg>
+    <p:spTree>
+      <p:nvGrpSpPr>
+        <p:cNvPr id="1" name="">
+          <a:extLst>
+            <a:ext uri="{FF2B5EF4-FFF2-40B4-BE49-F238E27FC236}">
+              <a16:creationId xmlns:a16="http://schemas.microsoft.com/office/drawing/2014/main" id="{0988CC36-9BEB-8326-D6F4-66C7CB69F163}"/>
+            </a:ext>
+          </a:extLst>
+        </p:cNvPr>
+        <p:cNvGrpSpPr/>
+        <p:nvPr/>
+      </p:nvGrpSpPr>
+      <p:grpSpPr>
+        <a:xfrm>
+          <a:off x="0" y="0"/>
+          <a:ext cx="0" cy="0"/>
+          <a:chOff x="0" y="0"/>
+          <a:chExt cx="0" cy="0"/>
+        </a:xfrm>
+      </p:grpSpPr>
+      <p:cxnSp>
+        <p:nvCxnSpPr>
+          <p:cNvPr id="7" name="Straight Connector 6">
+            <a:extLst>
+              <a:ext uri="{FF2B5EF4-FFF2-40B4-BE49-F238E27FC236}">
+                <a16:creationId xmlns:a16="http://schemas.microsoft.com/office/drawing/2014/main" id="{319F8957-3106-8BD6-E149-821EBC5362DC}"/>
+              </a:ext>
+              <a:ext uri="{C183D7F6-B498-43B3-948B-1728B52AA6E4}">
+                <adec:decorative xmlns:adec="http://schemas.microsoft.com/office/drawing/2017/decorative" val="1"/>
+              </a:ext>
+            </a:extLst>
+          </p:cNvPr>
+          <p:cNvCxnSpPr>
+            <a:cxnSpLocks noGrp="1" noRot="1" noChangeAspect="1" noMove="1" noResize="1" noEditPoints="1" noAdjustHandles="1" noChangeArrowheads="1" noChangeShapeType="1"/>
+          </p:cNvCxnSpPr>
+          <p:nvPr>
+            <p:extLst>
+              <p:ext uri="{386F3935-93C4-4BCD-93E2-E3B085C9AB24}">
+                <p16:designElem xmlns:p16="http://schemas.microsoft.com/office/powerpoint/2015/main" val="1"/>
+              </p:ext>
+            </p:extLst>
+          </p:nvPr>
+        </p:nvCxnSpPr>
+        <p:spPr>
+          <a:xfrm>
+            <a:off x="713232" y="1031001"/>
+            <a:ext cx="978862" cy="0"/>
+          </a:xfrm>
+          <a:prstGeom prst="line">
+            <a:avLst/>
+          </a:prstGeom>
+          <a:ln w="76200"/>
+        </p:spPr>
+        <p:style>
+          <a:lnRef idx="1">
+            <a:schemeClr val="accent1"/>
+          </a:lnRef>
+          <a:fillRef idx="0">
+            <a:schemeClr val="accent1"/>
+          </a:fillRef>
+          <a:effectRef idx="0">
+            <a:schemeClr val="accent1"/>
+          </a:effectRef>
+          <a:fontRef idx="minor">
+            <a:schemeClr val="tx1"/>
+          </a:fontRef>
+        </p:style>
+      </p:cxnSp>
+      <p:sp useBgFill="1">
+        <p:nvSpPr>
+          <p:cNvPr id="9" name="Rectangle 8">
+            <a:extLst>
+              <a:ext uri="{FF2B5EF4-FFF2-40B4-BE49-F238E27FC236}">
+                <a16:creationId xmlns:a16="http://schemas.microsoft.com/office/drawing/2014/main" id="{28D2B300-C950-A3DD-9646-ECC7DF3A422F}"/>
+              </a:ext>
+              <a:ext uri="{C183D7F6-B498-43B3-948B-1728B52AA6E4}">
+                <adec:decorative xmlns:adec="http://schemas.microsoft.com/office/drawing/2017/decorative" val="1"/>
+              </a:ext>
+            </a:extLst>
+          </p:cNvPr>
+          <p:cNvSpPr>
+            <a:spLocks noGrp="1" noRot="1" noChangeAspect="1" noMove="1" noResize="1" noEditPoints="1" noAdjustHandles="1" noChangeArrowheads="1" noChangeShapeType="1" noTextEdit="1"/>
+          </p:cNvSpPr>
+          <p:nvPr>
+            <p:extLst>
+              <p:ext uri="{386F3935-93C4-4BCD-93E2-E3B085C9AB24}">
+                <p16:designElem xmlns:p16="http://schemas.microsoft.com/office/powerpoint/2015/main" val="1"/>
+              </p:ext>
+            </p:extLst>
+          </p:nvPr>
+        </p:nvSpPr>
+        <p:spPr>
+          <a:xfrm>
+            <a:off x="0" y="0"/>
+            <a:ext cx="12192000" cy="6858000"/>
+          </a:xfrm>
+          <a:prstGeom prst="rect">
+            <a:avLst/>
+          </a:prstGeom>
+          <a:ln w="12700" cap="flat" cmpd="sng" algn="ctr">
+            <a:noFill/>
+            <a:prstDash val="solid"/>
+            <a:miter lim="800000"/>
+          </a:ln>
+          <a:effectLst/>
+          <a:extLst>
+            <a:ext uri="{91240B29-F687-4F45-9708-019B960494DF}">
+              <a14:hiddenLine xmlns:a14="http://schemas.microsoft.com/office/drawing/2010/main" w="12700" cap="flat" cmpd="sng" algn="ctr">
+                <a:solidFill>
+                  <a:schemeClr val="accent1">
+                    <a:shade val="50000"/>
+                  </a:schemeClr>
+                </a:solidFill>
+                <a:prstDash val="solid"/>
+                <a:miter lim="800000"/>
+              </a14:hiddenLine>
+            </a:ext>
+          </a:extLst>
+        </p:spPr>
+        <p:style>
+          <a:lnRef idx="2">
+            <a:schemeClr val="accent1">
+              <a:shade val="50000"/>
+            </a:schemeClr>
+          </a:lnRef>
+          <a:fillRef idx="1">
+            <a:schemeClr val="accent1"/>
+          </a:fillRef>
+          <a:effectRef idx="0">
+            <a:schemeClr val="accent1"/>
+          </a:effectRef>
+          <a:fontRef idx="minor">
+            <a:schemeClr val="lt1"/>
+          </a:fontRef>
+        </p:style>
+        <p:txBody>
+          <a:bodyPr rtlCol="0" anchor="ctr"/>
+          <a:lstStyle/>
+          <a:p>
+            <a:pPr algn="ctr"/>
+            <a:endParaRPr lang="de-AT" noProof="0" dirty="0"/>
+          </a:p>
+        </p:txBody>
+      </p:sp>
+      <p:pic>
+        <p:nvPicPr>
+          <p:cNvPr id="4" name="Picture 3" descr="Ein Bild, das Himmel, Wolke, Blau, Screenshot enthält.">
+            <a:extLst>
+              <a:ext uri="{FF2B5EF4-FFF2-40B4-BE49-F238E27FC236}">
+                <a16:creationId xmlns:a16="http://schemas.microsoft.com/office/drawing/2014/main" id="{C0031400-3F51-7704-EDED-8117ED1B9B18}"/>
+              </a:ext>
+            </a:extLst>
+          </p:cNvPr>
+          <p:cNvPicPr>
+            <a:picLocks noChangeAspect="1"/>
+          </p:cNvPicPr>
+          <p:nvPr/>
+        </p:nvPicPr>
+        <p:blipFill>
+          <a:blip r:embed="rId2">
+            <a:alphaModFix amt="40000"/>
+          </a:blip>
+          <a:srcRect t="25001"/>
+          <a:stretch/>
+        </p:blipFill>
+        <p:spPr>
+          <a:xfrm>
+            <a:off x="20" y="152"/>
+            <a:ext cx="12191980" cy="6857848"/>
+          </a:xfrm>
+          <a:prstGeom prst="rect">
+            <a:avLst/>
+          </a:prstGeom>
+        </p:spPr>
+      </p:pic>
+      <p:sp>
+        <p:nvSpPr>
+          <p:cNvPr id="2" name="Titel 1">
+            <a:extLst>
+              <a:ext uri="{FF2B5EF4-FFF2-40B4-BE49-F238E27FC236}">
+                <a16:creationId xmlns:a16="http://schemas.microsoft.com/office/drawing/2014/main" id="{32C6B551-11FD-B9BD-FBCC-182DAA988C17}"/>
+              </a:ext>
+            </a:extLst>
+          </p:cNvPr>
+          <p:cNvSpPr>
+            <a:spLocks noGrp="1"/>
+          </p:cNvSpPr>
+          <p:nvPr>
+            <p:ph type="title"/>
+          </p:nvPr>
+        </p:nvSpPr>
+        <p:spPr>
+          <a:xfrm>
+            <a:off x="1946564" y="1249217"/>
+            <a:ext cx="8298873" cy="2258284"/>
+          </a:xfrm>
+        </p:spPr>
+        <p:txBody>
+          <a:bodyPr vert="horz" lIns="91440" tIns="45720" rIns="91440" bIns="45720" rtlCol="0" anchor="b">
+            <a:normAutofit/>
+          </a:bodyPr>
+          <a:lstStyle/>
+          <a:p>
+            <a:pPr algn="ctr"/>
+            <a:r>
+              <a:rPr lang="de-AT" sz="4400" noProof="0" dirty="0"/>
+              <a:t>Funktionen der Webseite</a:t>
+            </a:r>
+          </a:p>
+        </p:txBody>
+      </p:sp>
+      <p:cxnSp>
+        <p:nvCxnSpPr>
+          <p:cNvPr id="11" name="Straight Connector 10">
+            <a:extLst>
+              <a:ext uri="{FF2B5EF4-FFF2-40B4-BE49-F238E27FC236}">
+                <a16:creationId xmlns:a16="http://schemas.microsoft.com/office/drawing/2014/main" id="{0BAA7569-100B-ECE3-20B5-266689656614}"/>
+              </a:ext>
+              <a:ext uri="{C183D7F6-B498-43B3-948B-1728B52AA6E4}">
+                <adec:decorative xmlns:adec="http://schemas.microsoft.com/office/drawing/2017/decorative" val="1"/>
+              </a:ext>
+            </a:extLst>
+          </p:cNvPr>
+          <p:cNvCxnSpPr>
+            <a:cxnSpLocks noGrp="1" noRot="1" noChangeAspect="1" noMove="1" noResize="1" noEditPoints="1" noAdjustHandles="1" noChangeArrowheads="1" noChangeShapeType="1"/>
+          </p:cNvCxnSpPr>
+          <p:nvPr>
+            <p:extLst>
+              <p:ext uri="{386F3935-93C4-4BCD-93E2-E3B085C9AB24}">
+                <p16:designElem xmlns:p16="http://schemas.microsoft.com/office/powerpoint/2015/main" val="1"/>
+              </p:ext>
+            </p:extLst>
+          </p:nvPr>
+        </p:nvCxnSpPr>
+        <p:spPr>
+          <a:xfrm>
+            <a:off x="5730240" y="4290504"/>
+            <a:ext cx="731520" cy="0"/>
+          </a:xfrm>
+          <a:prstGeom prst="line">
+            <a:avLst/>
+          </a:prstGeom>
+          <a:ln w="57150"/>
+        </p:spPr>
+        <p:style>
+          <a:lnRef idx="1">
+            <a:schemeClr val="accent1"/>
+          </a:lnRef>
+          <a:fillRef idx="0">
+            <a:schemeClr val="accent1"/>
+          </a:fillRef>
+          <a:effectRef idx="0">
+            <a:schemeClr val="accent1"/>
+          </a:effectRef>
+          <a:fontRef idx="minor">
+            <a:schemeClr val="tx1"/>
+          </a:fontRef>
+        </p:style>
+      </p:cxnSp>
+    </p:spTree>
+    <p:extLst>
+      <p:ext uri="{BB962C8B-B14F-4D97-AF65-F5344CB8AC3E}">
+        <p14:creationId xmlns:p14="http://schemas.microsoft.com/office/powerpoint/2010/main" val="272555990"/>
+      </p:ext>
+    </p:extLst>
+  </p:cSld>
+  <p:clrMapOvr>
+    <a:masterClrMapping/>
+  </p:clrMapOvr>
+  <mc:AlternateContent xmlns:mc="http://schemas.openxmlformats.org/markup-compatibility/2006">
+    <mc:Choice xmlns:p14="http://schemas.microsoft.com/office/powerpoint/2010/main" Requires="p14">
+      <p:transition spd="med" p14:dur="700">
+        <p:fade/>
+      </p:transition>
+    </mc:Choice>
+    <mc:Fallback>
+      <p:transition spd="med">
+        <p:fade/>
+      </p:transition>
+    </mc:Fallback>
+  </mc:AlternateContent>
+</p:sld>
+</file>
+
+<file path=ppt/slides/slide12.xml><?xml version="1.0" encoding="utf-8"?>
+<p:sld xmlns:a="http://schemas.openxmlformats.org/drawingml/2006/main" xmlns:r="http://schemas.openxmlformats.org/officeDocument/2006/relationships" xmlns:p="http://schemas.openxmlformats.org/presentationml/2006/main">
+  <p:cSld>
+    <p:bg>
+      <p:bgPr>
+        <a:solidFill>
+          <a:schemeClr val="bg1"/>
+        </a:solidFill>
+        <a:effectLst/>
+      </p:bgPr>
+    </p:bg>
+    <p:spTree>
+      <p:nvGrpSpPr>
+        <p:cNvPr id="1" name="">
+          <a:extLst>
+            <a:ext uri="{FF2B5EF4-FFF2-40B4-BE49-F238E27FC236}">
+              <a16:creationId xmlns:a16="http://schemas.microsoft.com/office/drawing/2014/main" id="{02AE2F65-7A73-1872-94F1-B2906EE2E81F}"/>
+            </a:ext>
+          </a:extLst>
+        </p:cNvPr>
+        <p:cNvGrpSpPr/>
+        <p:nvPr/>
+      </p:nvGrpSpPr>
+      <p:grpSpPr>
+        <a:xfrm>
+          <a:off x="0" y="0"/>
+          <a:ext cx="0" cy="0"/>
+          <a:chOff x="0" y="0"/>
+          <a:chExt cx="0" cy="0"/>
+        </a:xfrm>
+      </p:grpSpPr>
+      <p:cxnSp>
+        <p:nvCxnSpPr>
+          <p:cNvPr id="10" name="Straight Connector 9">
+            <a:extLst>
+              <a:ext uri="{FF2B5EF4-FFF2-40B4-BE49-F238E27FC236}">
+                <a16:creationId xmlns:a16="http://schemas.microsoft.com/office/drawing/2014/main" id="{3A1CD0E4-3FE0-2EC8-2386-C9FBBB0E6AA2}"/>
+              </a:ext>
+              <a:ext uri="{C183D7F6-B498-43B3-948B-1728B52AA6E4}">
+                <adec:decorative xmlns:adec="http://schemas.microsoft.com/office/drawing/2017/decorative" val="1"/>
+              </a:ext>
+            </a:extLst>
+          </p:cNvPr>
+          <p:cNvCxnSpPr>
+            <a:cxnSpLocks noGrp="1" noRot="1" noChangeAspect="1" noMove="1" noResize="1" noEditPoints="1" noAdjustHandles="1" noChangeArrowheads="1" noChangeShapeType="1"/>
+          </p:cNvCxnSpPr>
+          <p:nvPr>
+            <p:extLst>
+              <p:ext uri="{386F3935-93C4-4BCD-93E2-E3B085C9AB24}">
+                <p16:designElem xmlns:p16="http://schemas.microsoft.com/office/powerpoint/2015/main" val="1"/>
+              </p:ext>
+            </p:extLst>
+          </p:nvPr>
+        </p:nvCxnSpPr>
+        <p:spPr>
+          <a:xfrm>
+            <a:off x="713232" y="1031001"/>
+            <a:ext cx="978862" cy="0"/>
+          </a:xfrm>
+          <a:prstGeom prst="line">
+            <a:avLst/>
+          </a:prstGeom>
+          <a:ln w="76200"/>
+        </p:spPr>
+        <p:style>
+          <a:lnRef idx="1">
+            <a:schemeClr val="accent1"/>
+          </a:lnRef>
+          <a:fillRef idx="0">
+            <a:schemeClr val="accent1"/>
+          </a:fillRef>
+          <a:effectRef idx="0">
+            <a:schemeClr val="accent1"/>
+          </a:effectRef>
+          <a:fontRef idx="minor">
+            <a:schemeClr val="tx1"/>
+          </a:fontRef>
+        </p:style>
+      </p:cxnSp>
+      <p:sp useBgFill="1">
+        <p:nvSpPr>
+          <p:cNvPr id="12" name="Rectangle 11">
+            <a:extLst>
+              <a:ext uri="{FF2B5EF4-FFF2-40B4-BE49-F238E27FC236}">
+                <a16:creationId xmlns:a16="http://schemas.microsoft.com/office/drawing/2014/main" id="{E1244C3E-1924-C728-7286-C7C590067008}"/>
+              </a:ext>
+              <a:ext uri="{C183D7F6-B498-43B3-948B-1728B52AA6E4}">
+                <adec:decorative xmlns:adec="http://schemas.microsoft.com/office/drawing/2017/decorative" val="1"/>
+              </a:ext>
+            </a:extLst>
+          </p:cNvPr>
+          <p:cNvSpPr>
+            <a:spLocks noGrp="1" noRot="1" noChangeAspect="1" noMove="1" noResize="1" noEditPoints="1" noAdjustHandles="1" noChangeArrowheads="1" noChangeShapeType="1" noTextEdit="1"/>
+          </p:cNvSpPr>
+          <p:nvPr>
+            <p:extLst>
+              <p:ext uri="{386F3935-93C4-4BCD-93E2-E3B085C9AB24}">
+                <p16:designElem xmlns:p16="http://schemas.microsoft.com/office/powerpoint/2015/main" val="1"/>
+              </p:ext>
+            </p:extLst>
+          </p:nvPr>
+        </p:nvSpPr>
+        <p:spPr>
+          <a:xfrm>
+            <a:off x="0" y="0"/>
+            <a:ext cx="12192000" cy="6858000"/>
+          </a:xfrm>
+          <a:prstGeom prst="rect">
+            <a:avLst/>
+          </a:prstGeom>
+          <a:ln w="12700" cap="flat" cmpd="sng" algn="ctr">
+            <a:noFill/>
+            <a:prstDash val="solid"/>
+            <a:miter lim="800000"/>
+          </a:ln>
+          <a:effectLst/>
+          <a:extLst>
+            <a:ext uri="{91240B29-F687-4F45-9708-019B960494DF}">
+              <a14:hiddenLine xmlns:a14="http://schemas.microsoft.com/office/drawing/2010/main" w="12700" cap="flat" cmpd="sng" algn="ctr">
+                <a:solidFill>
+                  <a:schemeClr val="accent1">
+                    <a:shade val="50000"/>
+                  </a:schemeClr>
+                </a:solidFill>
+                <a:prstDash val="solid"/>
+                <a:miter lim="800000"/>
+              </a14:hiddenLine>
+            </a:ext>
+          </a:extLst>
+        </p:spPr>
+        <p:style>
+          <a:lnRef idx="2">
+            <a:schemeClr val="accent1">
+              <a:shade val="50000"/>
+            </a:schemeClr>
+          </a:lnRef>
+          <a:fillRef idx="1">
+            <a:schemeClr val="accent1"/>
+          </a:fillRef>
+          <a:effectRef idx="0">
+            <a:schemeClr val="accent1"/>
+          </a:effectRef>
+          <a:fontRef idx="minor">
+            <a:schemeClr val="lt1"/>
+          </a:fontRef>
+        </p:style>
+        <p:txBody>
+          <a:bodyPr rtlCol="0" anchor="ctr"/>
+          <a:lstStyle/>
+          <a:p>
+            <a:pPr algn="ctr"/>
+            <a:endParaRPr lang="de-AT" noProof="0" dirty="0"/>
+          </a:p>
+        </p:txBody>
+      </p:sp>
+      <p:pic>
+        <p:nvPicPr>
+          <p:cNvPr id="5" name="Picture 3" descr="Ein Bild, das Himmel, Wolke, Blau, Screenshot enthält.&#10;&#10;KI-generierte Inhalte können fehlerhaft sein.">
+            <a:extLst>
+              <a:ext uri="{FF2B5EF4-FFF2-40B4-BE49-F238E27FC236}">
+                <a16:creationId xmlns:a16="http://schemas.microsoft.com/office/drawing/2014/main" id="{E61A1B18-317E-CBC8-CD11-5D38EE58DAF0}"/>
+              </a:ext>
+            </a:extLst>
+          </p:cNvPr>
+          <p:cNvPicPr>
+            <a:picLocks noChangeAspect="1"/>
+          </p:cNvPicPr>
+          <p:nvPr/>
+        </p:nvPicPr>
+        <p:blipFill>
+          <a:blip r:embed="rId2"/>
+          <a:srcRect t="25000"/>
+          <a:stretch/>
+        </p:blipFill>
+        <p:spPr>
+          <a:xfrm>
+            <a:off x="20" y="10"/>
+            <a:ext cx="12191980" cy="6857990"/>
+          </a:xfrm>
+          <a:prstGeom prst="rect">
+            <a:avLst/>
+          </a:prstGeom>
+        </p:spPr>
+      </p:pic>
+      <p:sp useBgFill="1">
+        <p:nvSpPr>
+          <p:cNvPr id="14" name="Rectangle 13">
+            <a:extLst>
+              <a:ext uri="{FF2B5EF4-FFF2-40B4-BE49-F238E27FC236}">
+                <a16:creationId xmlns:a16="http://schemas.microsoft.com/office/drawing/2014/main" id="{D325FC8D-5A3F-2A96-F46F-11BE714352F4}"/>
+              </a:ext>
+              <a:ext uri="{C183D7F6-B498-43B3-948B-1728B52AA6E4}">
+                <adec:decorative xmlns:adec="http://schemas.microsoft.com/office/drawing/2017/decorative" val="1"/>
+              </a:ext>
+            </a:extLst>
+          </p:cNvPr>
+          <p:cNvSpPr>
+            <a:spLocks noGrp="1" noRot="1" noChangeAspect="1" noMove="1" noResize="1" noEditPoints="1" noAdjustHandles="1" noChangeArrowheads="1" noChangeShapeType="1" noTextEdit="1"/>
+          </p:cNvSpPr>
+          <p:nvPr>
+            <p:extLst>
+              <p:ext uri="{386F3935-93C4-4BCD-93E2-E3B085C9AB24}">
+                <p16:designElem xmlns:p16="http://schemas.microsoft.com/office/powerpoint/2015/main" val="1"/>
+              </p:ext>
+            </p:extLst>
+          </p:nvPr>
+        </p:nvSpPr>
+        <p:spPr>
+          <a:xfrm>
+            <a:off x="454894" y="979075"/>
+            <a:ext cx="5777024" cy="5074920"/>
+          </a:xfrm>
+          <a:prstGeom prst="rect">
+            <a:avLst/>
+          </a:prstGeom>
+          <a:ln>
+            <a:noFill/>
+          </a:ln>
+        </p:spPr>
+        <p:style>
+          <a:lnRef idx="2">
+            <a:schemeClr val="accent1">
+              <a:shade val="50000"/>
+            </a:schemeClr>
+          </a:lnRef>
+          <a:fillRef idx="1">
+            <a:schemeClr val="accent1"/>
+          </a:fillRef>
+          <a:effectRef idx="0">
+            <a:schemeClr val="accent1"/>
+          </a:effectRef>
+          <a:fontRef idx="minor">
+            <a:schemeClr val="lt1"/>
+          </a:fontRef>
+        </p:style>
+        <p:txBody>
+          <a:bodyPr rtlCol="0" anchor="ctr"/>
+          <a:lstStyle/>
+          <a:p>
+            <a:pPr algn="ctr"/>
+            <a:endParaRPr lang="de-AT" noProof="0" dirty="0"/>
+          </a:p>
+        </p:txBody>
+      </p:sp>
+      <p:sp>
+        <p:nvSpPr>
+          <p:cNvPr id="2" name="Titel 1">
+            <a:extLst>
+              <a:ext uri="{FF2B5EF4-FFF2-40B4-BE49-F238E27FC236}">
+                <a16:creationId xmlns:a16="http://schemas.microsoft.com/office/drawing/2014/main" id="{8F29E892-7BC2-CFC7-0BC9-F76699D866DE}"/>
+              </a:ext>
+            </a:extLst>
+          </p:cNvPr>
+          <p:cNvSpPr>
+            <a:spLocks noGrp="1"/>
+          </p:cNvSpPr>
+          <p:nvPr>
+            <p:ph type="title"/>
+          </p:nvPr>
+        </p:nvSpPr>
+        <p:spPr>
+          <a:xfrm>
+            <a:off x="1049450" y="1352492"/>
+            <a:ext cx="5387913" cy="657573"/>
+          </a:xfrm>
+        </p:spPr>
+        <p:txBody>
+          <a:bodyPr vert="horz" lIns="91440" tIns="45720" rIns="91440" bIns="45720" rtlCol="0" anchor="t">
+            <a:normAutofit/>
+          </a:bodyPr>
+          <a:lstStyle/>
+          <a:p>
+            <a:r>
+              <a:rPr lang="de-DE" sz="3200" noProof="0" dirty="0"/>
+              <a:t>Funktionen der Webseite</a:t>
+            </a:r>
+            <a:endParaRPr lang="de-AT" sz="3200" noProof="0" dirty="0"/>
+          </a:p>
+        </p:txBody>
+      </p:sp>
+      <p:sp>
+        <p:nvSpPr>
+          <p:cNvPr id="4" name="Textplatzhalter 3">
+            <a:extLst>
+              <a:ext uri="{FF2B5EF4-FFF2-40B4-BE49-F238E27FC236}">
+                <a16:creationId xmlns:a16="http://schemas.microsoft.com/office/drawing/2014/main" id="{CA28C5EA-D753-979E-0CE6-981F1DD69E75}"/>
+              </a:ext>
+            </a:extLst>
+          </p:cNvPr>
+          <p:cNvSpPr>
+            <a:spLocks noGrp="1"/>
+          </p:cNvSpPr>
+          <p:nvPr>
+            <p:ph type="body" sz="half" idx="2"/>
+          </p:nvPr>
+        </p:nvSpPr>
+        <p:spPr>
+          <a:xfrm>
+            <a:off x="1334605" y="2231136"/>
+            <a:ext cx="4665546" cy="3489131"/>
+          </a:xfrm>
+        </p:spPr>
+        <p:txBody>
+          <a:bodyPr vert="horz" lIns="91440" tIns="45720" rIns="91440" bIns="45720" rtlCol="0">
+            <a:normAutofit/>
+          </a:bodyPr>
+          <a:lstStyle/>
+          <a:p>
+            <a:pPr>
+              <a:buFont typeface="Arial" panose="020B0604020202020204" pitchFamily="34" charset="0"/>
+              <a:buChar char="•"/>
+            </a:pPr>
+            <a:r>
+              <a:rPr lang="de-DE" dirty="0"/>
+              <a:t> User </a:t>
+            </a:r>
+            <a:r>
+              <a:rPr lang="de-DE" dirty="0" err="1"/>
+              <a:t>login</a:t>
+            </a:r>
+            <a:r>
+              <a:rPr lang="de-DE" dirty="0"/>
+              <a:t>/</a:t>
+            </a:r>
+            <a:r>
+              <a:rPr lang="de-DE" dirty="0" err="1"/>
+              <a:t>regristration</a:t>
+            </a:r>
+            <a:endParaRPr lang="de-DE" dirty="0"/>
+          </a:p>
+          <a:p>
+            <a:pPr>
+              <a:buFont typeface="Arial" panose="020B0604020202020204" pitchFamily="34" charset="0"/>
+              <a:buChar char="•"/>
+            </a:pPr>
+            <a:r>
+              <a:rPr lang="de-DE" dirty="0"/>
+              <a:t> Haushalte erstellen und Mitglieder hinzufügen</a:t>
+            </a:r>
+          </a:p>
+          <a:p>
+            <a:pPr>
+              <a:buFont typeface="Arial" panose="020B0604020202020204" pitchFamily="34" charset="0"/>
+              <a:buChar char="•"/>
+            </a:pPr>
+            <a:r>
+              <a:rPr lang="de-DE" dirty="0"/>
+              <a:t> </a:t>
+            </a:r>
+            <a:r>
+              <a:rPr lang="de-DE" dirty="0" err="1"/>
+              <a:t>ToDo‘s</a:t>
+            </a:r>
+            <a:r>
+              <a:rPr lang="de-DE" dirty="0"/>
+              <a:t> erstellen und verwalten</a:t>
+            </a:r>
+          </a:p>
+          <a:p>
+            <a:pPr>
+              <a:buFont typeface="Arial" panose="020B0604020202020204" pitchFamily="34" charset="0"/>
+              <a:buChar char="•"/>
+            </a:pPr>
+            <a:r>
+              <a:rPr lang="de-DE" dirty="0"/>
+              <a:t> Voll funktionelle Einkaufsliste</a:t>
+            </a:r>
+          </a:p>
+          <a:p>
+            <a:pPr>
+              <a:buFont typeface="Arial" panose="020B0604020202020204" pitchFamily="34" charset="0"/>
+              <a:buChar char="•"/>
+            </a:pPr>
+            <a:r>
+              <a:rPr lang="de-DE" dirty="0"/>
+              <a:t> </a:t>
+            </a:r>
+            <a:r>
+              <a:rPr lang="de-AT" dirty="0"/>
+              <a:t>Einfaches und benutzerfreundliches Design</a:t>
+            </a:r>
+            <a:r>
+              <a:rPr lang="de-DE" dirty="0"/>
+              <a:t> </a:t>
+            </a:r>
+          </a:p>
+        </p:txBody>
+      </p:sp>
+      <p:cxnSp>
+        <p:nvCxnSpPr>
+          <p:cNvPr id="16" name="Straight Connector 15">
+            <a:extLst>
+              <a:ext uri="{FF2B5EF4-FFF2-40B4-BE49-F238E27FC236}">
+                <a16:creationId xmlns:a16="http://schemas.microsoft.com/office/drawing/2014/main" id="{32446798-0138-CB49-63A1-FB8099ACF983}"/>
+              </a:ext>
+              <a:ext uri="{C183D7F6-B498-43B3-948B-1728B52AA6E4}">
+                <adec:decorative xmlns:adec="http://schemas.microsoft.com/office/drawing/2017/decorative" val="1"/>
+              </a:ext>
+            </a:extLst>
+          </p:cNvPr>
+          <p:cNvCxnSpPr>
+            <a:cxnSpLocks noGrp="1" noRot="1" noChangeAspect="1" noMove="1" noResize="1" noEditPoints="1" noAdjustHandles="1" noChangeArrowheads="1" noChangeShapeType="1"/>
+          </p:cNvCxnSpPr>
+          <p:nvPr>
+            <p:extLst>
+              <p:ext uri="{386F3935-93C4-4BCD-93E2-E3B085C9AB24}">
+                <p16:designElem xmlns:p16="http://schemas.microsoft.com/office/powerpoint/2015/main" val="1"/>
+              </p:ext>
+            </p:extLst>
+          </p:nvPr>
+        </p:nvCxnSpPr>
+        <p:spPr>
+          <a:xfrm flipV="1">
+            <a:off x="485673" y="979075"/>
+            <a:ext cx="0" cy="5074920"/>
+          </a:xfrm>
+          <a:prstGeom prst="line">
+            <a:avLst/>
+          </a:prstGeom>
+          <a:ln w="76200"/>
+        </p:spPr>
+        <p:style>
+          <a:lnRef idx="1">
+            <a:schemeClr val="accent1"/>
+          </a:lnRef>
+          <a:fillRef idx="0">
+            <a:schemeClr val="accent1"/>
+          </a:fillRef>
+          <a:effectRef idx="0">
+            <a:schemeClr val="accent1"/>
+          </a:effectRef>
+          <a:fontRef idx="minor">
+            <a:schemeClr val="tx1"/>
+          </a:fontRef>
+        </p:style>
+      </p:cxnSp>
+      <p:pic>
+        <p:nvPicPr>
+          <p:cNvPr id="7" name="Grafik 6" descr="Ein Bild, das Schrift, Grafiken, Text, Grafikdesign enthält.&#10;&#10;KI-generierte Inhalte können fehlerhaft sein.">
+            <a:extLst>
+              <a:ext uri="{FF2B5EF4-FFF2-40B4-BE49-F238E27FC236}">
+                <a16:creationId xmlns:a16="http://schemas.microsoft.com/office/drawing/2014/main" id="{56814A56-9F9A-E159-E8D4-0B741A1AB843}"/>
+              </a:ext>
+            </a:extLst>
+          </p:cNvPr>
+          <p:cNvPicPr>
+            <a:picLocks noChangeAspect="1"/>
+          </p:cNvPicPr>
+          <p:nvPr/>
+        </p:nvPicPr>
+        <p:blipFill>
+          <a:blip r:embed="rId3">
+            <a:extLst>
+              <a:ext uri="{28A0092B-C50C-407E-A947-70E740481C1C}">
+                <a14:useLocalDpi xmlns:a14="http://schemas.microsoft.com/office/drawing/2010/main" val="0"/>
+              </a:ext>
+            </a:extLst>
+          </a:blip>
+          <a:stretch>
+            <a:fillRect/>
+          </a:stretch>
+        </p:blipFill>
+        <p:spPr>
+          <a:xfrm>
+            <a:off x="8951976" y="120206"/>
+            <a:ext cx="2212010" cy="488700"/>
+          </a:xfrm>
+          <a:prstGeom prst="rect">
+            <a:avLst/>
+          </a:prstGeom>
+        </p:spPr>
+      </p:pic>
+    </p:spTree>
+    <p:extLst>
+      <p:ext uri="{BB962C8B-B14F-4D97-AF65-F5344CB8AC3E}">
+        <p14:creationId xmlns:p14="http://schemas.microsoft.com/office/powerpoint/2010/main" val="1840319505"/>
+      </p:ext>
+    </p:extLst>
+  </p:cSld>
+  <p:clrMapOvr>
+    <a:masterClrMapping/>
+  </p:clrMapOvr>
+  <mc:AlternateContent xmlns:mc="http://schemas.openxmlformats.org/markup-compatibility/2006">
+    <mc:Choice xmlns:p14="http://schemas.microsoft.com/office/powerpoint/2010/main" Requires="p14">
+      <p:transition spd="med" p14:dur="700">
+        <p:fade/>
+      </p:transition>
+    </mc:Choice>
+    <mc:Fallback>
+      <p:transition spd="med">
+        <p:fade/>
+      </p:transition>
+    </mc:Fallback>
+  </mc:AlternateContent>
+</p:sld>
+</file>
+
+<file path=ppt/slides/slide13.xml><?xml version="1.0" encoding="utf-8"?>
+<p:sld xmlns:a="http://schemas.openxmlformats.org/drawingml/2006/main" xmlns:r="http://schemas.openxmlformats.org/officeDocument/2006/relationships" xmlns:p="http://schemas.openxmlformats.org/presentationml/2006/main">
+  <p:cSld>
+    <p:bg>
+      <p:bgPr>
+        <a:solidFill>
+          <a:schemeClr val="bg1"/>
+        </a:solidFill>
+        <a:effectLst/>
+      </p:bgPr>
+    </p:bg>
+    <p:spTree>
+      <p:nvGrpSpPr>
+        <p:cNvPr id="1" name="">
+          <a:extLst>
+            <a:ext uri="{FF2B5EF4-FFF2-40B4-BE49-F238E27FC236}">
+              <a16:creationId xmlns:a16="http://schemas.microsoft.com/office/drawing/2014/main" id="{8FFE1BFA-50AE-D5B8-0E5F-F9C379E568C4}"/>
+            </a:ext>
+          </a:extLst>
+        </p:cNvPr>
+        <p:cNvGrpSpPr/>
+        <p:nvPr/>
+      </p:nvGrpSpPr>
+      <p:grpSpPr>
+        <a:xfrm>
+          <a:off x="0" y="0"/>
+          <a:ext cx="0" cy="0"/>
+          <a:chOff x="0" y="0"/>
+          <a:chExt cx="0" cy="0"/>
+        </a:xfrm>
+      </p:grpSpPr>
+      <p:cxnSp>
+        <p:nvCxnSpPr>
+          <p:cNvPr id="7" name="Straight Connector 6">
+            <a:extLst>
+              <a:ext uri="{FF2B5EF4-FFF2-40B4-BE49-F238E27FC236}">
+                <a16:creationId xmlns:a16="http://schemas.microsoft.com/office/drawing/2014/main" id="{FA2F6629-7611-AA53-D85E-097A1FB72B63}"/>
+              </a:ext>
+              <a:ext uri="{C183D7F6-B498-43B3-948B-1728B52AA6E4}">
+                <adec:decorative xmlns:adec="http://schemas.microsoft.com/office/drawing/2017/decorative" val="1"/>
+              </a:ext>
+            </a:extLst>
+          </p:cNvPr>
+          <p:cNvCxnSpPr>
+            <a:cxnSpLocks noGrp="1" noRot="1" noChangeAspect="1" noMove="1" noResize="1" noEditPoints="1" noAdjustHandles="1" noChangeArrowheads="1" noChangeShapeType="1"/>
+          </p:cNvCxnSpPr>
+          <p:nvPr>
+            <p:extLst>
+              <p:ext uri="{386F3935-93C4-4BCD-93E2-E3B085C9AB24}">
+                <p16:designElem xmlns:p16="http://schemas.microsoft.com/office/powerpoint/2015/main" val="1"/>
+              </p:ext>
+            </p:extLst>
+          </p:nvPr>
+        </p:nvCxnSpPr>
+        <p:spPr>
+          <a:xfrm>
+            <a:off x="713232" y="1031001"/>
+            <a:ext cx="978862" cy="0"/>
+          </a:xfrm>
+          <a:prstGeom prst="line">
+            <a:avLst/>
+          </a:prstGeom>
+          <a:ln w="76200"/>
+        </p:spPr>
+        <p:style>
+          <a:lnRef idx="1">
+            <a:schemeClr val="accent1"/>
+          </a:lnRef>
+          <a:fillRef idx="0">
+            <a:schemeClr val="accent1"/>
+          </a:fillRef>
+          <a:effectRef idx="0">
+            <a:schemeClr val="accent1"/>
+          </a:effectRef>
+          <a:fontRef idx="minor">
+            <a:schemeClr val="tx1"/>
+          </a:fontRef>
+        </p:style>
+      </p:cxnSp>
+      <p:sp useBgFill="1">
+        <p:nvSpPr>
+          <p:cNvPr id="9" name="Rectangle 8">
+            <a:extLst>
+              <a:ext uri="{FF2B5EF4-FFF2-40B4-BE49-F238E27FC236}">
+                <a16:creationId xmlns:a16="http://schemas.microsoft.com/office/drawing/2014/main" id="{A35BF6C0-1C84-C31D-21DF-F03C9F6E915D}"/>
+              </a:ext>
+              <a:ext uri="{C183D7F6-B498-43B3-948B-1728B52AA6E4}">
+                <adec:decorative xmlns:adec="http://schemas.microsoft.com/office/drawing/2017/decorative" val="1"/>
+              </a:ext>
+            </a:extLst>
+          </p:cNvPr>
+          <p:cNvSpPr>
+            <a:spLocks noGrp="1" noRot="1" noChangeAspect="1" noMove="1" noResize="1" noEditPoints="1" noAdjustHandles="1" noChangeArrowheads="1" noChangeShapeType="1" noTextEdit="1"/>
+          </p:cNvSpPr>
+          <p:nvPr>
+            <p:extLst>
+              <p:ext uri="{386F3935-93C4-4BCD-93E2-E3B085C9AB24}">
+                <p16:designElem xmlns:p16="http://schemas.microsoft.com/office/powerpoint/2015/main" val="1"/>
+              </p:ext>
+            </p:extLst>
+          </p:nvPr>
+        </p:nvSpPr>
+        <p:spPr>
+          <a:xfrm>
+            <a:off x="0" y="0"/>
+            <a:ext cx="12192000" cy="6858000"/>
+          </a:xfrm>
+          <a:prstGeom prst="rect">
+            <a:avLst/>
+          </a:prstGeom>
+          <a:ln w="12700" cap="flat" cmpd="sng" algn="ctr">
+            <a:noFill/>
+            <a:prstDash val="solid"/>
+            <a:miter lim="800000"/>
+          </a:ln>
+          <a:effectLst/>
+          <a:extLst>
+            <a:ext uri="{91240B29-F687-4F45-9708-019B960494DF}">
+              <a14:hiddenLine xmlns:a14="http://schemas.microsoft.com/office/drawing/2010/main" w="12700" cap="flat" cmpd="sng" algn="ctr">
+                <a:solidFill>
+                  <a:schemeClr val="accent1">
+                    <a:shade val="50000"/>
+                  </a:schemeClr>
+                </a:solidFill>
+                <a:prstDash val="solid"/>
+                <a:miter lim="800000"/>
+              </a14:hiddenLine>
+            </a:ext>
+          </a:extLst>
+        </p:spPr>
+        <p:style>
+          <a:lnRef idx="2">
+            <a:schemeClr val="accent1">
+              <a:shade val="50000"/>
+            </a:schemeClr>
+          </a:lnRef>
+          <a:fillRef idx="1">
+            <a:schemeClr val="accent1"/>
+          </a:fillRef>
+          <a:effectRef idx="0">
+            <a:schemeClr val="accent1"/>
+          </a:effectRef>
+          <a:fontRef idx="minor">
+            <a:schemeClr val="lt1"/>
+          </a:fontRef>
+        </p:style>
+        <p:txBody>
+          <a:bodyPr rtlCol="0" anchor="ctr"/>
+          <a:lstStyle/>
+          <a:p>
+            <a:pPr algn="ctr"/>
+            <a:endParaRPr lang="de-AT" noProof="0" dirty="0"/>
+          </a:p>
+        </p:txBody>
+      </p:sp>
+      <p:pic>
+        <p:nvPicPr>
+          <p:cNvPr id="4" name="Picture 3" descr="Ein Bild, das Himmel, Wolke, Blau, Screenshot enthält.">
+            <a:extLst>
+              <a:ext uri="{FF2B5EF4-FFF2-40B4-BE49-F238E27FC236}">
+                <a16:creationId xmlns:a16="http://schemas.microsoft.com/office/drawing/2014/main" id="{B137ECC4-3F97-0781-6C02-49E1A8D135A4}"/>
+              </a:ext>
+            </a:extLst>
+          </p:cNvPr>
+          <p:cNvPicPr>
+            <a:picLocks noChangeAspect="1"/>
+          </p:cNvPicPr>
+          <p:nvPr/>
+        </p:nvPicPr>
+        <p:blipFill>
+          <a:blip r:embed="rId2">
+            <a:alphaModFix amt="40000"/>
+          </a:blip>
+          <a:srcRect t="25001"/>
+          <a:stretch/>
+        </p:blipFill>
+        <p:spPr>
+          <a:xfrm>
+            <a:off x="20" y="152"/>
+            <a:ext cx="12191980" cy="6857848"/>
+          </a:xfrm>
+          <a:prstGeom prst="rect">
+            <a:avLst/>
+          </a:prstGeom>
+        </p:spPr>
+      </p:pic>
+      <p:sp>
+        <p:nvSpPr>
+          <p:cNvPr id="2" name="Titel 1">
+            <a:extLst>
+              <a:ext uri="{FF2B5EF4-FFF2-40B4-BE49-F238E27FC236}">
+                <a16:creationId xmlns:a16="http://schemas.microsoft.com/office/drawing/2014/main" id="{9B4F8F32-1964-5E81-ECC6-8F3EDA841383}"/>
+              </a:ext>
+            </a:extLst>
+          </p:cNvPr>
+          <p:cNvSpPr>
+            <a:spLocks noGrp="1"/>
+          </p:cNvSpPr>
+          <p:nvPr>
+            <p:ph type="title"/>
+          </p:nvPr>
+        </p:nvSpPr>
+        <p:spPr>
+          <a:xfrm>
+            <a:off x="1946564" y="1249217"/>
+            <a:ext cx="8298873" cy="2258284"/>
+          </a:xfrm>
+        </p:spPr>
+        <p:txBody>
+          <a:bodyPr vert="horz" lIns="91440" tIns="45720" rIns="91440" bIns="45720" rtlCol="0" anchor="b">
+            <a:normAutofit/>
+          </a:bodyPr>
+          <a:lstStyle/>
+          <a:p>
+            <a:pPr algn="ctr"/>
+            <a:r>
+              <a:rPr lang="de-AT" sz="4400" noProof="0" dirty="0"/>
+              <a:t>Live Demonstration der Webseite</a:t>
+            </a:r>
+          </a:p>
+        </p:txBody>
+      </p:sp>
+      <p:cxnSp>
+        <p:nvCxnSpPr>
+          <p:cNvPr id="11" name="Straight Connector 10">
+            <a:extLst>
+              <a:ext uri="{FF2B5EF4-FFF2-40B4-BE49-F238E27FC236}">
+                <a16:creationId xmlns:a16="http://schemas.microsoft.com/office/drawing/2014/main" id="{32B748C2-4E2A-A4E4-2BB8-C9184B8F4779}"/>
+              </a:ext>
+              <a:ext uri="{C183D7F6-B498-43B3-948B-1728B52AA6E4}">
+                <adec:decorative xmlns:adec="http://schemas.microsoft.com/office/drawing/2017/decorative" val="1"/>
+              </a:ext>
+            </a:extLst>
+          </p:cNvPr>
+          <p:cNvCxnSpPr>
+            <a:cxnSpLocks noGrp="1" noRot="1" noChangeAspect="1" noMove="1" noResize="1" noEditPoints="1" noAdjustHandles="1" noChangeArrowheads="1" noChangeShapeType="1"/>
+          </p:cNvCxnSpPr>
+          <p:nvPr>
+            <p:extLst>
+              <p:ext uri="{386F3935-93C4-4BCD-93E2-E3B085C9AB24}">
+                <p16:designElem xmlns:p16="http://schemas.microsoft.com/office/powerpoint/2015/main" val="1"/>
+              </p:ext>
+            </p:extLst>
+          </p:nvPr>
+        </p:nvCxnSpPr>
+        <p:spPr>
+          <a:xfrm>
+            <a:off x="5730240" y="4290504"/>
+            <a:ext cx="731520" cy="0"/>
+          </a:xfrm>
+          <a:prstGeom prst="line">
+            <a:avLst/>
+          </a:prstGeom>
+          <a:ln w="57150"/>
+        </p:spPr>
+        <p:style>
+          <a:lnRef idx="1">
+            <a:schemeClr val="accent1"/>
+          </a:lnRef>
+          <a:fillRef idx="0">
+            <a:schemeClr val="accent1"/>
+          </a:fillRef>
+          <a:effectRef idx="0">
+            <a:schemeClr val="accent1"/>
+          </a:effectRef>
+          <a:fontRef idx="minor">
+            <a:schemeClr val="tx1"/>
+          </a:fontRef>
+        </p:style>
+      </p:cxnSp>
+    </p:spTree>
+    <p:extLst>
+      <p:ext uri="{BB962C8B-B14F-4D97-AF65-F5344CB8AC3E}">
+        <p14:creationId xmlns:p14="http://schemas.microsoft.com/office/powerpoint/2010/main" val="3768464478"/>
+      </p:ext>
+    </p:extLst>
+  </p:cSld>
+  <p:clrMapOvr>
+    <a:masterClrMapping/>
+  </p:clrMapOvr>
+  <mc:AlternateContent xmlns:mc="http://schemas.openxmlformats.org/markup-compatibility/2006">
+    <mc:Choice xmlns:p14="http://schemas.microsoft.com/office/powerpoint/2010/main" Requires="p14">
+      <p:transition spd="med" p14:dur="700">
+        <p:fade/>
+      </p:transition>
+    </mc:Choice>
+    <mc:Fallback>
+      <p:transition spd="med">
+        <p:fade/>
+      </p:transition>
+    </mc:Fallback>
+  </mc:AlternateContent>
+</p:sld>
+</file>
+
+<file path=ppt/slides/slide14.xml><?xml version="1.0" encoding="utf-8"?>
+<p:sld xmlns:a="http://schemas.openxmlformats.org/drawingml/2006/main" xmlns:r="http://schemas.openxmlformats.org/officeDocument/2006/relationships" xmlns:p="http://schemas.openxmlformats.org/presentationml/2006/main">
+  <p:cSld>
+    <p:bg>
+      <p:bgPr>
+        <a:solidFill>
+          <a:schemeClr val="bg1"/>
+        </a:solidFill>
+        <a:effectLst/>
+      </p:bgPr>
+    </p:bg>
+    <p:spTree>
+      <p:nvGrpSpPr>
+        <p:cNvPr id="1" name="">
+          <a:extLst>
+            <a:ext uri="{FF2B5EF4-FFF2-40B4-BE49-F238E27FC236}">
+              <a16:creationId xmlns:a16="http://schemas.microsoft.com/office/drawing/2014/main" id="{1B1B5EE4-827A-59EF-A268-01BA3AD42E07}"/>
+            </a:ext>
+          </a:extLst>
+        </p:cNvPr>
+        <p:cNvGrpSpPr/>
+        <p:nvPr/>
+      </p:nvGrpSpPr>
+      <p:grpSpPr>
+        <a:xfrm>
+          <a:off x="0" y="0"/>
+          <a:ext cx="0" cy="0"/>
+          <a:chOff x="0" y="0"/>
+          <a:chExt cx="0" cy="0"/>
+        </a:xfrm>
+      </p:grpSpPr>
+      <p:cxnSp>
+        <p:nvCxnSpPr>
+          <p:cNvPr id="7" name="Straight Connector 6">
+            <a:extLst>
+              <a:ext uri="{FF2B5EF4-FFF2-40B4-BE49-F238E27FC236}">
+                <a16:creationId xmlns:a16="http://schemas.microsoft.com/office/drawing/2014/main" id="{E68CBA13-0789-9DD8-D8A0-76F523F80582}"/>
+              </a:ext>
+              <a:ext uri="{C183D7F6-B498-43B3-948B-1728B52AA6E4}">
+                <adec:decorative xmlns:adec="http://schemas.microsoft.com/office/drawing/2017/decorative" val="1"/>
+              </a:ext>
+            </a:extLst>
+          </p:cNvPr>
+          <p:cNvCxnSpPr>
+            <a:cxnSpLocks noGrp="1" noRot="1" noChangeAspect="1" noMove="1" noResize="1" noEditPoints="1" noAdjustHandles="1" noChangeArrowheads="1" noChangeShapeType="1"/>
+          </p:cNvCxnSpPr>
+          <p:nvPr>
+            <p:extLst>
+              <p:ext uri="{386F3935-93C4-4BCD-93E2-E3B085C9AB24}">
+                <p16:designElem xmlns:p16="http://schemas.microsoft.com/office/powerpoint/2015/main" val="1"/>
+              </p:ext>
+            </p:extLst>
+          </p:nvPr>
+        </p:nvCxnSpPr>
+        <p:spPr>
+          <a:xfrm>
+            <a:off x="713232" y="1031001"/>
+            <a:ext cx="978862" cy="0"/>
+          </a:xfrm>
+          <a:prstGeom prst="line">
+            <a:avLst/>
+          </a:prstGeom>
+          <a:ln w="76200"/>
+        </p:spPr>
+        <p:style>
+          <a:lnRef idx="1">
+            <a:schemeClr val="accent1"/>
+          </a:lnRef>
+          <a:fillRef idx="0">
+            <a:schemeClr val="accent1"/>
+          </a:fillRef>
+          <a:effectRef idx="0">
+            <a:schemeClr val="accent1"/>
+          </a:effectRef>
+          <a:fontRef idx="minor">
+            <a:schemeClr val="tx1"/>
+          </a:fontRef>
+        </p:style>
+      </p:cxnSp>
+      <p:sp useBgFill="1">
+        <p:nvSpPr>
+          <p:cNvPr id="9" name="Rectangle 8">
+            <a:extLst>
+              <a:ext uri="{FF2B5EF4-FFF2-40B4-BE49-F238E27FC236}">
+                <a16:creationId xmlns:a16="http://schemas.microsoft.com/office/drawing/2014/main" id="{C936AAD4-2208-03A8-2833-006FF68D2D5A}"/>
+              </a:ext>
+              <a:ext uri="{C183D7F6-B498-43B3-948B-1728B52AA6E4}">
+                <adec:decorative xmlns:adec="http://schemas.microsoft.com/office/drawing/2017/decorative" val="1"/>
+              </a:ext>
+            </a:extLst>
+          </p:cNvPr>
+          <p:cNvSpPr>
+            <a:spLocks noGrp="1" noRot="1" noChangeAspect="1" noMove="1" noResize="1" noEditPoints="1" noAdjustHandles="1" noChangeArrowheads="1" noChangeShapeType="1" noTextEdit="1"/>
+          </p:cNvSpPr>
+          <p:nvPr>
+            <p:extLst>
+              <p:ext uri="{386F3935-93C4-4BCD-93E2-E3B085C9AB24}">
+                <p16:designElem xmlns:p16="http://schemas.microsoft.com/office/powerpoint/2015/main" val="1"/>
+              </p:ext>
+            </p:extLst>
+          </p:nvPr>
+        </p:nvSpPr>
+        <p:spPr>
+          <a:xfrm>
+            <a:off x="0" y="0"/>
+            <a:ext cx="12192000" cy="6858000"/>
+          </a:xfrm>
+          <a:prstGeom prst="rect">
+            <a:avLst/>
+          </a:prstGeom>
+          <a:ln w="12700" cap="flat" cmpd="sng" algn="ctr">
+            <a:noFill/>
+            <a:prstDash val="solid"/>
+            <a:miter lim="800000"/>
+          </a:ln>
+          <a:effectLst/>
+          <a:extLst>
+            <a:ext uri="{91240B29-F687-4F45-9708-019B960494DF}">
+              <a14:hiddenLine xmlns:a14="http://schemas.microsoft.com/office/drawing/2010/main" w="12700" cap="flat" cmpd="sng" algn="ctr">
+                <a:solidFill>
+                  <a:schemeClr val="accent1">
+                    <a:shade val="50000"/>
+                  </a:schemeClr>
+                </a:solidFill>
+                <a:prstDash val="solid"/>
+                <a:miter lim="800000"/>
+              </a14:hiddenLine>
+            </a:ext>
+          </a:extLst>
+        </p:spPr>
+        <p:style>
+          <a:lnRef idx="2">
+            <a:schemeClr val="accent1">
+              <a:shade val="50000"/>
+            </a:schemeClr>
+          </a:lnRef>
+          <a:fillRef idx="1">
+            <a:schemeClr val="accent1"/>
+          </a:fillRef>
+          <a:effectRef idx="0">
+            <a:schemeClr val="accent1"/>
+          </a:effectRef>
+          <a:fontRef idx="minor">
+            <a:schemeClr val="lt1"/>
+          </a:fontRef>
+        </p:style>
+        <p:txBody>
+          <a:bodyPr rtlCol="0" anchor="ctr"/>
+          <a:lstStyle/>
+          <a:p>
+            <a:pPr algn="ctr"/>
+            <a:endParaRPr lang="de-AT" noProof="0" dirty="0"/>
+          </a:p>
+        </p:txBody>
+      </p:sp>
+      <p:pic>
+        <p:nvPicPr>
+          <p:cNvPr id="4" name="Picture 3" descr="Ein Bild, das Himmel, Wolke, Blau, Screenshot enthält.">
+            <a:extLst>
+              <a:ext uri="{FF2B5EF4-FFF2-40B4-BE49-F238E27FC236}">
+                <a16:creationId xmlns:a16="http://schemas.microsoft.com/office/drawing/2014/main" id="{0107CF2C-206D-F808-AD3E-9E8AE5491E3F}"/>
+              </a:ext>
+            </a:extLst>
+          </p:cNvPr>
+          <p:cNvPicPr>
+            <a:picLocks noChangeAspect="1"/>
+          </p:cNvPicPr>
+          <p:nvPr/>
+        </p:nvPicPr>
+        <p:blipFill>
+          <a:blip r:embed="rId2">
+            <a:alphaModFix amt="40000"/>
+          </a:blip>
+          <a:srcRect t="25001"/>
+          <a:stretch/>
+        </p:blipFill>
+        <p:spPr>
+          <a:xfrm>
+            <a:off x="20" y="152"/>
+            <a:ext cx="12191980" cy="6857848"/>
+          </a:xfrm>
+          <a:prstGeom prst="rect">
+            <a:avLst/>
+          </a:prstGeom>
+        </p:spPr>
+      </p:pic>
+      <p:sp>
+        <p:nvSpPr>
+          <p:cNvPr id="2" name="Titel 1">
+            <a:extLst>
+              <a:ext uri="{FF2B5EF4-FFF2-40B4-BE49-F238E27FC236}">
+                <a16:creationId xmlns:a16="http://schemas.microsoft.com/office/drawing/2014/main" id="{91EBDBDE-88B5-9234-6816-888C576048D3}"/>
+              </a:ext>
+            </a:extLst>
+          </p:cNvPr>
+          <p:cNvSpPr>
+            <a:spLocks noGrp="1"/>
+          </p:cNvSpPr>
+          <p:nvPr>
+            <p:ph type="title"/>
+          </p:nvPr>
+        </p:nvSpPr>
+        <p:spPr>
+          <a:xfrm>
+            <a:off x="1946564" y="1249217"/>
+            <a:ext cx="8298873" cy="2258284"/>
+          </a:xfrm>
+        </p:spPr>
+        <p:txBody>
+          <a:bodyPr vert="horz" lIns="91440" tIns="45720" rIns="91440" bIns="45720" rtlCol="0" anchor="b">
+            <a:normAutofit/>
+          </a:bodyPr>
+          <a:lstStyle/>
+          <a:p>
+            <a:pPr algn="ctr"/>
+            <a:r>
+              <a:rPr lang="de-AT" sz="4400" noProof="0" dirty="0"/>
+              <a:t>GitHub &amp; Versionskontrolle</a:t>
+            </a:r>
+          </a:p>
+        </p:txBody>
+      </p:sp>
+      <p:cxnSp>
+        <p:nvCxnSpPr>
+          <p:cNvPr id="11" name="Straight Connector 10">
+            <a:extLst>
+              <a:ext uri="{FF2B5EF4-FFF2-40B4-BE49-F238E27FC236}">
+                <a16:creationId xmlns:a16="http://schemas.microsoft.com/office/drawing/2014/main" id="{0D306D38-3EAB-F881-4E69-81A75802AA1A}"/>
+              </a:ext>
+              <a:ext uri="{C183D7F6-B498-43B3-948B-1728B52AA6E4}">
+                <adec:decorative xmlns:adec="http://schemas.microsoft.com/office/drawing/2017/decorative" val="1"/>
+              </a:ext>
+            </a:extLst>
+          </p:cNvPr>
+          <p:cNvCxnSpPr>
+            <a:cxnSpLocks noGrp="1" noRot="1" noChangeAspect="1" noMove="1" noResize="1" noEditPoints="1" noAdjustHandles="1" noChangeArrowheads="1" noChangeShapeType="1"/>
+          </p:cNvCxnSpPr>
+          <p:nvPr>
+            <p:extLst>
+              <p:ext uri="{386F3935-93C4-4BCD-93E2-E3B085C9AB24}">
+                <p16:designElem xmlns:p16="http://schemas.microsoft.com/office/powerpoint/2015/main" val="1"/>
+              </p:ext>
+            </p:extLst>
+          </p:nvPr>
+        </p:nvCxnSpPr>
+        <p:spPr>
+          <a:xfrm>
+            <a:off x="5730240" y="4290504"/>
+            <a:ext cx="731520" cy="0"/>
+          </a:xfrm>
+          <a:prstGeom prst="line">
+            <a:avLst/>
+          </a:prstGeom>
+          <a:ln w="57150"/>
+        </p:spPr>
+        <p:style>
+          <a:lnRef idx="1">
+            <a:schemeClr val="accent1"/>
+          </a:lnRef>
+          <a:fillRef idx="0">
+            <a:schemeClr val="accent1"/>
+          </a:fillRef>
+          <a:effectRef idx="0">
+            <a:schemeClr val="accent1"/>
+          </a:effectRef>
+          <a:fontRef idx="minor">
+            <a:schemeClr val="tx1"/>
+          </a:fontRef>
+        </p:style>
+      </p:cxnSp>
+    </p:spTree>
+    <p:extLst>
+      <p:ext uri="{BB962C8B-B14F-4D97-AF65-F5344CB8AC3E}">
+        <p14:creationId xmlns:p14="http://schemas.microsoft.com/office/powerpoint/2010/main" val="1979328243"/>
+      </p:ext>
+    </p:extLst>
+  </p:cSld>
+  <p:clrMapOvr>
+    <a:masterClrMapping/>
+  </p:clrMapOvr>
+  <mc:AlternateContent xmlns:mc="http://schemas.openxmlformats.org/markup-compatibility/2006">
+    <mc:Choice xmlns:p14="http://schemas.microsoft.com/office/powerpoint/2010/main" Requires="p14">
+      <p:transition spd="med" p14:dur="700">
+        <p:fade/>
+      </p:transition>
+    </mc:Choice>
+    <mc:Fallback>
+      <p:transition spd="med">
+        <p:fade/>
+      </p:transition>
+    </mc:Fallback>
+  </mc:AlternateContent>
+</p:sld>
+</file>
+
+<file path=ppt/slides/slide15.xml><?xml version="1.0" encoding="utf-8"?>
+<p:sld xmlns:a="http://schemas.openxmlformats.org/drawingml/2006/main" xmlns:r="http://schemas.openxmlformats.org/officeDocument/2006/relationships" xmlns:p="http://schemas.openxmlformats.org/presentationml/2006/main">
+  <p:cSld>
+    <p:bg>
+      <p:bgPr>
+        <a:solidFill>
+          <a:schemeClr val="bg1"/>
+        </a:solidFill>
+        <a:effectLst/>
+      </p:bgPr>
+    </p:bg>
+    <p:spTree>
+      <p:nvGrpSpPr>
+        <p:cNvPr id="1" name=""/>
+        <p:cNvGrpSpPr/>
+        <p:nvPr/>
+      </p:nvGrpSpPr>
+      <p:grpSpPr>
+        <a:xfrm>
+          <a:off x="0" y="0"/>
+          <a:ext cx="0" cy="0"/>
+          <a:chOff x="0" y="0"/>
+          <a:chExt cx="0" cy="0"/>
+        </a:xfrm>
+      </p:grpSpPr>
+      <p:cxnSp>
+        <p:nvCxnSpPr>
+          <p:cNvPr id="19" name="Straight Connector 18">
+            <a:extLst>
+              <a:ext uri="{FF2B5EF4-FFF2-40B4-BE49-F238E27FC236}">
+                <a16:creationId xmlns:a16="http://schemas.microsoft.com/office/drawing/2014/main" id="{118E06E4-607B-144B-382B-AD3D06B1EE8C}"/>
+              </a:ext>
+              <a:ext uri="{C183D7F6-B498-43B3-948B-1728B52AA6E4}">
+                <adec:decorative xmlns:adec="http://schemas.microsoft.com/office/drawing/2017/decorative" val="1"/>
+              </a:ext>
+            </a:extLst>
+          </p:cNvPr>
+          <p:cNvCxnSpPr>
+            <a:cxnSpLocks noGrp="1" noRot="1" noChangeAspect="1" noMove="1" noResize="1" noEditPoints="1" noAdjustHandles="1" noChangeArrowheads="1" noChangeShapeType="1"/>
+          </p:cNvCxnSpPr>
+          <p:nvPr>
+            <p:extLst>
+              <p:ext uri="{386F3935-93C4-4BCD-93E2-E3B085C9AB24}">
+                <p16:designElem xmlns:p16="http://schemas.microsoft.com/office/powerpoint/2015/main" val="1"/>
+              </p:ext>
+            </p:extLst>
+          </p:nvPr>
+        </p:nvCxnSpPr>
+        <p:spPr>
+          <a:xfrm>
+            <a:off x="713232" y="1031001"/>
+            <a:ext cx="978862" cy="0"/>
+          </a:xfrm>
+          <a:prstGeom prst="line">
+            <a:avLst/>
+          </a:prstGeom>
+          <a:ln w="76200"/>
+        </p:spPr>
+        <p:style>
+          <a:lnRef idx="1">
+            <a:schemeClr val="accent1"/>
+          </a:lnRef>
+          <a:fillRef idx="0">
+            <a:schemeClr val="accent1"/>
+          </a:fillRef>
+          <a:effectRef idx="0">
+            <a:schemeClr val="accent1"/>
+          </a:effectRef>
+          <a:fontRef idx="minor">
+            <a:schemeClr val="tx1"/>
+          </a:fontRef>
+        </p:style>
+      </p:cxnSp>
+      <p:sp useBgFill="1">
+        <p:nvSpPr>
+          <p:cNvPr id="21" name="Rectangle 20">
+            <a:extLst>
+              <a:ext uri="{FF2B5EF4-FFF2-40B4-BE49-F238E27FC236}">
+                <a16:creationId xmlns:a16="http://schemas.microsoft.com/office/drawing/2014/main" id="{CFD1D2CD-954D-4C4D-B505-05EAD159B230}"/>
+              </a:ext>
+              <a:ext uri="{C183D7F6-B498-43B3-948B-1728B52AA6E4}">
+                <adec:decorative xmlns:adec="http://schemas.microsoft.com/office/drawing/2017/decorative" val="1"/>
+              </a:ext>
+            </a:extLst>
+          </p:cNvPr>
+          <p:cNvSpPr>
+            <a:spLocks noGrp="1" noRot="1" noChangeAspect="1" noMove="1" noResize="1" noEditPoints="1" noAdjustHandles="1" noChangeArrowheads="1" noChangeShapeType="1" noTextEdit="1"/>
+          </p:cNvSpPr>
+          <p:nvPr>
+            <p:extLst>
+              <p:ext uri="{386F3935-93C4-4BCD-93E2-E3B085C9AB24}">
+                <p16:designElem xmlns:p16="http://schemas.microsoft.com/office/powerpoint/2015/main" val="1"/>
+              </p:ext>
+            </p:extLst>
+          </p:nvPr>
+        </p:nvSpPr>
+        <p:spPr>
+          <a:xfrm>
+            <a:off x="0" y="0"/>
+            <a:ext cx="12192000" cy="6858000"/>
+          </a:xfrm>
+          <a:prstGeom prst="rect">
+            <a:avLst/>
+          </a:prstGeom>
+          <a:ln w="12700" cap="flat" cmpd="sng" algn="ctr">
+            <a:noFill/>
+            <a:prstDash val="solid"/>
+            <a:miter lim="800000"/>
+          </a:ln>
+          <a:effectLst/>
+          <a:extLst>
+            <a:ext uri="{91240B29-F687-4F45-9708-019B960494DF}">
+              <a14:hiddenLine xmlns:a14="http://schemas.microsoft.com/office/drawing/2010/main" w="12700" cap="flat" cmpd="sng" algn="ctr">
+                <a:solidFill>
+                  <a:schemeClr val="accent1">
+                    <a:shade val="50000"/>
+                  </a:schemeClr>
+                </a:solidFill>
+                <a:prstDash val="solid"/>
+                <a:miter lim="800000"/>
+              </a14:hiddenLine>
+            </a:ext>
+          </a:extLst>
+        </p:spPr>
+        <p:style>
+          <a:lnRef idx="2">
+            <a:schemeClr val="accent1">
+              <a:shade val="50000"/>
+            </a:schemeClr>
+          </a:lnRef>
+          <a:fillRef idx="1">
+            <a:schemeClr val="accent1"/>
+          </a:fillRef>
+          <a:effectRef idx="0">
+            <a:schemeClr val="accent1"/>
+          </a:effectRef>
+          <a:fontRef idx="minor">
+            <a:schemeClr val="lt1"/>
+          </a:fontRef>
+        </p:style>
+        <p:txBody>
+          <a:bodyPr rtlCol="0" anchor="ctr"/>
+          <a:lstStyle/>
+          <a:p>
+            <a:pPr algn="ctr"/>
+            <a:endParaRPr lang="en-US"/>
+          </a:p>
+        </p:txBody>
+      </p:sp>
+      <p:pic>
+        <p:nvPicPr>
+          <p:cNvPr id="3" name="Picture 3" descr="Ein Bild, das Himmel, Wolke, Blau, Screenshot enthält.&#10;&#10;KI-generierte Inhalte können fehlerhaft sein.">
+            <a:extLst>
+              <a:ext uri="{FF2B5EF4-FFF2-40B4-BE49-F238E27FC236}">
+                <a16:creationId xmlns:a16="http://schemas.microsoft.com/office/drawing/2014/main" id="{8E5C5B0E-CEAD-2224-77E6-9C773B6E9253}"/>
+              </a:ext>
+            </a:extLst>
+          </p:cNvPr>
+          <p:cNvPicPr>
+            <a:picLocks noChangeAspect="1"/>
+          </p:cNvPicPr>
+          <p:nvPr/>
+        </p:nvPicPr>
+        <p:blipFill>
+          <a:blip r:embed="rId2"/>
+          <a:srcRect t="19463" r="-2" b="-2"/>
+          <a:stretch/>
+        </p:blipFill>
+        <p:spPr>
+          <a:xfrm>
+            <a:off x="0" y="0"/>
+            <a:ext cx="12192000" cy="7364295"/>
+          </a:xfrm>
+          <a:prstGeom prst="rect">
+            <a:avLst/>
+          </a:prstGeom>
+        </p:spPr>
+      </p:pic>
+      <p:sp>
+        <p:nvSpPr>
+          <p:cNvPr id="2" name="Titel 1">
+            <a:extLst>
+              <a:ext uri="{FF2B5EF4-FFF2-40B4-BE49-F238E27FC236}">
+                <a16:creationId xmlns:a16="http://schemas.microsoft.com/office/drawing/2014/main" id="{5112F93D-0E20-9CF2-B5DF-74C03B6CB969}"/>
+              </a:ext>
+            </a:extLst>
+          </p:cNvPr>
+          <p:cNvSpPr>
+            <a:spLocks noGrp="1"/>
+          </p:cNvSpPr>
+          <p:nvPr>
+            <p:ph type="title"/>
+          </p:nvPr>
+        </p:nvSpPr>
+        <p:spPr>
+          <a:xfrm>
+            <a:off x="640080" y="1371599"/>
+            <a:ext cx="4892041" cy="3076749"/>
+          </a:xfrm>
+        </p:spPr>
+        <p:txBody>
+          <a:bodyPr vert="horz" lIns="91440" tIns="45720" rIns="91440" bIns="45720" rtlCol="0" anchor="t">
+            <a:normAutofit/>
+          </a:bodyPr>
+          <a:lstStyle/>
+          <a:p>
+            <a:r>
+              <a:rPr lang="en-US" sz="4600"/>
+              <a:t>GitHub &amp; </a:t>
+            </a:r>
+            <a:br>
+              <a:rPr lang="en-US" sz="4600"/>
+            </a:br>
+            <a:r>
+              <a:rPr lang="en-US" sz="4600"/>
+              <a:t>Versionskontrolle</a:t>
+            </a:r>
+          </a:p>
+        </p:txBody>
+      </p:sp>
+      <p:cxnSp>
+        <p:nvCxnSpPr>
+          <p:cNvPr id="23" name="Straight Connector 22">
+            <a:extLst>
+              <a:ext uri="{FF2B5EF4-FFF2-40B4-BE49-F238E27FC236}">
+                <a16:creationId xmlns:a16="http://schemas.microsoft.com/office/drawing/2014/main" id="{D132AEA7-A24A-45A9-BF8F-D0AFF34DF68C}"/>
+              </a:ext>
+              <a:ext uri="{C183D7F6-B498-43B3-948B-1728B52AA6E4}">
+                <adec:decorative xmlns:adec="http://schemas.microsoft.com/office/drawing/2017/decorative" val="1"/>
+              </a:ext>
+            </a:extLst>
+          </p:cNvPr>
+          <p:cNvCxnSpPr>
+            <a:cxnSpLocks noGrp="1" noRot="1" noChangeAspect="1" noMove="1" noResize="1" noEditPoints="1" noAdjustHandles="1" noChangeArrowheads="1" noChangeShapeType="1"/>
+          </p:cNvCxnSpPr>
+          <p:nvPr>
+            <p:extLst>
+              <p:ext uri="{386F3935-93C4-4BCD-93E2-E3B085C9AB24}">
+                <p16:designElem xmlns:p16="http://schemas.microsoft.com/office/powerpoint/2015/main" val="1"/>
+              </p:ext>
+            </p:extLst>
+          </p:nvPr>
+        </p:nvCxnSpPr>
+        <p:spPr>
+          <a:xfrm>
+            <a:off x="713232" y="1031001"/>
+            <a:ext cx="978862" cy="0"/>
+          </a:xfrm>
+          <a:prstGeom prst="line">
+            <a:avLst/>
+          </a:prstGeom>
+          <a:ln w="76200"/>
+        </p:spPr>
+        <p:style>
+          <a:lnRef idx="1">
+            <a:schemeClr val="accent1"/>
+          </a:lnRef>
+          <a:fillRef idx="0">
+            <a:schemeClr val="accent1"/>
+          </a:fillRef>
+          <a:effectRef idx="0">
+            <a:schemeClr val="accent1"/>
+          </a:effectRef>
+          <a:fontRef idx="minor">
+            <a:schemeClr val="tx1"/>
+          </a:fontRef>
+        </p:style>
+      </p:cxnSp>
+      <p:pic>
+        <p:nvPicPr>
+          <p:cNvPr id="4" name="Grafik 3" descr="Ein Bild, das Schrift, Grafiken, Text, Grafikdesign enthält.&#10;&#10;KI-generierte Inhalte können fehlerhaft sein.">
+            <a:extLst>
+              <a:ext uri="{FF2B5EF4-FFF2-40B4-BE49-F238E27FC236}">
+                <a16:creationId xmlns:a16="http://schemas.microsoft.com/office/drawing/2014/main" id="{7A714DD3-699E-AA78-0467-A9466232FE15}"/>
+              </a:ext>
+            </a:extLst>
+          </p:cNvPr>
+          <p:cNvPicPr>
+            <a:picLocks noChangeAspect="1"/>
+          </p:cNvPicPr>
+          <p:nvPr/>
+        </p:nvPicPr>
+        <p:blipFill>
+          <a:blip r:embed="rId3">
+            <a:extLst>
+              <a:ext uri="{28A0092B-C50C-407E-A947-70E740481C1C}">
+                <a14:useLocalDpi xmlns:a14="http://schemas.microsoft.com/office/drawing/2010/main" val="0"/>
+              </a:ext>
+            </a:extLst>
+          </a:blip>
+          <a:stretch>
+            <a:fillRect/>
+          </a:stretch>
+        </p:blipFill>
+        <p:spPr>
+          <a:xfrm>
+            <a:off x="157599" y="6278959"/>
+            <a:ext cx="2212010" cy="488700"/>
+          </a:xfrm>
+          <a:prstGeom prst="rect">
+            <a:avLst/>
+          </a:prstGeom>
+        </p:spPr>
+      </p:pic>
+      <p:pic>
+        <p:nvPicPr>
+          <p:cNvPr id="6" name="Grafik 5" descr="Ein Bild, das Screenshot, Text, Multimedia-Software, Software enthält.&#10;&#10;KI-generierte Inhalte können fehlerhaft sein.">
+            <a:extLst>
+              <a:ext uri="{FF2B5EF4-FFF2-40B4-BE49-F238E27FC236}">
+                <a16:creationId xmlns:a16="http://schemas.microsoft.com/office/drawing/2014/main" id="{9D92E539-2C7F-2C11-40C3-9EBC74D69B71}"/>
+              </a:ext>
+            </a:extLst>
+          </p:cNvPr>
+          <p:cNvPicPr>
+            <a:picLocks noChangeAspect="1"/>
+          </p:cNvPicPr>
+          <p:nvPr/>
+        </p:nvPicPr>
+        <p:blipFill>
+          <a:blip r:embed="rId4"/>
+          <a:stretch>
+            <a:fillRect/>
+          </a:stretch>
+        </p:blipFill>
+        <p:spPr>
+          <a:xfrm>
+            <a:off x="5699312" y="834278"/>
+            <a:ext cx="5943600" cy="5391150"/>
+          </a:xfrm>
+          <a:prstGeom prst="rect">
+            <a:avLst/>
+          </a:prstGeom>
+        </p:spPr>
+      </p:pic>
+    </p:spTree>
+    <p:extLst>
+      <p:ext uri="{BB962C8B-B14F-4D97-AF65-F5344CB8AC3E}">
+        <p14:creationId xmlns:p14="http://schemas.microsoft.com/office/powerpoint/2010/main" val="2813430652"/>
+      </p:ext>
+    </p:extLst>
+  </p:cSld>
+  <p:clrMapOvr>
+    <a:masterClrMapping/>
+  </p:clrMapOvr>
+  <mc:AlternateContent xmlns:mc="http://schemas.openxmlformats.org/markup-compatibility/2006">
+    <mc:Choice xmlns:p14="http://schemas.microsoft.com/office/powerpoint/2010/main" Requires="p14">
+      <p:transition spd="med" p14:dur="700">
+        <p:fade/>
+      </p:transition>
+    </mc:Choice>
+    <mc:Fallback>
+      <p:transition spd="med">
+        <p:fade/>
+      </p:transition>
+    </mc:Fallback>
+  </mc:AlternateContent>
+  <p:timing>
+    <p:tnLst>
+      <p:par>
+        <p:cTn id="1" dur="indefinite" restart="never" nodeType="tmRoot">
+          <p:childTnLst>
+            <p:seq concurrent="1" nextAc="seek">
+              <p:cTn id="2" dur="indefinite" nodeType="mainSeq">
+                <p:childTnLst>
+                  <p:par>
+                    <p:cTn id="3" fill="hold">
+                      <p:stCondLst>
+                        <p:cond delay="indefinite"/>
+                        <p:cond evt="onBegin" delay="0">
+                          <p:tn val="2"/>
+                        </p:cond>
+                      </p:stCondLst>
+                      <p:childTnLst>
+                        <p:par>
+                          <p:cTn id="4" fill="hold">
+                            <p:stCondLst>
+                              <p:cond delay="0"/>
+                            </p:stCondLst>
+                            <p:childTnLst>
+                              <p:par>
+                                <p:cTn id="5" presetID="10" presetClass="entr" presetSubtype="0" fill="hold" grpId="0" nodeType="withEffect">
+                                  <p:stCondLst>
+                                    <p:cond delay="1000"/>
+                                  </p:stCondLst>
+                                  <p:iterate type="lt">
+                                    <p:tmPct val="10000"/>
+                                  </p:iterate>
+                                  <p:childTnLst>
+                                    <p:set>
+                                      <p:cBhvr>
+                                        <p:cTn id="6" dur="1" fill="hold">
+                                          <p:stCondLst>
+                                            <p:cond delay="0"/>
+                                          </p:stCondLst>
+                                        </p:cTn>
+                                        <p:tgtEl>
+                                          <p:spTgt spid="2"/>
+                                        </p:tgtEl>
+                                        <p:attrNameLst>
+                                          <p:attrName>style.visibility</p:attrName>
+                                        </p:attrNameLst>
+                                      </p:cBhvr>
+                                      <p:to>
+                                        <p:strVal val="visible"/>
+                                      </p:to>
+                                    </p:set>
+                                    <p:animEffect transition="in" filter="fade">
+                                      <p:cBhvr>
+                                        <p:cTn id="7" dur="400"/>
+                                        <p:tgtEl>
+                                          <p:spTgt spid="2"/>
+                                        </p:tgtEl>
+                                      </p:cBhvr>
+                                    </p:animEffect>
+                                  </p:childTnLst>
+                                </p:cTn>
+                              </p:par>
+                            </p:childTnLst>
+                          </p:cTn>
+                        </p:par>
+                      </p:childTnLst>
+                    </p:cTn>
+                  </p:par>
+                </p:childTnLst>
+              </p:cTn>
+              <p:prevCondLst>
+                <p:cond evt="onPrev" delay="0">
+                  <p:tgtEl>
+                    <p:sldTgt/>
+                  </p:tgtEl>
+                </p:cond>
+              </p:prevCondLst>
+              <p:nextCondLst>
+                <p:cond evt="onNext" delay="0">
+                  <p:tgtEl>
+                    <p:sldTgt/>
+                  </p:tgtEl>
+                </p:cond>
+              </p:nextCondLst>
+            </p:seq>
+          </p:childTnLst>
+        </p:cTn>
+      </p:par>
+    </p:tnLst>
+    <p:bldLst>
+      <p:bldP spid="2" grpId="0"/>
+    </p:bldLst>
+  </p:timing>
+</p:sld>
+</file>
+
+<file path=ppt/slides/slide16.xml><?xml version="1.0" encoding="utf-8"?>
+<p:sld xmlns:a="http://schemas.openxmlformats.org/drawingml/2006/main" xmlns:r="http://schemas.openxmlformats.org/officeDocument/2006/relationships" xmlns:p="http://schemas.openxmlformats.org/presentationml/2006/main">
+  <p:cSld>
+    <p:bg>
+      <p:bgPr>
+        <a:solidFill>
+          <a:schemeClr val="bg1"/>
+        </a:solidFill>
+        <a:effectLst/>
+      </p:bgPr>
+    </p:bg>
+    <p:spTree>
+      <p:nvGrpSpPr>
+        <p:cNvPr id="1" name="">
+          <a:extLst>
+            <a:ext uri="{FF2B5EF4-FFF2-40B4-BE49-F238E27FC236}">
+              <a16:creationId xmlns:a16="http://schemas.microsoft.com/office/drawing/2014/main" id="{D3D9DE30-6AAC-892E-0649-CAB411CA9D9A}"/>
+            </a:ext>
+          </a:extLst>
+        </p:cNvPr>
+        <p:cNvGrpSpPr/>
+        <p:nvPr/>
+      </p:nvGrpSpPr>
+      <p:grpSpPr>
+        <a:xfrm>
+          <a:off x="0" y="0"/>
+          <a:ext cx="0" cy="0"/>
+          <a:chOff x="0" y="0"/>
+          <a:chExt cx="0" cy="0"/>
+        </a:xfrm>
+      </p:grpSpPr>
+      <p:cxnSp>
+        <p:nvCxnSpPr>
+          <p:cNvPr id="7" name="Straight Connector 6">
+            <a:extLst>
+              <a:ext uri="{FF2B5EF4-FFF2-40B4-BE49-F238E27FC236}">
+                <a16:creationId xmlns:a16="http://schemas.microsoft.com/office/drawing/2014/main" id="{B85083A0-BFA3-67C5-981D-9DCA2AA193FD}"/>
+              </a:ext>
+              <a:ext uri="{C183D7F6-B498-43B3-948B-1728B52AA6E4}">
+                <adec:decorative xmlns:adec="http://schemas.microsoft.com/office/drawing/2017/decorative" val="1"/>
+              </a:ext>
+            </a:extLst>
+          </p:cNvPr>
+          <p:cNvCxnSpPr>
+            <a:cxnSpLocks noGrp="1" noRot="1" noChangeAspect="1" noMove="1" noResize="1" noEditPoints="1" noAdjustHandles="1" noChangeArrowheads="1" noChangeShapeType="1"/>
+          </p:cNvCxnSpPr>
+          <p:nvPr>
+            <p:extLst>
+              <p:ext uri="{386F3935-93C4-4BCD-93E2-E3B085C9AB24}">
+                <p16:designElem xmlns:p16="http://schemas.microsoft.com/office/powerpoint/2015/main" val="1"/>
+              </p:ext>
+            </p:extLst>
+          </p:nvPr>
+        </p:nvCxnSpPr>
+        <p:spPr>
+          <a:xfrm>
+            <a:off x="713232" y="1031001"/>
+            <a:ext cx="978862" cy="0"/>
+          </a:xfrm>
+          <a:prstGeom prst="line">
+            <a:avLst/>
+          </a:prstGeom>
+          <a:ln w="76200"/>
+        </p:spPr>
+        <p:style>
+          <a:lnRef idx="1">
+            <a:schemeClr val="accent1"/>
+          </a:lnRef>
+          <a:fillRef idx="0">
+            <a:schemeClr val="accent1"/>
+          </a:fillRef>
+          <a:effectRef idx="0">
+            <a:schemeClr val="accent1"/>
+          </a:effectRef>
+          <a:fontRef idx="minor">
+            <a:schemeClr val="tx1"/>
+          </a:fontRef>
+        </p:style>
+      </p:cxnSp>
+      <p:sp useBgFill="1">
+        <p:nvSpPr>
+          <p:cNvPr id="9" name="Rectangle 8">
+            <a:extLst>
+              <a:ext uri="{FF2B5EF4-FFF2-40B4-BE49-F238E27FC236}">
+                <a16:creationId xmlns:a16="http://schemas.microsoft.com/office/drawing/2014/main" id="{8ECE6E0C-D213-8F3B-B5E3-A2D2F53A4E5B}"/>
+              </a:ext>
+              <a:ext uri="{C183D7F6-B498-43B3-948B-1728B52AA6E4}">
+                <adec:decorative xmlns:adec="http://schemas.microsoft.com/office/drawing/2017/decorative" val="1"/>
+              </a:ext>
+            </a:extLst>
+          </p:cNvPr>
+          <p:cNvSpPr>
+            <a:spLocks noGrp="1" noRot="1" noChangeAspect="1" noMove="1" noResize="1" noEditPoints="1" noAdjustHandles="1" noChangeArrowheads="1" noChangeShapeType="1" noTextEdit="1"/>
+          </p:cNvSpPr>
+          <p:nvPr>
+            <p:extLst>
+              <p:ext uri="{386F3935-93C4-4BCD-93E2-E3B085C9AB24}">
+                <p16:designElem xmlns:p16="http://schemas.microsoft.com/office/powerpoint/2015/main" val="1"/>
+              </p:ext>
+            </p:extLst>
+          </p:nvPr>
+        </p:nvSpPr>
+        <p:spPr>
+          <a:xfrm>
+            <a:off x="0" y="0"/>
+            <a:ext cx="12192000" cy="6858000"/>
+          </a:xfrm>
+          <a:prstGeom prst="rect">
+            <a:avLst/>
+          </a:prstGeom>
+          <a:ln w="12700" cap="flat" cmpd="sng" algn="ctr">
+            <a:noFill/>
+            <a:prstDash val="solid"/>
+            <a:miter lim="800000"/>
+          </a:ln>
+          <a:effectLst/>
+          <a:extLst>
+            <a:ext uri="{91240B29-F687-4F45-9708-019B960494DF}">
+              <a14:hiddenLine xmlns:a14="http://schemas.microsoft.com/office/drawing/2010/main" w="12700" cap="flat" cmpd="sng" algn="ctr">
+                <a:solidFill>
+                  <a:schemeClr val="accent1">
+                    <a:shade val="50000"/>
+                  </a:schemeClr>
+                </a:solidFill>
+                <a:prstDash val="solid"/>
+                <a:miter lim="800000"/>
+              </a14:hiddenLine>
+            </a:ext>
+          </a:extLst>
+        </p:spPr>
+        <p:style>
+          <a:lnRef idx="2">
+            <a:schemeClr val="accent1">
+              <a:shade val="50000"/>
+            </a:schemeClr>
+          </a:lnRef>
+          <a:fillRef idx="1">
+            <a:schemeClr val="accent1"/>
+          </a:fillRef>
+          <a:effectRef idx="0">
+            <a:schemeClr val="accent1"/>
+          </a:effectRef>
+          <a:fontRef idx="minor">
+            <a:schemeClr val="lt1"/>
+          </a:fontRef>
+        </p:style>
+        <p:txBody>
+          <a:bodyPr rtlCol="0" anchor="ctr"/>
+          <a:lstStyle/>
+          <a:p>
+            <a:pPr algn="ctr"/>
+            <a:endParaRPr lang="de-AT" noProof="0" dirty="0"/>
+          </a:p>
+        </p:txBody>
+      </p:sp>
+      <p:pic>
+        <p:nvPicPr>
+          <p:cNvPr id="4" name="Picture 3" descr="Ein Bild, das Himmel, Wolke, Blau, Screenshot enthält.">
+            <a:extLst>
+              <a:ext uri="{FF2B5EF4-FFF2-40B4-BE49-F238E27FC236}">
+                <a16:creationId xmlns:a16="http://schemas.microsoft.com/office/drawing/2014/main" id="{1C2AC86A-91C0-1D64-85D5-D503647CEFF3}"/>
+              </a:ext>
+            </a:extLst>
+          </p:cNvPr>
+          <p:cNvPicPr>
+            <a:picLocks noChangeAspect="1"/>
+          </p:cNvPicPr>
+          <p:nvPr/>
+        </p:nvPicPr>
+        <p:blipFill>
+          <a:blip r:embed="rId2">
+            <a:alphaModFix amt="40000"/>
+          </a:blip>
+          <a:srcRect t="25001"/>
+          <a:stretch/>
+        </p:blipFill>
+        <p:spPr>
+          <a:xfrm>
+            <a:off x="20" y="152"/>
+            <a:ext cx="12191980" cy="6857848"/>
+          </a:xfrm>
+          <a:prstGeom prst="rect">
+            <a:avLst/>
+          </a:prstGeom>
+        </p:spPr>
+      </p:pic>
+      <p:sp>
+        <p:nvSpPr>
+          <p:cNvPr id="2" name="Titel 1">
+            <a:extLst>
+              <a:ext uri="{FF2B5EF4-FFF2-40B4-BE49-F238E27FC236}">
+                <a16:creationId xmlns:a16="http://schemas.microsoft.com/office/drawing/2014/main" id="{BD1863DD-947D-83FC-0A8A-718CD2D271A6}"/>
+              </a:ext>
+            </a:extLst>
+          </p:cNvPr>
+          <p:cNvSpPr>
+            <a:spLocks noGrp="1"/>
+          </p:cNvSpPr>
+          <p:nvPr>
+            <p:ph type="title"/>
+          </p:nvPr>
+        </p:nvSpPr>
+        <p:spPr>
+          <a:xfrm>
+            <a:off x="1946564" y="1249217"/>
+            <a:ext cx="8298873" cy="2258284"/>
+          </a:xfrm>
+        </p:spPr>
+        <p:txBody>
+          <a:bodyPr vert="horz" lIns="91440" tIns="45720" rIns="91440" bIns="45720" rtlCol="0" anchor="b">
+            <a:normAutofit/>
+          </a:bodyPr>
+          <a:lstStyle/>
+          <a:p>
+            <a:pPr algn="ctr"/>
+            <a:r>
+              <a:rPr lang="de-AT" sz="4400" noProof="0" dirty="0"/>
+              <a:t>Fazit &amp; </a:t>
+            </a:r>
+            <a:r>
+              <a:rPr lang="de-AT" sz="4400" noProof="0" dirty="0" err="1"/>
+              <a:t>Learnings</a:t>
+            </a:r>
+            <a:endParaRPr lang="de-AT" sz="4400" noProof="0" dirty="0"/>
+          </a:p>
+        </p:txBody>
+      </p:sp>
+      <p:cxnSp>
+        <p:nvCxnSpPr>
+          <p:cNvPr id="11" name="Straight Connector 10">
+            <a:extLst>
+              <a:ext uri="{FF2B5EF4-FFF2-40B4-BE49-F238E27FC236}">
+                <a16:creationId xmlns:a16="http://schemas.microsoft.com/office/drawing/2014/main" id="{B14572B3-A224-E7F2-F1F2-7D697C8BCBF5}"/>
+              </a:ext>
+              <a:ext uri="{C183D7F6-B498-43B3-948B-1728B52AA6E4}">
+                <adec:decorative xmlns:adec="http://schemas.microsoft.com/office/drawing/2017/decorative" val="1"/>
+              </a:ext>
+            </a:extLst>
+          </p:cNvPr>
+          <p:cNvCxnSpPr>
+            <a:cxnSpLocks noGrp="1" noRot="1" noChangeAspect="1" noMove="1" noResize="1" noEditPoints="1" noAdjustHandles="1" noChangeArrowheads="1" noChangeShapeType="1"/>
+          </p:cNvCxnSpPr>
+          <p:nvPr>
+            <p:extLst>
+              <p:ext uri="{386F3935-93C4-4BCD-93E2-E3B085C9AB24}">
+                <p16:designElem xmlns:p16="http://schemas.microsoft.com/office/powerpoint/2015/main" val="1"/>
+              </p:ext>
+            </p:extLst>
+          </p:nvPr>
+        </p:nvCxnSpPr>
+        <p:spPr>
+          <a:xfrm>
+            <a:off x="5730240" y="4290504"/>
+            <a:ext cx="731520" cy="0"/>
+          </a:xfrm>
+          <a:prstGeom prst="line">
+            <a:avLst/>
+          </a:prstGeom>
+          <a:ln w="57150"/>
+        </p:spPr>
+        <p:style>
+          <a:lnRef idx="1">
+            <a:schemeClr val="accent1"/>
+          </a:lnRef>
+          <a:fillRef idx="0">
+            <a:schemeClr val="accent1"/>
+          </a:fillRef>
+          <a:effectRef idx="0">
+            <a:schemeClr val="accent1"/>
+          </a:effectRef>
+          <a:fontRef idx="minor">
+            <a:schemeClr val="tx1"/>
+          </a:fontRef>
+        </p:style>
+      </p:cxnSp>
+    </p:spTree>
+    <p:extLst>
+      <p:ext uri="{BB962C8B-B14F-4D97-AF65-F5344CB8AC3E}">
+        <p14:creationId xmlns:p14="http://schemas.microsoft.com/office/powerpoint/2010/main" val="2662032391"/>
+      </p:ext>
+    </p:extLst>
+  </p:cSld>
+  <p:clrMapOvr>
+    <a:masterClrMapping/>
+  </p:clrMapOvr>
+  <mc:AlternateContent xmlns:mc="http://schemas.openxmlformats.org/markup-compatibility/2006">
+    <mc:Choice xmlns:p14="http://schemas.microsoft.com/office/powerpoint/2010/main" Requires="p14">
+      <p:transition spd="med" p14:dur="700">
+        <p:fade/>
+      </p:transition>
+    </mc:Choice>
+    <mc:Fallback>
+      <p:transition spd="med">
+        <p:fade/>
+      </p:transition>
+    </mc:Fallback>
+  </mc:AlternateContent>
+</p:sld>
+</file>
+
+<file path=ppt/slides/slide17.xml><?xml version="1.0" encoding="utf-8"?>
+<p:sld xmlns:a="http://schemas.openxmlformats.org/drawingml/2006/main" xmlns:r="http://schemas.openxmlformats.org/officeDocument/2006/relationships" xmlns:p="http://schemas.openxmlformats.org/presentationml/2006/main">
+  <p:cSld>
+    <p:bg>
+      <p:bgPr>
+        <a:solidFill>
+          <a:schemeClr val="bg1"/>
+        </a:solidFill>
+        <a:effectLst/>
+      </p:bgPr>
+    </p:bg>
+    <p:spTree>
+      <p:nvGrpSpPr>
+        <p:cNvPr id="1" name="">
+          <a:extLst>
+            <a:ext uri="{FF2B5EF4-FFF2-40B4-BE49-F238E27FC236}">
+              <a16:creationId xmlns:a16="http://schemas.microsoft.com/office/drawing/2014/main" id="{E6CA83CC-5686-07A3-B821-116503E27CDD}"/>
+            </a:ext>
+          </a:extLst>
+        </p:cNvPr>
+        <p:cNvGrpSpPr/>
+        <p:nvPr/>
+      </p:nvGrpSpPr>
+      <p:grpSpPr>
+        <a:xfrm>
+          <a:off x="0" y="0"/>
+          <a:ext cx="0" cy="0"/>
+          <a:chOff x="0" y="0"/>
+          <a:chExt cx="0" cy="0"/>
+        </a:xfrm>
+      </p:grpSpPr>
+      <p:cxnSp>
+        <p:nvCxnSpPr>
+          <p:cNvPr id="10" name="Straight Connector 9">
+            <a:extLst>
+              <a:ext uri="{FF2B5EF4-FFF2-40B4-BE49-F238E27FC236}">
+                <a16:creationId xmlns:a16="http://schemas.microsoft.com/office/drawing/2014/main" id="{A1FC4704-C325-A7A8-4274-7125C035348B}"/>
+              </a:ext>
+              <a:ext uri="{C183D7F6-B498-43B3-948B-1728B52AA6E4}">
+                <adec:decorative xmlns:adec="http://schemas.microsoft.com/office/drawing/2017/decorative" val="1"/>
+              </a:ext>
+            </a:extLst>
+          </p:cNvPr>
+          <p:cNvCxnSpPr>
+            <a:cxnSpLocks noGrp="1" noRot="1" noChangeAspect="1" noMove="1" noResize="1" noEditPoints="1" noAdjustHandles="1" noChangeArrowheads="1" noChangeShapeType="1"/>
+          </p:cNvCxnSpPr>
+          <p:nvPr>
+            <p:extLst>
+              <p:ext uri="{386F3935-93C4-4BCD-93E2-E3B085C9AB24}">
+                <p16:designElem xmlns:p16="http://schemas.microsoft.com/office/powerpoint/2015/main" val="1"/>
+              </p:ext>
+            </p:extLst>
+          </p:nvPr>
+        </p:nvCxnSpPr>
+        <p:spPr>
+          <a:xfrm>
+            <a:off x="713232" y="1031001"/>
+            <a:ext cx="978862" cy="0"/>
+          </a:xfrm>
+          <a:prstGeom prst="line">
+            <a:avLst/>
+          </a:prstGeom>
+          <a:ln w="76200"/>
+        </p:spPr>
+        <p:style>
+          <a:lnRef idx="1">
+            <a:schemeClr val="accent1"/>
+          </a:lnRef>
+          <a:fillRef idx="0">
+            <a:schemeClr val="accent1"/>
+          </a:fillRef>
+          <a:effectRef idx="0">
+            <a:schemeClr val="accent1"/>
+          </a:effectRef>
+          <a:fontRef idx="minor">
+            <a:schemeClr val="tx1"/>
+          </a:fontRef>
+        </p:style>
+      </p:cxnSp>
+      <p:sp useBgFill="1">
+        <p:nvSpPr>
+          <p:cNvPr id="12" name="Rectangle 11">
+            <a:extLst>
+              <a:ext uri="{FF2B5EF4-FFF2-40B4-BE49-F238E27FC236}">
+                <a16:creationId xmlns:a16="http://schemas.microsoft.com/office/drawing/2014/main" id="{85B580B4-3065-0BB0-4105-C8BEEB8BC28E}"/>
+              </a:ext>
+              <a:ext uri="{C183D7F6-B498-43B3-948B-1728B52AA6E4}">
+                <adec:decorative xmlns:adec="http://schemas.microsoft.com/office/drawing/2017/decorative" val="1"/>
+              </a:ext>
+            </a:extLst>
+          </p:cNvPr>
+          <p:cNvSpPr>
+            <a:spLocks noGrp="1" noRot="1" noChangeAspect="1" noMove="1" noResize="1" noEditPoints="1" noAdjustHandles="1" noChangeArrowheads="1" noChangeShapeType="1" noTextEdit="1"/>
+          </p:cNvSpPr>
+          <p:nvPr>
+            <p:extLst>
+              <p:ext uri="{386F3935-93C4-4BCD-93E2-E3B085C9AB24}">
+                <p16:designElem xmlns:p16="http://schemas.microsoft.com/office/powerpoint/2015/main" val="1"/>
+              </p:ext>
+            </p:extLst>
+          </p:nvPr>
+        </p:nvSpPr>
+        <p:spPr>
+          <a:xfrm>
+            <a:off x="0" y="0"/>
+            <a:ext cx="12192000" cy="6858000"/>
+          </a:xfrm>
+          <a:prstGeom prst="rect">
+            <a:avLst/>
+          </a:prstGeom>
+          <a:ln w="12700" cap="flat" cmpd="sng" algn="ctr">
+            <a:noFill/>
+            <a:prstDash val="solid"/>
+            <a:miter lim="800000"/>
+          </a:ln>
+          <a:effectLst/>
+          <a:extLst>
+            <a:ext uri="{91240B29-F687-4F45-9708-019B960494DF}">
+              <a14:hiddenLine xmlns:a14="http://schemas.microsoft.com/office/drawing/2010/main" w="12700" cap="flat" cmpd="sng" algn="ctr">
+                <a:solidFill>
+                  <a:schemeClr val="accent1">
+                    <a:shade val="50000"/>
+                  </a:schemeClr>
+                </a:solidFill>
+                <a:prstDash val="solid"/>
+                <a:miter lim="800000"/>
+              </a14:hiddenLine>
+            </a:ext>
+          </a:extLst>
+        </p:spPr>
+        <p:style>
+          <a:lnRef idx="2">
+            <a:schemeClr val="accent1">
+              <a:shade val="50000"/>
+            </a:schemeClr>
+          </a:lnRef>
+          <a:fillRef idx="1">
+            <a:schemeClr val="accent1"/>
+          </a:fillRef>
+          <a:effectRef idx="0">
+            <a:schemeClr val="accent1"/>
+          </a:effectRef>
+          <a:fontRef idx="minor">
+            <a:schemeClr val="lt1"/>
+          </a:fontRef>
+        </p:style>
+        <p:txBody>
+          <a:bodyPr rtlCol="0" anchor="ctr"/>
+          <a:lstStyle/>
+          <a:p>
+            <a:pPr algn="ctr"/>
+            <a:endParaRPr lang="de-AT" noProof="0" dirty="0"/>
+          </a:p>
+        </p:txBody>
+      </p:sp>
+      <p:pic>
+        <p:nvPicPr>
+          <p:cNvPr id="5" name="Picture 3" descr="Ein Bild, das Himmel, Wolke, Blau, Screenshot enthält.&#10;&#10;KI-generierte Inhalte können fehlerhaft sein.">
+            <a:extLst>
+              <a:ext uri="{FF2B5EF4-FFF2-40B4-BE49-F238E27FC236}">
+                <a16:creationId xmlns:a16="http://schemas.microsoft.com/office/drawing/2014/main" id="{62CABAB9-BC42-95E6-B623-B6572FF9E811}"/>
+              </a:ext>
+            </a:extLst>
+          </p:cNvPr>
+          <p:cNvPicPr>
+            <a:picLocks noChangeAspect="1"/>
+          </p:cNvPicPr>
+          <p:nvPr/>
+        </p:nvPicPr>
+        <p:blipFill>
+          <a:blip r:embed="rId2"/>
+          <a:srcRect t="25000"/>
+          <a:stretch/>
+        </p:blipFill>
+        <p:spPr>
+          <a:xfrm>
+            <a:off x="20" y="10"/>
+            <a:ext cx="12191980" cy="6857990"/>
+          </a:xfrm>
+          <a:prstGeom prst="rect">
+            <a:avLst/>
+          </a:prstGeom>
+        </p:spPr>
+      </p:pic>
+      <p:sp useBgFill="1">
+        <p:nvSpPr>
+          <p:cNvPr id="14" name="Rectangle 13">
+            <a:extLst>
+              <a:ext uri="{FF2B5EF4-FFF2-40B4-BE49-F238E27FC236}">
+                <a16:creationId xmlns:a16="http://schemas.microsoft.com/office/drawing/2014/main" id="{77A303B8-BF3B-F1D9-D288-A297FA812C00}"/>
+              </a:ext>
+              <a:ext uri="{C183D7F6-B498-43B3-948B-1728B52AA6E4}">
+                <adec:decorative xmlns:adec="http://schemas.microsoft.com/office/drawing/2017/decorative" val="1"/>
+              </a:ext>
+            </a:extLst>
+          </p:cNvPr>
+          <p:cNvSpPr>
+            <a:spLocks noGrp="1" noRot="1" noChangeAspect="1" noMove="1" noResize="1" noEditPoints="1" noAdjustHandles="1" noChangeArrowheads="1" noChangeShapeType="1" noTextEdit="1"/>
+          </p:cNvSpPr>
+          <p:nvPr>
+            <p:extLst>
+              <p:ext uri="{386F3935-93C4-4BCD-93E2-E3B085C9AB24}">
+                <p16:designElem xmlns:p16="http://schemas.microsoft.com/office/powerpoint/2015/main" val="1"/>
+              </p:ext>
+            </p:extLst>
+          </p:nvPr>
+        </p:nvSpPr>
+        <p:spPr>
+          <a:xfrm>
+            <a:off x="454894" y="979075"/>
+            <a:ext cx="5777024" cy="5074920"/>
+          </a:xfrm>
+          <a:prstGeom prst="rect">
+            <a:avLst/>
+          </a:prstGeom>
+          <a:ln>
+            <a:noFill/>
+          </a:ln>
+        </p:spPr>
+        <p:style>
+          <a:lnRef idx="2">
+            <a:schemeClr val="accent1">
+              <a:shade val="50000"/>
+            </a:schemeClr>
+          </a:lnRef>
+          <a:fillRef idx="1">
+            <a:schemeClr val="accent1"/>
+          </a:fillRef>
+          <a:effectRef idx="0">
+            <a:schemeClr val="accent1"/>
+          </a:effectRef>
+          <a:fontRef idx="minor">
+            <a:schemeClr val="lt1"/>
+          </a:fontRef>
+        </p:style>
+        <p:txBody>
+          <a:bodyPr rtlCol="0" anchor="ctr"/>
+          <a:lstStyle/>
+          <a:p>
+            <a:pPr algn="ctr"/>
+            <a:endParaRPr lang="de-AT" noProof="0" dirty="0"/>
+          </a:p>
+        </p:txBody>
+      </p:sp>
+      <p:sp>
+        <p:nvSpPr>
+          <p:cNvPr id="2" name="Titel 1">
+            <a:extLst>
+              <a:ext uri="{FF2B5EF4-FFF2-40B4-BE49-F238E27FC236}">
+                <a16:creationId xmlns:a16="http://schemas.microsoft.com/office/drawing/2014/main" id="{E9DB0F3E-7F45-788B-3590-A1AA047E991A}"/>
+              </a:ext>
+            </a:extLst>
+          </p:cNvPr>
+          <p:cNvSpPr>
+            <a:spLocks noGrp="1"/>
+          </p:cNvSpPr>
+          <p:nvPr>
+            <p:ph type="title"/>
+          </p:nvPr>
+        </p:nvSpPr>
+        <p:spPr>
+          <a:xfrm>
+            <a:off x="1049450" y="1352492"/>
+            <a:ext cx="5387913" cy="657573"/>
+          </a:xfrm>
+        </p:spPr>
+        <p:txBody>
+          <a:bodyPr vert="horz" lIns="91440" tIns="45720" rIns="91440" bIns="45720" rtlCol="0" anchor="t">
+            <a:normAutofit/>
+          </a:bodyPr>
+          <a:lstStyle/>
+          <a:p>
+            <a:r>
+              <a:rPr lang="de-DE" sz="3200" noProof="0" dirty="0"/>
+              <a:t>Fazit &amp; </a:t>
+            </a:r>
+            <a:r>
+              <a:rPr lang="de-DE" sz="3200" noProof="0" dirty="0" err="1"/>
+              <a:t>Learnings</a:t>
+            </a:r>
+            <a:endParaRPr lang="de-AT" sz="3200" noProof="0" dirty="0"/>
+          </a:p>
+        </p:txBody>
+      </p:sp>
+      <p:sp>
+        <p:nvSpPr>
+          <p:cNvPr id="4" name="Textplatzhalter 3">
+            <a:extLst>
+              <a:ext uri="{FF2B5EF4-FFF2-40B4-BE49-F238E27FC236}">
+                <a16:creationId xmlns:a16="http://schemas.microsoft.com/office/drawing/2014/main" id="{A26C48BE-5C4F-AB0F-B16E-50CC841E15C8}"/>
+              </a:ext>
+            </a:extLst>
+          </p:cNvPr>
+          <p:cNvSpPr>
+            <a:spLocks noGrp="1"/>
+          </p:cNvSpPr>
+          <p:nvPr>
+            <p:ph type="body" sz="half" idx="2"/>
+          </p:nvPr>
+        </p:nvSpPr>
+        <p:spPr>
+          <a:xfrm>
+            <a:off x="1334605" y="2231136"/>
+            <a:ext cx="4665546" cy="3489131"/>
+          </a:xfrm>
+        </p:spPr>
+        <p:txBody>
+          <a:bodyPr vert="horz" lIns="91440" tIns="45720" rIns="91440" bIns="45720" rtlCol="0">
+            <a:normAutofit/>
+          </a:bodyPr>
+          <a:lstStyle/>
+          <a:p>
+            <a:pPr>
+              <a:buFont typeface="Arial" panose="020B0604020202020204" pitchFamily="34" charset="0"/>
+              <a:buChar char="•"/>
+            </a:pPr>
+            <a:r>
+              <a:rPr lang="de-DE" dirty="0"/>
+              <a:t> Was hat gut funktioniert? </a:t>
+            </a:r>
+          </a:p>
+          <a:p>
+            <a:pPr lvl="1">
+              <a:buFont typeface="Arial" panose="020B0604020202020204" pitchFamily="34" charset="0"/>
+              <a:buChar char="•"/>
+            </a:pPr>
+            <a:r>
+              <a:rPr lang="de-DE" dirty="0"/>
+              <a:t> Klare Aufgabenverteilung</a:t>
+            </a:r>
+          </a:p>
+          <a:p>
+            <a:pPr lvl="1">
+              <a:buFont typeface="Arial" panose="020B0604020202020204" pitchFamily="34" charset="0"/>
+              <a:buChar char="•"/>
+            </a:pPr>
+            <a:r>
+              <a:rPr lang="de-DE" dirty="0"/>
+              <a:t> Effektive Kommunikation</a:t>
+            </a:r>
+          </a:p>
+          <a:p>
+            <a:pPr>
+              <a:buFont typeface="Arial" panose="020B0604020202020204" pitchFamily="34" charset="0"/>
+              <a:buChar char="•"/>
+            </a:pPr>
+            <a:r>
+              <a:rPr lang="de-DE" dirty="0"/>
+              <a:t> Was könnte verbessert werden? </a:t>
+            </a:r>
+          </a:p>
+          <a:p>
+            <a:pPr lvl="1">
+              <a:buFont typeface="Arial" panose="020B0604020202020204" pitchFamily="34" charset="0"/>
+              <a:buChar char="•"/>
+            </a:pPr>
+            <a:r>
+              <a:rPr lang="de-DE" dirty="0"/>
+              <a:t>Zeitmanagement</a:t>
+            </a:r>
+          </a:p>
+          <a:p>
+            <a:pPr>
+              <a:buFont typeface="Arial" panose="020B0604020202020204" pitchFamily="34" charset="0"/>
+              <a:buChar char="•"/>
+            </a:pPr>
+            <a:r>
+              <a:rPr lang="de-DE" dirty="0"/>
+              <a:t> Erfahrungen im Team &amp; Zusammenarbeit</a:t>
+            </a:r>
+          </a:p>
+          <a:p>
+            <a:pPr lvl="1">
+              <a:buFont typeface="Arial" panose="020B0604020202020204" pitchFamily="34" charset="0"/>
+              <a:buChar char="•"/>
+            </a:pPr>
+            <a:r>
+              <a:rPr lang="de-DE" dirty="0"/>
+              <a:t> Produktiver Austausch</a:t>
+            </a:r>
+          </a:p>
+          <a:p>
+            <a:pPr lvl="1">
+              <a:buFont typeface="Arial" panose="020B0604020202020204" pitchFamily="34" charset="0"/>
+              <a:buChar char="•"/>
+            </a:pPr>
+            <a:r>
+              <a:rPr lang="de-DE" dirty="0"/>
+              <a:t> Konstruktives Feedback</a:t>
+            </a:r>
+          </a:p>
+          <a:p>
+            <a:pPr lvl="1">
+              <a:buFont typeface="Arial" panose="020B0604020202020204" pitchFamily="34" charset="0"/>
+              <a:buChar char="•"/>
+            </a:pPr>
+            <a:r>
+              <a:rPr lang="de-DE" dirty="0"/>
+              <a:t> Gute Teamdynamik</a:t>
+            </a:r>
+          </a:p>
+        </p:txBody>
+      </p:sp>
+      <p:cxnSp>
+        <p:nvCxnSpPr>
+          <p:cNvPr id="16" name="Straight Connector 15">
+            <a:extLst>
+              <a:ext uri="{FF2B5EF4-FFF2-40B4-BE49-F238E27FC236}">
+                <a16:creationId xmlns:a16="http://schemas.microsoft.com/office/drawing/2014/main" id="{9BD4E56C-3532-81E6-B9A7-38CF3236CE40}"/>
+              </a:ext>
+              <a:ext uri="{C183D7F6-B498-43B3-948B-1728B52AA6E4}">
+                <adec:decorative xmlns:adec="http://schemas.microsoft.com/office/drawing/2017/decorative" val="1"/>
+              </a:ext>
+            </a:extLst>
+          </p:cNvPr>
+          <p:cNvCxnSpPr>
+            <a:cxnSpLocks noGrp="1" noRot="1" noChangeAspect="1" noMove="1" noResize="1" noEditPoints="1" noAdjustHandles="1" noChangeArrowheads="1" noChangeShapeType="1"/>
+          </p:cNvCxnSpPr>
+          <p:nvPr>
+            <p:extLst>
+              <p:ext uri="{386F3935-93C4-4BCD-93E2-E3B085C9AB24}">
+                <p16:designElem xmlns:p16="http://schemas.microsoft.com/office/powerpoint/2015/main" val="1"/>
+              </p:ext>
+            </p:extLst>
+          </p:nvPr>
+        </p:nvCxnSpPr>
+        <p:spPr>
+          <a:xfrm flipV="1">
+            <a:off x="485673" y="979075"/>
+            <a:ext cx="0" cy="5074920"/>
+          </a:xfrm>
+          <a:prstGeom prst="line">
+            <a:avLst/>
+          </a:prstGeom>
+          <a:ln w="76200"/>
+        </p:spPr>
+        <p:style>
+          <a:lnRef idx="1">
+            <a:schemeClr val="accent1"/>
+          </a:lnRef>
+          <a:fillRef idx="0">
+            <a:schemeClr val="accent1"/>
+          </a:fillRef>
+          <a:effectRef idx="0">
+            <a:schemeClr val="accent1"/>
+          </a:effectRef>
+          <a:fontRef idx="minor">
+            <a:schemeClr val="tx1"/>
+          </a:fontRef>
+        </p:style>
+      </p:cxnSp>
+      <p:pic>
+        <p:nvPicPr>
+          <p:cNvPr id="7" name="Grafik 6" descr="Ein Bild, das Schrift, Grafiken, Text, Grafikdesign enthält.&#10;&#10;KI-generierte Inhalte können fehlerhaft sein.">
+            <a:extLst>
+              <a:ext uri="{FF2B5EF4-FFF2-40B4-BE49-F238E27FC236}">
+                <a16:creationId xmlns:a16="http://schemas.microsoft.com/office/drawing/2014/main" id="{5B91B2AB-68D9-63BB-F894-FFAAE409AFFB}"/>
+              </a:ext>
+            </a:extLst>
+          </p:cNvPr>
+          <p:cNvPicPr>
+            <a:picLocks noChangeAspect="1"/>
+          </p:cNvPicPr>
+          <p:nvPr/>
+        </p:nvPicPr>
+        <p:blipFill>
+          <a:blip r:embed="rId3">
+            <a:extLst>
+              <a:ext uri="{28A0092B-C50C-407E-A947-70E740481C1C}">
+                <a14:useLocalDpi xmlns:a14="http://schemas.microsoft.com/office/drawing/2010/main" val="0"/>
+              </a:ext>
+            </a:extLst>
+          </a:blip>
+          <a:stretch>
+            <a:fillRect/>
+          </a:stretch>
+        </p:blipFill>
+        <p:spPr>
+          <a:xfrm>
+            <a:off x="8951976" y="120206"/>
+            <a:ext cx="2212010" cy="488700"/>
+          </a:xfrm>
+          <a:prstGeom prst="rect">
+            <a:avLst/>
+          </a:prstGeom>
+        </p:spPr>
+      </p:pic>
+    </p:spTree>
+    <p:extLst>
+      <p:ext uri="{BB962C8B-B14F-4D97-AF65-F5344CB8AC3E}">
+        <p14:creationId xmlns:p14="http://schemas.microsoft.com/office/powerpoint/2010/main" val="874703722"/>
+      </p:ext>
+    </p:extLst>
+  </p:cSld>
+  <p:clrMapOvr>
+    <a:masterClrMapping/>
+  </p:clrMapOvr>
+  <mc:AlternateContent xmlns:mc="http://schemas.openxmlformats.org/markup-compatibility/2006">
+    <mc:Choice xmlns:p14="http://schemas.microsoft.com/office/powerpoint/2010/main" Requires="p14">
+      <p:transition spd="med" p14:dur="700">
+        <p:fade/>
+      </p:transition>
+    </mc:Choice>
+    <mc:Fallback>
+      <p:transition spd="med">
+        <p:fade/>
+      </p:transition>
+    </mc:Fallback>
+  </mc:AlternateContent>
+</p:sld>
+</file>
+
+<file path=ppt/slides/slide18.xml><?xml version="1.0" encoding="utf-8"?>
+<p:sld xmlns:a="http://schemas.openxmlformats.org/drawingml/2006/main" xmlns:r="http://schemas.openxmlformats.org/officeDocument/2006/relationships" xmlns:p="http://schemas.openxmlformats.org/presentationml/2006/main">
+  <p:cSld>
+    <p:spTree>
+      <p:nvGrpSpPr>
+        <p:cNvPr id="1" name=""/>
+        <p:cNvGrpSpPr/>
+        <p:nvPr/>
+      </p:nvGrpSpPr>
+      <p:grpSpPr>
+        <a:xfrm>
+          <a:off x="0" y="0"/>
+          <a:ext cx="0" cy="0"/>
+          <a:chOff x="0" y="0"/>
+          <a:chExt cx="0" cy="0"/>
+        </a:xfrm>
+      </p:grpSpPr>
+      <p:pic>
+        <p:nvPicPr>
+          <p:cNvPr id="2" name="Picture 3" descr="Ein Bild, das Himmel, Wolke, Blau, Screenshot enthält.&#10;&#10;KI-generierte Inhalte können fehlerhaft sein.">
+            <a:extLst>
+              <a:ext uri="{FF2B5EF4-FFF2-40B4-BE49-F238E27FC236}">
+                <a16:creationId xmlns:a16="http://schemas.microsoft.com/office/drawing/2014/main" id="{B815A636-2C83-1125-DD99-CA3008014A94}"/>
+              </a:ext>
+            </a:extLst>
+          </p:cNvPr>
+          <p:cNvPicPr>
+            <a:picLocks noChangeAspect="1"/>
+          </p:cNvPicPr>
+          <p:nvPr/>
+        </p:nvPicPr>
+        <p:blipFill>
+          <a:blip r:embed="rId2">
+            <a:alphaModFix amt="40000"/>
+          </a:blip>
+          <a:srcRect t="25001"/>
+          <a:stretch/>
+        </p:blipFill>
+        <p:spPr>
+          <a:xfrm>
+            <a:off x="20" y="152"/>
+            <a:ext cx="12191980" cy="6857848"/>
+          </a:xfrm>
+          <a:prstGeom prst="rect">
+            <a:avLst/>
+          </a:prstGeom>
+        </p:spPr>
+      </p:pic>
+      <p:sp>
+        <p:nvSpPr>
+          <p:cNvPr id="3" name="Textfeld 2">
+            <a:extLst>
+              <a:ext uri="{FF2B5EF4-FFF2-40B4-BE49-F238E27FC236}">
+                <a16:creationId xmlns:a16="http://schemas.microsoft.com/office/drawing/2014/main" id="{BBA427B3-C174-2B21-C477-2167B226CFD5}"/>
+              </a:ext>
+            </a:extLst>
+          </p:cNvPr>
+          <p:cNvSpPr txBox="1"/>
+          <p:nvPr/>
+        </p:nvSpPr>
+        <p:spPr>
+          <a:xfrm>
+            <a:off x="1537447" y="2920475"/>
+            <a:ext cx="9117106" cy="646331"/>
+          </a:xfrm>
+          <a:prstGeom prst="rect">
+            <a:avLst/>
+          </a:prstGeom>
+          <a:noFill/>
+        </p:spPr>
+        <p:txBody>
+          <a:bodyPr wrap="square" rtlCol="0">
+            <a:spAutoFit/>
+          </a:bodyPr>
+          <a:lstStyle/>
+          <a:p>
+            <a:pPr algn="ctr"/>
+            <a:r>
+              <a:rPr lang="de-DE" sz="3600" b="1" dirty="0"/>
+              <a:t>Vielen Dank für Ihre Aufmerksamkeit</a:t>
+            </a:r>
+            <a:endParaRPr lang="de-AT" sz="3600" b="1" dirty="0"/>
+          </a:p>
+        </p:txBody>
+      </p:sp>
+      <p:sp>
+        <p:nvSpPr>
+          <p:cNvPr id="4" name="Textfeld 3">
+            <a:extLst>
+              <a:ext uri="{FF2B5EF4-FFF2-40B4-BE49-F238E27FC236}">
+                <a16:creationId xmlns:a16="http://schemas.microsoft.com/office/drawing/2014/main" id="{379BA91A-F0FD-1B78-6EBD-2F9A75D0AFA6}"/>
+              </a:ext>
+            </a:extLst>
+          </p:cNvPr>
+          <p:cNvSpPr txBox="1"/>
+          <p:nvPr/>
+        </p:nvSpPr>
+        <p:spPr>
+          <a:xfrm>
+            <a:off x="1537447" y="3679295"/>
+            <a:ext cx="9117106" cy="369332"/>
+          </a:xfrm>
+          <a:prstGeom prst="rect">
+            <a:avLst/>
+          </a:prstGeom>
+          <a:noFill/>
+        </p:spPr>
+        <p:txBody>
+          <a:bodyPr wrap="square" rtlCol="0">
+            <a:spAutoFit/>
+          </a:bodyPr>
+          <a:lstStyle/>
+          <a:p>
+            <a:pPr algn="ctr"/>
+            <a:r>
+              <a:rPr lang="de-DE" dirty="0"/>
+              <a:t>Gerne beantworte wir jetzt Ihre Fragen.</a:t>
+            </a:r>
+            <a:endParaRPr lang="de-AT" dirty="0"/>
+          </a:p>
+        </p:txBody>
+      </p:sp>
+    </p:spTree>
+    <p:extLst>
+      <p:ext uri="{BB962C8B-B14F-4D97-AF65-F5344CB8AC3E}">
+        <p14:creationId xmlns:p14="http://schemas.microsoft.com/office/powerpoint/2010/main" val="3700679763"/>
+      </p:ext>
+    </p:extLst>
+  </p:cSld>
+  <p:clrMapOvr>
+    <a:masterClrMapping/>
+  </p:clrMapOvr>
+  <mc:AlternateContent xmlns:mc="http://schemas.openxmlformats.org/markup-compatibility/2006">
+    <mc:Choice xmlns:p14="http://schemas.microsoft.com/office/powerpoint/2010/main" Requires="p14">
+      <p:transition spd="med" p14:dur="700">
+        <p:fade/>
+      </p:transition>
+    </mc:Choice>
+    <mc:Fallback>
+      <p:transition spd="med">
+        <p:fade/>
+      </p:transition>
+    </mc:Fallback>
+  </mc:AlternateContent>
+</p:sld>
+</file>
+
 <file path=ppt/slides/slide2.xml><?xml version="1.0" encoding="utf-8"?>
 <p:sld xmlns:a="http://schemas.openxmlformats.org/drawingml/2006/main" xmlns:r="http://schemas.openxmlformats.org/officeDocument/2006/relationships" xmlns:p="http://schemas.openxmlformats.org/presentationml/2006/main">
   <p:cSld>
@@ -4513,13 +8297,8 @@
             </a:pPr>
             <a:r>
               <a:rPr lang="de-AT" noProof="0" dirty="0"/>
-              <a:t> </a:t>
-            </a:r>
-            <a:r>
-              <a:rPr lang="de-AT" noProof="0" dirty="0" err="1"/>
-              <a:t>Entwicklunsprozess</a:t>
-            </a:r>
-            <a:endParaRPr lang="de-AT" noProof="0" dirty="0"/>
+              <a:t> Technische Umsetzung</a:t>
+            </a:r>
           </a:p>
           <a:p>
             <a:pPr>
@@ -4528,7 +8307,7 @@
             </a:pPr>
             <a:r>
               <a:rPr lang="de-AT" noProof="0" dirty="0"/>
-              <a:t> Funktionen der Webseite</a:t>
+              <a:t> Entwicklungsprozess</a:t>
             </a:r>
           </a:p>
           <a:p>
@@ -4538,7 +8317,7 @@
             </a:pPr>
             <a:r>
               <a:rPr lang="de-AT" noProof="0" dirty="0"/>
-              <a:t> Technische Umsetzung</a:t>
+              <a:t> Funktionen der Webseite</a:t>
             </a:r>
           </a:p>
           <a:p>
@@ -4662,13 +8441,13 @@
   <p:clrMapOvr>
     <a:masterClrMapping/>
   </p:clrMapOvr>
-  <mc:AlternateContent xmlns:mc="http://schemas.openxmlformats.org/markup-compatibility/2006">
-    <mc:Choice xmlns:p159="http://schemas.microsoft.com/office/powerpoint/2015/09/main" Requires="p159">
+  <mc:AlternateContent xmlns:mc="http://schemas.openxmlformats.org/markup-compatibility/2006" xmlns:p159="http://schemas.microsoft.com/office/powerpoint/2015/09/main">
+    <mc:Choice Requires="p159">
       <p:transition xmlns:p14="http://schemas.microsoft.com/office/powerpoint/2010/main" spd="slow" p14:dur="2000">
         <p159:morph option="byObject"/>
       </p:transition>
     </mc:Choice>
-    <mc:Fallback>
+    <mc:Fallback xmlns="">
       <p:transition spd="slow">
         <p:fade/>
       </p:transition>
@@ -4951,6 +8730,18 @@
   <p:clrMapOvr>
     <a:masterClrMapping/>
   </p:clrMapOvr>
+  <mc:AlternateContent xmlns:mc="http://schemas.openxmlformats.org/markup-compatibility/2006">
+    <mc:Choice xmlns:p14="http://schemas.microsoft.com/office/powerpoint/2010/main" Requires="p14">
+      <p:transition spd="med" p14:dur="700">
+        <p:fade/>
+      </p:transition>
+    </mc:Choice>
+    <mc:Fallback>
+      <p:transition spd="med">
+        <p:fade/>
+      </p:transition>
+    </mc:Fallback>
+  </mc:AlternateContent>
 </p:sld>
 </file>
 
@@ -5258,7 +9049,7 @@
         </p:spPr>
         <p:txBody>
           <a:bodyPr vert="horz" lIns="91440" tIns="45720" rIns="91440" bIns="45720" rtlCol="0">
-            <a:normAutofit/>
+            <a:normAutofit lnSpcReduction="10000"/>
           </a:bodyPr>
           <a:lstStyle/>
           <a:p>
@@ -5267,10 +9058,100 @@
               <a:buChar char="•"/>
             </a:pPr>
             <a:r>
-              <a:rPr lang="de-DE"/>
-              <a:t> Ein umfassendes Hausverwaltungssystem mit einer Vielzahl an Funktionen.</a:t>
-            </a:r>
-            <a:endParaRPr lang="de-AT" noProof="0" dirty="0"/>
+              <a:rPr lang="de-DE" dirty="0"/>
+              <a:t> Umfassendes Hausverwaltungssystem mit einer Vielzahl an Funktionen.</a:t>
+            </a:r>
+          </a:p>
+          <a:p>
+            <a:pPr>
+              <a:buFont typeface="Arial" panose="020B0604020202020204" pitchFamily="34" charset="0"/>
+              <a:buChar char="•"/>
+            </a:pPr>
+            <a:r>
+              <a:rPr lang="de-DE" noProof="0" dirty="0"/>
+              <a:t> Problemstellung: </a:t>
+            </a:r>
+          </a:p>
+          <a:p>
+            <a:pPr lvl="1">
+              <a:buFont typeface="Arial" panose="020B0604020202020204" pitchFamily="34" charset="0"/>
+              <a:buChar char="•"/>
+            </a:pPr>
+            <a:r>
+              <a:rPr lang="de-DE" noProof="0" dirty="0"/>
+              <a:t> </a:t>
+            </a:r>
+            <a:r>
+              <a:rPr lang="de-DE" dirty="0"/>
+              <a:t>Zu wenig Absprache in manchen </a:t>
+            </a:r>
+            <a:r>
+              <a:rPr lang="de-DE" dirty="0" err="1"/>
+              <a:t>Haushälten</a:t>
+            </a:r>
+            <a:endParaRPr lang="de-DE" dirty="0"/>
+          </a:p>
+          <a:p>
+            <a:pPr lvl="1">
+              <a:buFont typeface="Arial" panose="020B0604020202020204" pitchFamily="34" charset="0"/>
+              <a:buChar char="•"/>
+            </a:pPr>
+            <a:r>
+              <a:rPr lang="de-DE" noProof="0" dirty="0"/>
+              <a:t> Größte Herausforderung </a:t>
+            </a:r>
+            <a:r>
+              <a:rPr lang="de-DE" dirty="0"/>
+              <a:t>im Alltag ist für viele der Haushalt</a:t>
+            </a:r>
+          </a:p>
+          <a:p>
+            <a:pPr>
+              <a:buFont typeface="Arial" panose="020B0604020202020204" pitchFamily="34" charset="0"/>
+              <a:buChar char="•"/>
+            </a:pPr>
+            <a:r>
+              <a:rPr lang="de-DE" dirty="0"/>
+              <a:t> </a:t>
+            </a:r>
+            <a:r>
+              <a:rPr lang="de-DE" dirty="0" err="1"/>
+              <a:t>HomeSphere</a:t>
+            </a:r>
+            <a:r>
+              <a:rPr lang="de-DE" dirty="0"/>
+              <a:t> erleichtert den Alltag im Haushalt</a:t>
+            </a:r>
+          </a:p>
+          <a:p>
+            <a:pPr>
+              <a:buFont typeface="Arial" panose="020B0604020202020204" pitchFamily="34" charset="0"/>
+              <a:buChar char="•"/>
+            </a:pPr>
+            <a:r>
+              <a:rPr lang="de-DE" dirty="0"/>
+              <a:t> Zielgruppen:</a:t>
+            </a:r>
+          </a:p>
+          <a:p>
+            <a:pPr lvl="1">
+              <a:buFont typeface="Arial" panose="020B0604020202020204" pitchFamily="34" charset="0"/>
+              <a:buChar char="•"/>
+            </a:pPr>
+            <a:r>
+              <a:rPr lang="de-DE" dirty="0"/>
+              <a:t> Junge Menschen, die gerade in eigene Wohnung eingezogen sind</a:t>
+            </a:r>
+          </a:p>
+          <a:p>
+            <a:pPr lvl="1">
+              <a:buFont typeface="Arial" panose="020B0604020202020204" pitchFamily="34" charset="0"/>
+              <a:buChar char="•"/>
+            </a:pPr>
+            <a:r>
+              <a:rPr lang="de-DE" dirty="0"/>
+              <a:t>Wohngemeinschaften (z.B. Studenten)</a:t>
+            </a:r>
           </a:p>
         </p:txBody>
       </p:sp>
@@ -5369,13 +9250,1872 @@
     <a:masterClrMapping/>
   </p:clrMapOvr>
   <mc:AlternateContent xmlns:mc="http://schemas.openxmlformats.org/markup-compatibility/2006">
-    <mc:Choice xmlns:p159="http://schemas.microsoft.com/office/powerpoint/2015/09/main" Requires="p159">
-      <p:transition xmlns:p14="http://schemas.microsoft.com/office/powerpoint/2010/main" spd="slow" p14:dur="2000">
-        <p159:morph option="byObject"/>
+    <mc:Choice xmlns:p14="http://schemas.microsoft.com/office/powerpoint/2010/main" Requires="p14">
+      <p:transition spd="med" p14:dur="700">
+        <p:fade/>
       </p:transition>
     </mc:Choice>
     <mc:Fallback>
-      <p:transition spd="slow">
+      <p:transition spd="med">
+        <p:fade/>
+      </p:transition>
+    </mc:Fallback>
+  </mc:AlternateContent>
+</p:sld>
+</file>
+
+<file path=ppt/slides/slide5.xml><?xml version="1.0" encoding="utf-8"?>
+<p:sld xmlns:a="http://schemas.openxmlformats.org/drawingml/2006/main" xmlns:r="http://schemas.openxmlformats.org/officeDocument/2006/relationships" xmlns:p="http://schemas.openxmlformats.org/presentationml/2006/main">
+  <p:cSld>
+    <p:bg>
+      <p:bgPr>
+        <a:solidFill>
+          <a:schemeClr val="bg1"/>
+        </a:solidFill>
+        <a:effectLst/>
+      </p:bgPr>
+    </p:bg>
+    <p:spTree>
+      <p:nvGrpSpPr>
+        <p:cNvPr id="1" name="">
+          <a:extLst>
+            <a:ext uri="{FF2B5EF4-FFF2-40B4-BE49-F238E27FC236}">
+              <a16:creationId xmlns:a16="http://schemas.microsoft.com/office/drawing/2014/main" id="{5ACBCBF5-FB52-0C83-A035-E0C9E012425C}"/>
+            </a:ext>
+          </a:extLst>
+        </p:cNvPr>
+        <p:cNvGrpSpPr/>
+        <p:nvPr/>
+      </p:nvGrpSpPr>
+      <p:grpSpPr>
+        <a:xfrm>
+          <a:off x="0" y="0"/>
+          <a:ext cx="0" cy="0"/>
+          <a:chOff x="0" y="0"/>
+          <a:chExt cx="0" cy="0"/>
+        </a:xfrm>
+      </p:grpSpPr>
+      <p:cxnSp>
+        <p:nvCxnSpPr>
+          <p:cNvPr id="7" name="Straight Connector 6">
+            <a:extLst>
+              <a:ext uri="{FF2B5EF4-FFF2-40B4-BE49-F238E27FC236}">
+                <a16:creationId xmlns:a16="http://schemas.microsoft.com/office/drawing/2014/main" id="{297167DC-B048-AAE6-6B58-6ECF0A2C13EC}"/>
+              </a:ext>
+              <a:ext uri="{C183D7F6-B498-43B3-948B-1728B52AA6E4}">
+                <adec:decorative xmlns:adec="http://schemas.microsoft.com/office/drawing/2017/decorative" val="1"/>
+              </a:ext>
+            </a:extLst>
+          </p:cNvPr>
+          <p:cNvCxnSpPr>
+            <a:cxnSpLocks noGrp="1" noRot="1" noChangeAspect="1" noMove="1" noResize="1" noEditPoints="1" noAdjustHandles="1" noChangeArrowheads="1" noChangeShapeType="1"/>
+          </p:cNvCxnSpPr>
+          <p:nvPr>
+            <p:extLst>
+              <p:ext uri="{386F3935-93C4-4BCD-93E2-E3B085C9AB24}">
+                <p16:designElem xmlns:p16="http://schemas.microsoft.com/office/powerpoint/2015/main" val="1"/>
+              </p:ext>
+            </p:extLst>
+          </p:nvPr>
+        </p:nvCxnSpPr>
+        <p:spPr>
+          <a:xfrm>
+            <a:off x="713232" y="1031001"/>
+            <a:ext cx="978862" cy="0"/>
+          </a:xfrm>
+          <a:prstGeom prst="line">
+            <a:avLst/>
+          </a:prstGeom>
+          <a:ln w="76200"/>
+        </p:spPr>
+        <p:style>
+          <a:lnRef idx="1">
+            <a:schemeClr val="accent1"/>
+          </a:lnRef>
+          <a:fillRef idx="0">
+            <a:schemeClr val="accent1"/>
+          </a:fillRef>
+          <a:effectRef idx="0">
+            <a:schemeClr val="accent1"/>
+          </a:effectRef>
+          <a:fontRef idx="minor">
+            <a:schemeClr val="tx1"/>
+          </a:fontRef>
+        </p:style>
+      </p:cxnSp>
+      <p:sp useBgFill="1">
+        <p:nvSpPr>
+          <p:cNvPr id="9" name="Rectangle 8">
+            <a:extLst>
+              <a:ext uri="{FF2B5EF4-FFF2-40B4-BE49-F238E27FC236}">
+                <a16:creationId xmlns:a16="http://schemas.microsoft.com/office/drawing/2014/main" id="{BF3D60D1-1946-08D9-4587-344476BDC7D5}"/>
+              </a:ext>
+              <a:ext uri="{C183D7F6-B498-43B3-948B-1728B52AA6E4}">
+                <adec:decorative xmlns:adec="http://schemas.microsoft.com/office/drawing/2017/decorative" val="1"/>
+              </a:ext>
+            </a:extLst>
+          </p:cNvPr>
+          <p:cNvSpPr>
+            <a:spLocks noGrp="1" noRot="1" noChangeAspect="1" noMove="1" noResize="1" noEditPoints="1" noAdjustHandles="1" noChangeArrowheads="1" noChangeShapeType="1" noTextEdit="1"/>
+          </p:cNvSpPr>
+          <p:nvPr>
+            <p:extLst>
+              <p:ext uri="{386F3935-93C4-4BCD-93E2-E3B085C9AB24}">
+                <p16:designElem xmlns:p16="http://schemas.microsoft.com/office/powerpoint/2015/main" val="1"/>
+              </p:ext>
+            </p:extLst>
+          </p:nvPr>
+        </p:nvSpPr>
+        <p:spPr>
+          <a:xfrm>
+            <a:off x="0" y="0"/>
+            <a:ext cx="12192000" cy="6858000"/>
+          </a:xfrm>
+          <a:prstGeom prst="rect">
+            <a:avLst/>
+          </a:prstGeom>
+          <a:ln w="12700" cap="flat" cmpd="sng" algn="ctr">
+            <a:noFill/>
+            <a:prstDash val="solid"/>
+            <a:miter lim="800000"/>
+          </a:ln>
+          <a:effectLst/>
+          <a:extLst>
+            <a:ext uri="{91240B29-F687-4F45-9708-019B960494DF}">
+              <a14:hiddenLine xmlns:a14="http://schemas.microsoft.com/office/drawing/2010/main" w="12700" cap="flat" cmpd="sng" algn="ctr">
+                <a:solidFill>
+                  <a:schemeClr val="accent1">
+                    <a:shade val="50000"/>
+                  </a:schemeClr>
+                </a:solidFill>
+                <a:prstDash val="solid"/>
+                <a:miter lim="800000"/>
+              </a14:hiddenLine>
+            </a:ext>
+          </a:extLst>
+        </p:spPr>
+        <p:style>
+          <a:lnRef idx="2">
+            <a:schemeClr val="accent1">
+              <a:shade val="50000"/>
+            </a:schemeClr>
+          </a:lnRef>
+          <a:fillRef idx="1">
+            <a:schemeClr val="accent1"/>
+          </a:fillRef>
+          <a:effectRef idx="0">
+            <a:schemeClr val="accent1"/>
+          </a:effectRef>
+          <a:fontRef idx="minor">
+            <a:schemeClr val="lt1"/>
+          </a:fontRef>
+        </p:style>
+        <p:txBody>
+          <a:bodyPr rtlCol="0" anchor="ctr"/>
+          <a:lstStyle/>
+          <a:p>
+            <a:pPr algn="ctr"/>
+            <a:endParaRPr lang="de-AT" noProof="0" dirty="0"/>
+          </a:p>
+        </p:txBody>
+      </p:sp>
+      <p:pic>
+        <p:nvPicPr>
+          <p:cNvPr id="4" name="Picture 3" descr="Ein Bild, das Himmel, Wolke, Blau, Screenshot enthält.">
+            <a:extLst>
+              <a:ext uri="{FF2B5EF4-FFF2-40B4-BE49-F238E27FC236}">
+                <a16:creationId xmlns:a16="http://schemas.microsoft.com/office/drawing/2014/main" id="{C146F23E-CBFB-CF38-8742-213E7EC81EF8}"/>
+              </a:ext>
+            </a:extLst>
+          </p:cNvPr>
+          <p:cNvPicPr>
+            <a:picLocks noChangeAspect="1"/>
+          </p:cNvPicPr>
+          <p:nvPr/>
+        </p:nvPicPr>
+        <p:blipFill>
+          <a:blip r:embed="rId2">
+            <a:alphaModFix amt="40000"/>
+          </a:blip>
+          <a:srcRect t="25001"/>
+          <a:stretch/>
+        </p:blipFill>
+        <p:spPr>
+          <a:xfrm>
+            <a:off x="20" y="152"/>
+            <a:ext cx="12191980" cy="6857848"/>
+          </a:xfrm>
+          <a:prstGeom prst="rect">
+            <a:avLst/>
+          </a:prstGeom>
+        </p:spPr>
+      </p:pic>
+      <p:sp>
+        <p:nvSpPr>
+          <p:cNvPr id="2" name="Titel 1">
+            <a:extLst>
+              <a:ext uri="{FF2B5EF4-FFF2-40B4-BE49-F238E27FC236}">
+                <a16:creationId xmlns:a16="http://schemas.microsoft.com/office/drawing/2014/main" id="{1CBAE498-A345-2D81-D8C2-8269044D55C9}"/>
+              </a:ext>
+            </a:extLst>
+          </p:cNvPr>
+          <p:cNvSpPr>
+            <a:spLocks noGrp="1"/>
+          </p:cNvSpPr>
+          <p:nvPr>
+            <p:ph type="title"/>
+          </p:nvPr>
+        </p:nvSpPr>
+        <p:spPr>
+          <a:xfrm>
+            <a:off x="1946564" y="1249217"/>
+            <a:ext cx="8298873" cy="2258284"/>
+          </a:xfrm>
+        </p:spPr>
+        <p:txBody>
+          <a:bodyPr vert="horz" lIns="91440" tIns="45720" rIns="91440" bIns="45720" rtlCol="0" anchor="b">
+            <a:normAutofit/>
+          </a:bodyPr>
+          <a:lstStyle/>
+          <a:p>
+            <a:pPr algn="ctr"/>
+            <a:r>
+              <a:rPr lang="de-AT" sz="4400" noProof="0" dirty="0"/>
+              <a:t>Planung &amp; Konzept</a:t>
+            </a:r>
+          </a:p>
+        </p:txBody>
+      </p:sp>
+      <p:cxnSp>
+        <p:nvCxnSpPr>
+          <p:cNvPr id="11" name="Straight Connector 10">
+            <a:extLst>
+              <a:ext uri="{FF2B5EF4-FFF2-40B4-BE49-F238E27FC236}">
+                <a16:creationId xmlns:a16="http://schemas.microsoft.com/office/drawing/2014/main" id="{7ECD6653-A903-DEC7-9901-C57CCC6A21F8}"/>
+              </a:ext>
+              <a:ext uri="{C183D7F6-B498-43B3-948B-1728B52AA6E4}">
+                <adec:decorative xmlns:adec="http://schemas.microsoft.com/office/drawing/2017/decorative" val="1"/>
+              </a:ext>
+            </a:extLst>
+          </p:cNvPr>
+          <p:cNvCxnSpPr>
+            <a:cxnSpLocks noGrp="1" noRot="1" noChangeAspect="1" noMove="1" noResize="1" noEditPoints="1" noAdjustHandles="1" noChangeArrowheads="1" noChangeShapeType="1"/>
+          </p:cNvCxnSpPr>
+          <p:nvPr>
+            <p:extLst>
+              <p:ext uri="{386F3935-93C4-4BCD-93E2-E3B085C9AB24}">
+                <p16:designElem xmlns:p16="http://schemas.microsoft.com/office/powerpoint/2015/main" val="1"/>
+              </p:ext>
+            </p:extLst>
+          </p:nvPr>
+        </p:nvCxnSpPr>
+        <p:spPr>
+          <a:xfrm>
+            <a:off x="5730240" y="4290504"/>
+            <a:ext cx="731520" cy="0"/>
+          </a:xfrm>
+          <a:prstGeom prst="line">
+            <a:avLst/>
+          </a:prstGeom>
+          <a:ln w="57150"/>
+        </p:spPr>
+        <p:style>
+          <a:lnRef idx="1">
+            <a:schemeClr val="accent1"/>
+          </a:lnRef>
+          <a:fillRef idx="0">
+            <a:schemeClr val="accent1"/>
+          </a:fillRef>
+          <a:effectRef idx="0">
+            <a:schemeClr val="accent1"/>
+          </a:effectRef>
+          <a:fontRef idx="minor">
+            <a:schemeClr val="tx1"/>
+          </a:fontRef>
+        </p:style>
+      </p:cxnSp>
+    </p:spTree>
+    <p:extLst>
+      <p:ext uri="{BB962C8B-B14F-4D97-AF65-F5344CB8AC3E}">
+        <p14:creationId xmlns:p14="http://schemas.microsoft.com/office/powerpoint/2010/main" val="601717206"/>
+      </p:ext>
+    </p:extLst>
+  </p:cSld>
+  <p:clrMapOvr>
+    <a:masterClrMapping/>
+  </p:clrMapOvr>
+  <mc:AlternateContent xmlns:mc="http://schemas.openxmlformats.org/markup-compatibility/2006">
+    <mc:Choice xmlns:p14="http://schemas.microsoft.com/office/powerpoint/2010/main" Requires="p14">
+      <p:transition spd="med" p14:dur="700">
+        <p:fade/>
+      </p:transition>
+    </mc:Choice>
+    <mc:Fallback>
+      <p:transition spd="med">
+        <p:fade/>
+      </p:transition>
+    </mc:Fallback>
+  </mc:AlternateContent>
+</p:sld>
+</file>
+
+<file path=ppt/slides/slide6.xml><?xml version="1.0" encoding="utf-8"?>
+<p:sld xmlns:a="http://schemas.openxmlformats.org/drawingml/2006/main" xmlns:r="http://schemas.openxmlformats.org/officeDocument/2006/relationships" xmlns:p="http://schemas.openxmlformats.org/presentationml/2006/main">
+  <p:cSld>
+    <p:bg>
+      <p:bgPr>
+        <a:solidFill>
+          <a:schemeClr val="bg1"/>
+        </a:solidFill>
+        <a:effectLst/>
+      </p:bgPr>
+    </p:bg>
+    <p:spTree>
+      <p:nvGrpSpPr>
+        <p:cNvPr id="1" name="">
+          <a:extLst>
+            <a:ext uri="{FF2B5EF4-FFF2-40B4-BE49-F238E27FC236}">
+              <a16:creationId xmlns:a16="http://schemas.microsoft.com/office/drawing/2014/main" id="{1446E437-7A7A-9170-936B-179AF33CA9A1}"/>
+            </a:ext>
+          </a:extLst>
+        </p:cNvPr>
+        <p:cNvGrpSpPr/>
+        <p:nvPr/>
+      </p:nvGrpSpPr>
+      <p:grpSpPr>
+        <a:xfrm>
+          <a:off x="0" y="0"/>
+          <a:ext cx="0" cy="0"/>
+          <a:chOff x="0" y="0"/>
+          <a:chExt cx="0" cy="0"/>
+        </a:xfrm>
+      </p:grpSpPr>
+      <p:cxnSp>
+        <p:nvCxnSpPr>
+          <p:cNvPr id="10" name="Straight Connector 9">
+            <a:extLst>
+              <a:ext uri="{FF2B5EF4-FFF2-40B4-BE49-F238E27FC236}">
+                <a16:creationId xmlns:a16="http://schemas.microsoft.com/office/drawing/2014/main" id="{2F68472F-5C86-092A-6687-6235DBF94E88}"/>
+              </a:ext>
+              <a:ext uri="{C183D7F6-B498-43B3-948B-1728B52AA6E4}">
+                <adec:decorative xmlns:adec="http://schemas.microsoft.com/office/drawing/2017/decorative" val="1"/>
+              </a:ext>
+            </a:extLst>
+          </p:cNvPr>
+          <p:cNvCxnSpPr>
+            <a:cxnSpLocks noGrp="1" noRot="1" noChangeAspect="1" noMove="1" noResize="1" noEditPoints="1" noAdjustHandles="1" noChangeArrowheads="1" noChangeShapeType="1"/>
+          </p:cNvCxnSpPr>
+          <p:nvPr>
+            <p:extLst>
+              <p:ext uri="{386F3935-93C4-4BCD-93E2-E3B085C9AB24}">
+                <p16:designElem xmlns:p16="http://schemas.microsoft.com/office/powerpoint/2015/main" val="1"/>
+              </p:ext>
+            </p:extLst>
+          </p:nvPr>
+        </p:nvCxnSpPr>
+        <p:spPr>
+          <a:xfrm>
+            <a:off x="713232" y="1031001"/>
+            <a:ext cx="978862" cy="0"/>
+          </a:xfrm>
+          <a:prstGeom prst="line">
+            <a:avLst/>
+          </a:prstGeom>
+          <a:ln w="76200"/>
+        </p:spPr>
+        <p:style>
+          <a:lnRef idx="1">
+            <a:schemeClr val="accent1"/>
+          </a:lnRef>
+          <a:fillRef idx="0">
+            <a:schemeClr val="accent1"/>
+          </a:fillRef>
+          <a:effectRef idx="0">
+            <a:schemeClr val="accent1"/>
+          </a:effectRef>
+          <a:fontRef idx="minor">
+            <a:schemeClr val="tx1"/>
+          </a:fontRef>
+        </p:style>
+      </p:cxnSp>
+      <p:sp useBgFill="1">
+        <p:nvSpPr>
+          <p:cNvPr id="12" name="Rectangle 11">
+            <a:extLst>
+              <a:ext uri="{FF2B5EF4-FFF2-40B4-BE49-F238E27FC236}">
+                <a16:creationId xmlns:a16="http://schemas.microsoft.com/office/drawing/2014/main" id="{27550897-2EBB-16D6-A8CD-858A02931BE1}"/>
+              </a:ext>
+              <a:ext uri="{C183D7F6-B498-43B3-948B-1728B52AA6E4}">
+                <adec:decorative xmlns:adec="http://schemas.microsoft.com/office/drawing/2017/decorative" val="1"/>
+              </a:ext>
+            </a:extLst>
+          </p:cNvPr>
+          <p:cNvSpPr>
+            <a:spLocks noGrp="1" noRot="1" noChangeAspect="1" noMove="1" noResize="1" noEditPoints="1" noAdjustHandles="1" noChangeArrowheads="1" noChangeShapeType="1" noTextEdit="1"/>
+          </p:cNvSpPr>
+          <p:nvPr>
+            <p:extLst>
+              <p:ext uri="{386F3935-93C4-4BCD-93E2-E3B085C9AB24}">
+                <p16:designElem xmlns:p16="http://schemas.microsoft.com/office/powerpoint/2015/main" val="1"/>
+              </p:ext>
+            </p:extLst>
+          </p:nvPr>
+        </p:nvSpPr>
+        <p:spPr>
+          <a:xfrm>
+            <a:off x="0" y="0"/>
+            <a:ext cx="12192000" cy="6858000"/>
+          </a:xfrm>
+          <a:prstGeom prst="rect">
+            <a:avLst/>
+          </a:prstGeom>
+          <a:ln w="12700" cap="flat" cmpd="sng" algn="ctr">
+            <a:noFill/>
+            <a:prstDash val="solid"/>
+            <a:miter lim="800000"/>
+          </a:ln>
+          <a:effectLst/>
+          <a:extLst>
+            <a:ext uri="{91240B29-F687-4F45-9708-019B960494DF}">
+              <a14:hiddenLine xmlns:a14="http://schemas.microsoft.com/office/drawing/2010/main" w="12700" cap="flat" cmpd="sng" algn="ctr">
+                <a:solidFill>
+                  <a:schemeClr val="accent1">
+                    <a:shade val="50000"/>
+                  </a:schemeClr>
+                </a:solidFill>
+                <a:prstDash val="solid"/>
+                <a:miter lim="800000"/>
+              </a14:hiddenLine>
+            </a:ext>
+          </a:extLst>
+        </p:spPr>
+        <p:style>
+          <a:lnRef idx="2">
+            <a:schemeClr val="accent1">
+              <a:shade val="50000"/>
+            </a:schemeClr>
+          </a:lnRef>
+          <a:fillRef idx="1">
+            <a:schemeClr val="accent1"/>
+          </a:fillRef>
+          <a:effectRef idx="0">
+            <a:schemeClr val="accent1"/>
+          </a:effectRef>
+          <a:fontRef idx="minor">
+            <a:schemeClr val="lt1"/>
+          </a:fontRef>
+        </p:style>
+        <p:txBody>
+          <a:bodyPr rtlCol="0" anchor="ctr"/>
+          <a:lstStyle/>
+          <a:p>
+            <a:pPr algn="ctr"/>
+            <a:endParaRPr lang="de-AT" noProof="0" dirty="0"/>
+          </a:p>
+        </p:txBody>
+      </p:sp>
+      <p:pic>
+        <p:nvPicPr>
+          <p:cNvPr id="5" name="Picture 3" descr="Ein Bild, das Himmel, Wolke, Blau, Screenshot enthält.&#10;&#10;KI-generierte Inhalte können fehlerhaft sein.">
+            <a:extLst>
+              <a:ext uri="{FF2B5EF4-FFF2-40B4-BE49-F238E27FC236}">
+                <a16:creationId xmlns:a16="http://schemas.microsoft.com/office/drawing/2014/main" id="{F25523E1-7E78-490B-6050-E9A2C4B17E11}"/>
+              </a:ext>
+            </a:extLst>
+          </p:cNvPr>
+          <p:cNvPicPr>
+            <a:picLocks noChangeAspect="1"/>
+          </p:cNvPicPr>
+          <p:nvPr/>
+        </p:nvPicPr>
+        <p:blipFill>
+          <a:blip r:embed="rId2"/>
+          <a:srcRect t="25000"/>
+          <a:stretch/>
+        </p:blipFill>
+        <p:spPr>
+          <a:xfrm>
+            <a:off x="20" y="10"/>
+            <a:ext cx="12191980" cy="6857990"/>
+          </a:xfrm>
+          <a:prstGeom prst="rect">
+            <a:avLst/>
+          </a:prstGeom>
+        </p:spPr>
+      </p:pic>
+      <p:sp useBgFill="1">
+        <p:nvSpPr>
+          <p:cNvPr id="14" name="Rectangle 13">
+            <a:extLst>
+              <a:ext uri="{FF2B5EF4-FFF2-40B4-BE49-F238E27FC236}">
+                <a16:creationId xmlns:a16="http://schemas.microsoft.com/office/drawing/2014/main" id="{5EC2E277-243E-DB51-EFDB-9B68CB664B12}"/>
+              </a:ext>
+              <a:ext uri="{C183D7F6-B498-43B3-948B-1728B52AA6E4}">
+                <adec:decorative xmlns:adec="http://schemas.microsoft.com/office/drawing/2017/decorative" val="1"/>
+              </a:ext>
+            </a:extLst>
+          </p:cNvPr>
+          <p:cNvSpPr>
+            <a:spLocks noGrp="1" noRot="1" noChangeAspect="1" noMove="1" noResize="1" noEditPoints="1" noAdjustHandles="1" noChangeArrowheads="1" noChangeShapeType="1" noTextEdit="1"/>
+          </p:cNvSpPr>
+          <p:nvPr>
+            <p:extLst>
+              <p:ext uri="{386F3935-93C4-4BCD-93E2-E3B085C9AB24}">
+                <p16:designElem xmlns:p16="http://schemas.microsoft.com/office/powerpoint/2015/main" val="1"/>
+              </p:ext>
+            </p:extLst>
+          </p:nvPr>
+        </p:nvSpPr>
+        <p:spPr>
+          <a:xfrm>
+            <a:off x="454894" y="979075"/>
+            <a:ext cx="5777024" cy="5074920"/>
+          </a:xfrm>
+          <a:prstGeom prst="rect">
+            <a:avLst/>
+          </a:prstGeom>
+          <a:ln>
+            <a:noFill/>
+          </a:ln>
+        </p:spPr>
+        <p:style>
+          <a:lnRef idx="2">
+            <a:schemeClr val="accent1">
+              <a:shade val="50000"/>
+            </a:schemeClr>
+          </a:lnRef>
+          <a:fillRef idx="1">
+            <a:schemeClr val="accent1"/>
+          </a:fillRef>
+          <a:effectRef idx="0">
+            <a:schemeClr val="accent1"/>
+          </a:effectRef>
+          <a:fontRef idx="minor">
+            <a:schemeClr val="lt1"/>
+          </a:fontRef>
+        </p:style>
+        <p:txBody>
+          <a:bodyPr rtlCol="0" anchor="ctr"/>
+          <a:lstStyle/>
+          <a:p>
+            <a:pPr algn="ctr"/>
+            <a:endParaRPr lang="de-AT" noProof="0" dirty="0"/>
+          </a:p>
+        </p:txBody>
+      </p:sp>
+      <p:sp>
+        <p:nvSpPr>
+          <p:cNvPr id="2" name="Titel 1">
+            <a:extLst>
+              <a:ext uri="{FF2B5EF4-FFF2-40B4-BE49-F238E27FC236}">
+                <a16:creationId xmlns:a16="http://schemas.microsoft.com/office/drawing/2014/main" id="{E92C9077-AEC7-9676-BF5A-8A558527035D}"/>
+              </a:ext>
+            </a:extLst>
+          </p:cNvPr>
+          <p:cNvSpPr>
+            <a:spLocks noGrp="1"/>
+          </p:cNvSpPr>
+          <p:nvPr>
+            <p:ph type="title"/>
+          </p:nvPr>
+        </p:nvSpPr>
+        <p:spPr>
+          <a:xfrm>
+            <a:off x="1049450" y="1352492"/>
+            <a:ext cx="5387913" cy="657573"/>
+          </a:xfrm>
+        </p:spPr>
+        <p:txBody>
+          <a:bodyPr vert="horz" lIns="91440" tIns="45720" rIns="91440" bIns="45720" rtlCol="0" anchor="t">
+            <a:normAutofit/>
+          </a:bodyPr>
+          <a:lstStyle/>
+          <a:p>
+            <a:r>
+              <a:rPr lang="de-DE" sz="3200" noProof="0" dirty="0"/>
+              <a:t>Projektziel und Motivation</a:t>
+            </a:r>
+            <a:endParaRPr lang="de-AT" sz="3200" noProof="0" dirty="0"/>
+          </a:p>
+        </p:txBody>
+      </p:sp>
+      <p:sp>
+        <p:nvSpPr>
+          <p:cNvPr id="4" name="Textplatzhalter 3">
+            <a:extLst>
+              <a:ext uri="{FF2B5EF4-FFF2-40B4-BE49-F238E27FC236}">
+                <a16:creationId xmlns:a16="http://schemas.microsoft.com/office/drawing/2014/main" id="{2052B650-8675-3B83-9D79-C04C4AB60F43}"/>
+              </a:ext>
+            </a:extLst>
+          </p:cNvPr>
+          <p:cNvSpPr>
+            <a:spLocks noGrp="1"/>
+          </p:cNvSpPr>
+          <p:nvPr>
+            <p:ph type="body" sz="half" idx="2"/>
+          </p:nvPr>
+        </p:nvSpPr>
+        <p:spPr>
+          <a:xfrm>
+            <a:off x="1334605" y="2231136"/>
+            <a:ext cx="4665546" cy="3489131"/>
+          </a:xfrm>
+        </p:spPr>
+        <p:txBody>
+          <a:bodyPr vert="horz" lIns="91440" tIns="45720" rIns="91440" bIns="45720" rtlCol="0">
+            <a:normAutofit/>
+          </a:bodyPr>
+          <a:lstStyle/>
+          <a:p>
+            <a:pPr>
+              <a:buFont typeface="Arial" panose="020B0604020202020204" pitchFamily="34" charset="0"/>
+              <a:buChar char="•"/>
+            </a:pPr>
+            <a:r>
+              <a:rPr lang="de-DE" dirty="0"/>
+              <a:t> Flexibel mit den Funktionen</a:t>
+            </a:r>
+          </a:p>
+          <a:p>
+            <a:pPr>
+              <a:buFont typeface="Arial" panose="020B0604020202020204" pitchFamily="34" charset="0"/>
+              <a:buChar char="•"/>
+            </a:pPr>
+            <a:r>
+              <a:rPr lang="de-DE" dirty="0"/>
+              <a:t> Kernfunktionen: </a:t>
+            </a:r>
+          </a:p>
+          <a:p>
+            <a:pPr lvl="1">
+              <a:buFont typeface="Arial" panose="020B0604020202020204" pitchFamily="34" charset="0"/>
+              <a:buChar char="•"/>
+            </a:pPr>
+            <a:r>
+              <a:rPr lang="de-DE" dirty="0"/>
+              <a:t> User Login/</a:t>
+            </a:r>
+            <a:r>
+              <a:rPr lang="de-DE" dirty="0" err="1"/>
+              <a:t>Regristration</a:t>
+            </a:r>
+            <a:endParaRPr lang="de-DE" dirty="0"/>
+          </a:p>
+          <a:p>
+            <a:pPr lvl="1">
+              <a:buFont typeface="Arial" panose="020B0604020202020204" pitchFamily="34" charset="0"/>
+              <a:buChar char="•"/>
+            </a:pPr>
+            <a:r>
+              <a:rPr lang="de-DE" dirty="0"/>
+              <a:t> Erstellung von </a:t>
+            </a:r>
+            <a:r>
+              <a:rPr lang="de-DE" dirty="0" err="1"/>
+              <a:t>Haushälten</a:t>
+            </a:r>
+            <a:r>
+              <a:rPr lang="de-DE" dirty="0"/>
+              <a:t> und einladen von anderen Usern in diese </a:t>
+            </a:r>
+            <a:r>
+              <a:rPr lang="de-DE" dirty="0" err="1"/>
+              <a:t>Haushälte</a:t>
+            </a:r>
+            <a:endParaRPr lang="de-DE" dirty="0"/>
+          </a:p>
+          <a:p>
+            <a:pPr lvl="1">
+              <a:buFont typeface="Arial" panose="020B0604020202020204" pitchFamily="34" charset="0"/>
+              <a:buChar char="•"/>
+            </a:pPr>
+            <a:r>
+              <a:rPr lang="de-DE" dirty="0"/>
+              <a:t> Einkaufsliste für alle User</a:t>
+            </a:r>
+          </a:p>
+          <a:p>
+            <a:pPr>
+              <a:buFont typeface="Arial" panose="020B0604020202020204" pitchFamily="34" charset="0"/>
+              <a:buChar char="•"/>
+            </a:pPr>
+            <a:r>
+              <a:rPr lang="de-DE" dirty="0"/>
+              <a:t> USP: </a:t>
+            </a:r>
+          </a:p>
+          <a:p>
+            <a:pPr lvl="1">
+              <a:buFont typeface="Arial" panose="020B0604020202020204" pitchFamily="34" charset="0"/>
+              <a:buChar char="•"/>
+            </a:pPr>
+            <a:r>
+              <a:rPr lang="de-DE" dirty="0"/>
+              <a:t> Einfachheit &amp; Übersichtlichkeit</a:t>
+            </a:r>
+          </a:p>
+          <a:p>
+            <a:pPr lvl="1">
+              <a:buFont typeface="Arial" panose="020B0604020202020204" pitchFamily="34" charset="0"/>
+              <a:buChar char="•"/>
+            </a:pPr>
+            <a:r>
+              <a:rPr lang="de-DE" dirty="0"/>
+              <a:t> Gut gestaltete Oberfläche mit keinen Missverständnissen</a:t>
+            </a:r>
+          </a:p>
+        </p:txBody>
+      </p:sp>
+      <p:cxnSp>
+        <p:nvCxnSpPr>
+          <p:cNvPr id="16" name="Straight Connector 15">
+            <a:extLst>
+              <a:ext uri="{FF2B5EF4-FFF2-40B4-BE49-F238E27FC236}">
+                <a16:creationId xmlns:a16="http://schemas.microsoft.com/office/drawing/2014/main" id="{B743ACE5-B7B5-87A1-85D5-C73A3210C2F7}"/>
+              </a:ext>
+              <a:ext uri="{C183D7F6-B498-43B3-948B-1728B52AA6E4}">
+                <adec:decorative xmlns:adec="http://schemas.microsoft.com/office/drawing/2017/decorative" val="1"/>
+              </a:ext>
+            </a:extLst>
+          </p:cNvPr>
+          <p:cNvCxnSpPr>
+            <a:cxnSpLocks noGrp="1" noRot="1" noChangeAspect="1" noMove="1" noResize="1" noEditPoints="1" noAdjustHandles="1" noChangeArrowheads="1" noChangeShapeType="1"/>
+          </p:cNvCxnSpPr>
+          <p:nvPr>
+            <p:extLst>
+              <p:ext uri="{386F3935-93C4-4BCD-93E2-E3B085C9AB24}">
+                <p16:designElem xmlns:p16="http://schemas.microsoft.com/office/powerpoint/2015/main" val="1"/>
+              </p:ext>
+            </p:extLst>
+          </p:nvPr>
+        </p:nvCxnSpPr>
+        <p:spPr>
+          <a:xfrm flipV="1">
+            <a:off x="485673" y="979075"/>
+            <a:ext cx="0" cy="5074920"/>
+          </a:xfrm>
+          <a:prstGeom prst="line">
+            <a:avLst/>
+          </a:prstGeom>
+          <a:ln w="76200"/>
+        </p:spPr>
+        <p:style>
+          <a:lnRef idx="1">
+            <a:schemeClr val="accent1"/>
+          </a:lnRef>
+          <a:fillRef idx="0">
+            <a:schemeClr val="accent1"/>
+          </a:fillRef>
+          <a:effectRef idx="0">
+            <a:schemeClr val="accent1"/>
+          </a:effectRef>
+          <a:fontRef idx="minor">
+            <a:schemeClr val="tx1"/>
+          </a:fontRef>
+        </p:style>
+      </p:cxnSp>
+      <p:pic>
+        <p:nvPicPr>
+          <p:cNvPr id="7" name="Grafik 6" descr="Ein Bild, das Schrift, Grafiken, Text, Grafikdesign enthält.&#10;&#10;KI-generierte Inhalte können fehlerhaft sein.">
+            <a:extLst>
+              <a:ext uri="{FF2B5EF4-FFF2-40B4-BE49-F238E27FC236}">
+                <a16:creationId xmlns:a16="http://schemas.microsoft.com/office/drawing/2014/main" id="{BA9DB876-878E-AF5A-B9F8-905D42B20EB7}"/>
+              </a:ext>
+            </a:extLst>
+          </p:cNvPr>
+          <p:cNvPicPr>
+            <a:picLocks noChangeAspect="1"/>
+          </p:cNvPicPr>
+          <p:nvPr/>
+        </p:nvPicPr>
+        <p:blipFill>
+          <a:blip r:embed="rId3">
+            <a:extLst>
+              <a:ext uri="{28A0092B-C50C-407E-A947-70E740481C1C}">
+                <a14:useLocalDpi xmlns:a14="http://schemas.microsoft.com/office/drawing/2010/main" val="0"/>
+              </a:ext>
+            </a:extLst>
+          </a:blip>
+          <a:stretch>
+            <a:fillRect/>
+          </a:stretch>
+        </p:blipFill>
+        <p:spPr>
+          <a:xfrm>
+            <a:off x="8951976" y="120206"/>
+            <a:ext cx="2212010" cy="488700"/>
+          </a:xfrm>
+          <a:prstGeom prst="rect">
+            <a:avLst/>
+          </a:prstGeom>
+        </p:spPr>
+      </p:pic>
+    </p:spTree>
+    <p:extLst>
+      <p:ext uri="{BB962C8B-B14F-4D97-AF65-F5344CB8AC3E}">
+        <p14:creationId xmlns:p14="http://schemas.microsoft.com/office/powerpoint/2010/main" val="3229738325"/>
+      </p:ext>
+    </p:extLst>
+  </p:cSld>
+  <p:clrMapOvr>
+    <a:masterClrMapping/>
+  </p:clrMapOvr>
+  <mc:AlternateContent xmlns:mc="http://schemas.openxmlformats.org/markup-compatibility/2006">
+    <mc:Choice xmlns:p14="http://schemas.microsoft.com/office/powerpoint/2010/main" Requires="p14">
+      <p:transition spd="med" p14:dur="700">
+        <p:fade/>
+      </p:transition>
+    </mc:Choice>
+    <mc:Fallback>
+      <p:transition spd="med">
+        <p:fade/>
+      </p:transition>
+    </mc:Fallback>
+  </mc:AlternateContent>
+</p:sld>
+</file>
+
+<file path=ppt/slides/slide7.xml><?xml version="1.0" encoding="utf-8"?>
+<p:sld xmlns:a="http://schemas.openxmlformats.org/drawingml/2006/main" xmlns:r="http://schemas.openxmlformats.org/officeDocument/2006/relationships" xmlns:p="http://schemas.openxmlformats.org/presentationml/2006/main">
+  <p:cSld>
+    <p:bg>
+      <p:bgPr>
+        <a:solidFill>
+          <a:schemeClr val="bg1"/>
+        </a:solidFill>
+        <a:effectLst/>
+      </p:bgPr>
+    </p:bg>
+    <p:spTree>
+      <p:nvGrpSpPr>
+        <p:cNvPr id="1" name="">
+          <a:extLst>
+            <a:ext uri="{FF2B5EF4-FFF2-40B4-BE49-F238E27FC236}">
+              <a16:creationId xmlns:a16="http://schemas.microsoft.com/office/drawing/2014/main" id="{AB440477-AC0E-6D68-5D4D-09B4F91CE61F}"/>
+            </a:ext>
+          </a:extLst>
+        </p:cNvPr>
+        <p:cNvGrpSpPr/>
+        <p:nvPr/>
+      </p:nvGrpSpPr>
+      <p:grpSpPr>
+        <a:xfrm>
+          <a:off x="0" y="0"/>
+          <a:ext cx="0" cy="0"/>
+          <a:chOff x="0" y="0"/>
+          <a:chExt cx="0" cy="0"/>
+        </a:xfrm>
+      </p:grpSpPr>
+      <p:cxnSp>
+        <p:nvCxnSpPr>
+          <p:cNvPr id="7" name="Straight Connector 6">
+            <a:extLst>
+              <a:ext uri="{FF2B5EF4-FFF2-40B4-BE49-F238E27FC236}">
+                <a16:creationId xmlns:a16="http://schemas.microsoft.com/office/drawing/2014/main" id="{1F052F31-C493-E0F8-890E-B332BAC72B13}"/>
+              </a:ext>
+              <a:ext uri="{C183D7F6-B498-43B3-948B-1728B52AA6E4}">
+                <adec:decorative xmlns:adec="http://schemas.microsoft.com/office/drawing/2017/decorative" val="1"/>
+              </a:ext>
+            </a:extLst>
+          </p:cNvPr>
+          <p:cNvCxnSpPr>
+            <a:cxnSpLocks noGrp="1" noRot="1" noChangeAspect="1" noMove="1" noResize="1" noEditPoints="1" noAdjustHandles="1" noChangeArrowheads="1" noChangeShapeType="1"/>
+          </p:cNvCxnSpPr>
+          <p:nvPr>
+            <p:extLst>
+              <p:ext uri="{386F3935-93C4-4BCD-93E2-E3B085C9AB24}">
+                <p16:designElem xmlns:p16="http://schemas.microsoft.com/office/powerpoint/2015/main" val="1"/>
+              </p:ext>
+            </p:extLst>
+          </p:nvPr>
+        </p:nvCxnSpPr>
+        <p:spPr>
+          <a:xfrm>
+            <a:off x="713232" y="1031001"/>
+            <a:ext cx="978862" cy="0"/>
+          </a:xfrm>
+          <a:prstGeom prst="line">
+            <a:avLst/>
+          </a:prstGeom>
+          <a:ln w="76200"/>
+        </p:spPr>
+        <p:style>
+          <a:lnRef idx="1">
+            <a:schemeClr val="accent1"/>
+          </a:lnRef>
+          <a:fillRef idx="0">
+            <a:schemeClr val="accent1"/>
+          </a:fillRef>
+          <a:effectRef idx="0">
+            <a:schemeClr val="accent1"/>
+          </a:effectRef>
+          <a:fontRef idx="minor">
+            <a:schemeClr val="tx1"/>
+          </a:fontRef>
+        </p:style>
+      </p:cxnSp>
+      <p:sp useBgFill="1">
+        <p:nvSpPr>
+          <p:cNvPr id="9" name="Rectangle 8">
+            <a:extLst>
+              <a:ext uri="{FF2B5EF4-FFF2-40B4-BE49-F238E27FC236}">
+                <a16:creationId xmlns:a16="http://schemas.microsoft.com/office/drawing/2014/main" id="{B2665ADF-D430-C91E-25D7-51FB83C3F79D}"/>
+              </a:ext>
+              <a:ext uri="{C183D7F6-B498-43B3-948B-1728B52AA6E4}">
+                <adec:decorative xmlns:adec="http://schemas.microsoft.com/office/drawing/2017/decorative" val="1"/>
+              </a:ext>
+            </a:extLst>
+          </p:cNvPr>
+          <p:cNvSpPr>
+            <a:spLocks noGrp="1" noRot="1" noChangeAspect="1" noMove="1" noResize="1" noEditPoints="1" noAdjustHandles="1" noChangeArrowheads="1" noChangeShapeType="1" noTextEdit="1"/>
+          </p:cNvSpPr>
+          <p:nvPr>
+            <p:extLst>
+              <p:ext uri="{386F3935-93C4-4BCD-93E2-E3B085C9AB24}">
+                <p16:designElem xmlns:p16="http://schemas.microsoft.com/office/powerpoint/2015/main" val="1"/>
+              </p:ext>
+            </p:extLst>
+          </p:nvPr>
+        </p:nvSpPr>
+        <p:spPr>
+          <a:xfrm>
+            <a:off x="0" y="0"/>
+            <a:ext cx="12192000" cy="6858000"/>
+          </a:xfrm>
+          <a:prstGeom prst="rect">
+            <a:avLst/>
+          </a:prstGeom>
+          <a:ln w="12700" cap="flat" cmpd="sng" algn="ctr">
+            <a:noFill/>
+            <a:prstDash val="solid"/>
+            <a:miter lim="800000"/>
+          </a:ln>
+          <a:effectLst/>
+          <a:extLst>
+            <a:ext uri="{91240B29-F687-4F45-9708-019B960494DF}">
+              <a14:hiddenLine xmlns:a14="http://schemas.microsoft.com/office/drawing/2010/main" w="12700" cap="flat" cmpd="sng" algn="ctr">
+                <a:solidFill>
+                  <a:schemeClr val="accent1">
+                    <a:shade val="50000"/>
+                  </a:schemeClr>
+                </a:solidFill>
+                <a:prstDash val="solid"/>
+                <a:miter lim="800000"/>
+              </a14:hiddenLine>
+            </a:ext>
+          </a:extLst>
+        </p:spPr>
+        <p:style>
+          <a:lnRef idx="2">
+            <a:schemeClr val="accent1">
+              <a:shade val="50000"/>
+            </a:schemeClr>
+          </a:lnRef>
+          <a:fillRef idx="1">
+            <a:schemeClr val="accent1"/>
+          </a:fillRef>
+          <a:effectRef idx="0">
+            <a:schemeClr val="accent1"/>
+          </a:effectRef>
+          <a:fontRef idx="minor">
+            <a:schemeClr val="lt1"/>
+          </a:fontRef>
+        </p:style>
+        <p:txBody>
+          <a:bodyPr rtlCol="0" anchor="ctr"/>
+          <a:lstStyle/>
+          <a:p>
+            <a:pPr algn="ctr"/>
+            <a:endParaRPr lang="de-AT" noProof="0" dirty="0"/>
+          </a:p>
+        </p:txBody>
+      </p:sp>
+      <p:pic>
+        <p:nvPicPr>
+          <p:cNvPr id="4" name="Picture 3" descr="Ein Bild, das Himmel, Wolke, Blau, Screenshot enthält.">
+            <a:extLst>
+              <a:ext uri="{FF2B5EF4-FFF2-40B4-BE49-F238E27FC236}">
+                <a16:creationId xmlns:a16="http://schemas.microsoft.com/office/drawing/2014/main" id="{68F15DB3-EF38-54AD-694A-D860BC9A7088}"/>
+              </a:ext>
+            </a:extLst>
+          </p:cNvPr>
+          <p:cNvPicPr>
+            <a:picLocks noChangeAspect="1"/>
+          </p:cNvPicPr>
+          <p:nvPr/>
+        </p:nvPicPr>
+        <p:blipFill>
+          <a:blip r:embed="rId2">
+            <a:alphaModFix amt="40000"/>
+          </a:blip>
+          <a:srcRect t="25001"/>
+          <a:stretch/>
+        </p:blipFill>
+        <p:spPr>
+          <a:xfrm>
+            <a:off x="20" y="152"/>
+            <a:ext cx="12191980" cy="6857848"/>
+          </a:xfrm>
+          <a:prstGeom prst="rect">
+            <a:avLst/>
+          </a:prstGeom>
+        </p:spPr>
+      </p:pic>
+      <p:sp>
+        <p:nvSpPr>
+          <p:cNvPr id="2" name="Titel 1">
+            <a:extLst>
+              <a:ext uri="{FF2B5EF4-FFF2-40B4-BE49-F238E27FC236}">
+                <a16:creationId xmlns:a16="http://schemas.microsoft.com/office/drawing/2014/main" id="{CAD79F3F-365B-13C8-F175-87381CED7CF5}"/>
+              </a:ext>
+            </a:extLst>
+          </p:cNvPr>
+          <p:cNvSpPr>
+            <a:spLocks noGrp="1"/>
+          </p:cNvSpPr>
+          <p:nvPr>
+            <p:ph type="title"/>
+          </p:nvPr>
+        </p:nvSpPr>
+        <p:spPr>
+          <a:xfrm>
+            <a:off x="1946564" y="1249217"/>
+            <a:ext cx="8298873" cy="2258284"/>
+          </a:xfrm>
+        </p:spPr>
+        <p:txBody>
+          <a:bodyPr vert="horz" lIns="91440" tIns="45720" rIns="91440" bIns="45720" rtlCol="0" anchor="b">
+            <a:normAutofit/>
+          </a:bodyPr>
+          <a:lstStyle/>
+          <a:p>
+            <a:pPr algn="ctr"/>
+            <a:r>
+              <a:rPr lang="de-AT" sz="4400" noProof="0" dirty="0"/>
+              <a:t>Technische Umsetzung</a:t>
+            </a:r>
+          </a:p>
+        </p:txBody>
+      </p:sp>
+      <p:cxnSp>
+        <p:nvCxnSpPr>
+          <p:cNvPr id="11" name="Straight Connector 10">
+            <a:extLst>
+              <a:ext uri="{FF2B5EF4-FFF2-40B4-BE49-F238E27FC236}">
+                <a16:creationId xmlns:a16="http://schemas.microsoft.com/office/drawing/2014/main" id="{5069C2EA-ED41-53DD-239C-C31A3C158F39}"/>
+              </a:ext>
+              <a:ext uri="{C183D7F6-B498-43B3-948B-1728B52AA6E4}">
+                <adec:decorative xmlns:adec="http://schemas.microsoft.com/office/drawing/2017/decorative" val="1"/>
+              </a:ext>
+            </a:extLst>
+          </p:cNvPr>
+          <p:cNvCxnSpPr>
+            <a:cxnSpLocks noGrp="1" noRot="1" noChangeAspect="1" noMove="1" noResize="1" noEditPoints="1" noAdjustHandles="1" noChangeArrowheads="1" noChangeShapeType="1"/>
+          </p:cNvCxnSpPr>
+          <p:nvPr>
+            <p:extLst>
+              <p:ext uri="{386F3935-93C4-4BCD-93E2-E3B085C9AB24}">
+                <p16:designElem xmlns:p16="http://schemas.microsoft.com/office/powerpoint/2015/main" val="1"/>
+              </p:ext>
+            </p:extLst>
+          </p:nvPr>
+        </p:nvCxnSpPr>
+        <p:spPr>
+          <a:xfrm>
+            <a:off x="5730240" y="4290504"/>
+            <a:ext cx="731520" cy="0"/>
+          </a:xfrm>
+          <a:prstGeom prst="line">
+            <a:avLst/>
+          </a:prstGeom>
+          <a:ln w="57150"/>
+        </p:spPr>
+        <p:style>
+          <a:lnRef idx="1">
+            <a:schemeClr val="accent1"/>
+          </a:lnRef>
+          <a:fillRef idx="0">
+            <a:schemeClr val="accent1"/>
+          </a:fillRef>
+          <a:effectRef idx="0">
+            <a:schemeClr val="accent1"/>
+          </a:effectRef>
+          <a:fontRef idx="minor">
+            <a:schemeClr val="tx1"/>
+          </a:fontRef>
+        </p:style>
+      </p:cxnSp>
+    </p:spTree>
+    <p:extLst>
+      <p:ext uri="{BB962C8B-B14F-4D97-AF65-F5344CB8AC3E}">
+        <p14:creationId xmlns:p14="http://schemas.microsoft.com/office/powerpoint/2010/main" val="2021323639"/>
+      </p:ext>
+    </p:extLst>
+  </p:cSld>
+  <p:clrMapOvr>
+    <a:masterClrMapping/>
+  </p:clrMapOvr>
+  <mc:AlternateContent xmlns:mc="http://schemas.openxmlformats.org/markup-compatibility/2006">
+    <mc:Choice xmlns:p14="http://schemas.microsoft.com/office/powerpoint/2010/main" Requires="p14">
+      <p:transition spd="med" p14:dur="700">
+        <p:fade/>
+      </p:transition>
+    </mc:Choice>
+    <mc:Fallback>
+      <p:transition spd="med">
+        <p:fade/>
+      </p:transition>
+    </mc:Fallback>
+  </mc:AlternateContent>
+</p:sld>
+</file>
+
+<file path=ppt/slides/slide8.xml><?xml version="1.0" encoding="utf-8"?>
+<p:sld xmlns:a="http://schemas.openxmlformats.org/drawingml/2006/main" xmlns:r="http://schemas.openxmlformats.org/officeDocument/2006/relationships" xmlns:p="http://schemas.openxmlformats.org/presentationml/2006/main">
+  <p:cSld>
+    <p:bg>
+      <p:bgPr>
+        <a:solidFill>
+          <a:schemeClr val="bg1"/>
+        </a:solidFill>
+        <a:effectLst/>
+      </p:bgPr>
+    </p:bg>
+    <p:spTree>
+      <p:nvGrpSpPr>
+        <p:cNvPr id="1" name="">
+          <a:extLst>
+            <a:ext uri="{FF2B5EF4-FFF2-40B4-BE49-F238E27FC236}">
+              <a16:creationId xmlns:a16="http://schemas.microsoft.com/office/drawing/2014/main" id="{03040932-273B-397B-E149-A5802ED6E069}"/>
+            </a:ext>
+          </a:extLst>
+        </p:cNvPr>
+        <p:cNvGrpSpPr/>
+        <p:nvPr/>
+      </p:nvGrpSpPr>
+      <p:grpSpPr>
+        <a:xfrm>
+          <a:off x="0" y="0"/>
+          <a:ext cx="0" cy="0"/>
+          <a:chOff x="0" y="0"/>
+          <a:chExt cx="0" cy="0"/>
+        </a:xfrm>
+      </p:grpSpPr>
+      <p:cxnSp>
+        <p:nvCxnSpPr>
+          <p:cNvPr id="10" name="Straight Connector 9">
+            <a:extLst>
+              <a:ext uri="{FF2B5EF4-FFF2-40B4-BE49-F238E27FC236}">
+                <a16:creationId xmlns:a16="http://schemas.microsoft.com/office/drawing/2014/main" id="{D1897A9F-1A35-1B71-5AB2-8BCCD635E819}"/>
+              </a:ext>
+              <a:ext uri="{C183D7F6-B498-43B3-948B-1728B52AA6E4}">
+                <adec:decorative xmlns:adec="http://schemas.microsoft.com/office/drawing/2017/decorative" val="1"/>
+              </a:ext>
+            </a:extLst>
+          </p:cNvPr>
+          <p:cNvCxnSpPr>
+            <a:cxnSpLocks noGrp="1" noRot="1" noChangeAspect="1" noMove="1" noResize="1" noEditPoints="1" noAdjustHandles="1" noChangeArrowheads="1" noChangeShapeType="1"/>
+          </p:cNvCxnSpPr>
+          <p:nvPr>
+            <p:extLst>
+              <p:ext uri="{386F3935-93C4-4BCD-93E2-E3B085C9AB24}">
+                <p16:designElem xmlns:p16="http://schemas.microsoft.com/office/powerpoint/2015/main" val="1"/>
+              </p:ext>
+            </p:extLst>
+          </p:nvPr>
+        </p:nvCxnSpPr>
+        <p:spPr>
+          <a:xfrm>
+            <a:off x="713232" y="1031001"/>
+            <a:ext cx="978862" cy="0"/>
+          </a:xfrm>
+          <a:prstGeom prst="line">
+            <a:avLst/>
+          </a:prstGeom>
+          <a:ln w="76200"/>
+        </p:spPr>
+        <p:style>
+          <a:lnRef idx="1">
+            <a:schemeClr val="accent1"/>
+          </a:lnRef>
+          <a:fillRef idx="0">
+            <a:schemeClr val="accent1"/>
+          </a:fillRef>
+          <a:effectRef idx="0">
+            <a:schemeClr val="accent1"/>
+          </a:effectRef>
+          <a:fontRef idx="minor">
+            <a:schemeClr val="tx1"/>
+          </a:fontRef>
+        </p:style>
+      </p:cxnSp>
+      <p:sp useBgFill="1">
+        <p:nvSpPr>
+          <p:cNvPr id="12" name="Rectangle 11">
+            <a:extLst>
+              <a:ext uri="{FF2B5EF4-FFF2-40B4-BE49-F238E27FC236}">
+                <a16:creationId xmlns:a16="http://schemas.microsoft.com/office/drawing/2014/main" id="{ED8F3BA2-F930-EE90-64A7-99EF2F7BF813}"/>
+              </a:ext>
+              <a:ext uri="{C183D7F6-B498-43B3-948B-1728B52AA6E4}">
+                <adec:decorative xmlns:adec="http://schemas.microsoft.com/office/drawing/2017/decorative" val="1"/>
+              </a:ext>
+            </a:extLst>
+          </p:cNvPr>
+          <p:cNvSpPr>
+            <a:spLocks noGrp="1" noRot="1" noChangeAspect="1" noMove="1" noResize="1" noEditPoints="1" noAdjustHandles="1" noChangeArrowheads="1" noChangeShapeType="1" noTextEdit="1"/>
+          </p:cNvSpPr>
+          <p:nvPr>
+            <p:extLst>
+              <p:ext uri="{386F3935-93C4-4BCD-93E2-E3B085C9AB24}">
+                <p16:designElem xmlns:p16="http://schemas.microsoft.com/office/powerpoint/2015/main" val="1"/>
+              </p:ext>
+            </p:extLst>
+          </p:nvPr>
+        </p:nvSpPr>
+        <p:spPr>
+          <a:xfrm>
+            <a:off x="0" y="0"/>
+            <a:ext cx="12192000" cy="6858000"/>
+          </a:xfrm>
+          <a:prstGeom prst="rect">
+            <a:avLst/>
+          </a:prstGeom>
+          <a:ln w="12700" cap="flat" cmpd="sng" algn="ctr">
+            <a:noFill/>
+            <a:prstDash val="solid"/>
+            <a:miter lim="800000"/>
+          </a:ln>
+          <a:effectLst/>
+          <a:extLst>
+            <a:ext uri="{91240B29-F687-4F45-9708-019B960494DF}">
+              <a14:hiddenLine xmlns:a14="http://schemas.microsoft.com/office/drawing/2010/main" w="12700" cap="flat" cmpd="sng" algn="ctr">
+                <a:solidFill>
+                  <a:schemeClr val="accent1">
+                    <a:shade val="50000"/>
+                  </a:schemeClr>
+                </a:solidFill>
+                <a:prstDash val="solid"/>
+                <a:miter lim="800000"/>
+              </a14:hiddenLine>
+            </a:ext>
+          </a:extLst>
+        </p:spPr>
+        <p:style>
+          <a:lnRef idx="2">
+            <a:schemeClr val="accent1">
+              <a:shade val="50000"/>
+            </a:schemeClr>
+          </a:lnRef>
+          <a:fillRef idx="1">
+            <a:schemeClr val="accent1"/>
+          </a:fillRef>
+          <a:effectRef idx="0">
+            <a:schemeClr val="accent1"/>
+          </a:effectRef>
+          <a:fontRef idx="minor">
+            <a:schemeClr val="lt1"/>
+          </a:fontRef>
+        </p:style>
+        <p:txBody>
+          <a:bodyPr rtlCol="0" anchor="ctr"/>
+          <a:lstStyle/>
+          <a:p>
+            <a:pPr algn="ctr"/>
+            <a:endParaRPr lang="de-AT" noProof="0" dirty="0"/>
+          </a:p>
+        </p:txBody>
+      </p:sp>
+      <p:pic>
+        <p:nvPicPr>
+          <p:cNvPr id="5" name="Picture 3" descr="Ein Bild, das Himmel, Wolke, Blau, Screenshot enthält.&#10;&#10;KI-generierte Inhalte können fehlerhaft sein.">
+            <a:extLst>
+              <a:ext uri="{FF2B5EF4-FFF2-40B4-BE49-F238E27FC236}">
+                <a16:creationId xmlns:a16="http://schemas.microsoft.com/office/drawing/2014/main" id="{41998DED-A918-5B48-9BB0-2C0F4B361B5A}"/>
+              </a:ext>
+            </a:extLst>
+          </p:cNvPr>
+          <p:cNvPicPr>
+            <a:picLocks noChangeAspect="1"/>
+          </p:cNvPicPr>
+          <p:nvPr/>
+        </p:nvPicPr>
+        <p:blipFill>
+          <a:blip r:embed="rId2"/>
+          <a:srcRect t="25000"/>
+          <a:stretch/>
+        </p:blipFill>
+        <p:spPr>
+          <a:xfrm>
+            <a:off x="20" y="10"/>
+            <a:ext cx="12191980" cy="6857990"/>
+          </a:xfrm>
+          <a:prstGeom prst="rect">
+            <a:avLst/>
+          </a:prstGeom>
+        </p:spPr>
+      </p:pic>
+      <p:sp useBgFill="1">
+        <p:nvSpPr>
+          <p:cNvPr id="14" name="Rectangle 13">
+            <a:extLst>
+              <a:ext uri="{FF2B5EF4-FFF2-40B4-BE49-F238E27FC236}">
+                <a16:creationId xmlns:a16="http://schemas.microsoft.com/office/drawing/2014/main" id="{333BF617-F1E2-3F75-8EA3-2456F71F94F0}"/>
+              </a:ext>
+              <a:ext uri="{C183D7F6-B498-43B3-948B-1728B52AA6E4}">
+                <adec:decorative xmlns:adec="http://schemas.microsoft.com/office/drawing/2017/decorative" val="1"/>
+              </a:ext>
+            </a:extLst>
+          </p:cNvPr>
+          <p:cNvSpPr>
+            <a:spLocks noGrp="1" noRot="1" noChangeAspect="1" noMove="1" noResize="1" noEditPoints="1" noAdjustHandles="1" noChangeArrowheads="1" noChangeShapeType="1" noTextEdit="1"/>
+          </p:cNvSpPr>
+          <p:nvPr>
+            <p:extLst>
+              <p:ext uri="{386F3935-93C4-4BCD-93E2-E3B085C9AB24}">
+                <p16:designElem xmlns:p16="http://schemas.microsoft.com/office/powerpoint/2015/main" val="1"/>
+              </p:ext>
+            </p:extLst>
+          </p:nvPr>
+        </p:nvSpPr>
+        <p:spPr>
+          <a:xfrm>
+            <a:off x="454894" y="979075"/>
+            <a:ext cx="5777024" cy="5074920"/>
+          </a:xfrm>
+          <a:prstGeom prst="rect">
+            <a:avLst/>
+          </a:prstGeom>
+          <a:ln>
+            <a:noFill/>
+          </a:ln>
+        </p:spPr>
+        <p:style>
+          <a:lnRef idx="2">
+            <a:schemeClr val="accent1">
+              <a:shade val="50000"/>
+            </a:schemeClr>
+          </a:lnRef>
+          <a:fillRef idx="1">
+            <a:schemeClr val="accent1"/>
+          </a:fillRef>
+          <a:effectRef idx="0">
+            <a:schemeClr val="accent1"/>
+          </a:effectRef>
+          <a:fontRef idx="minor">
+            <a:schemeClr val="lt1"/>
+          </a:fontRef>
+        </p:style>
+        <p:txBody>
+          <a:bodyPr rtlCol="0" anchor="ctr"/>
+          <a:lstStyle/>
+          <a:p>
+            <a:pPr algn="ctr"/>
+            <a:endParaRPr lang="de-AT" noProof="0" dirty="0"/>
+          </a:p>
+        </p:txBody>
+      </p:sp>
+      <p:sp>
+        <p:nvSpPr>
+          <p:cNvPr id="2" name="Titel 1">
+            <a:extLst>
+              <a:ext uri="{FF2B5EF4-FFF2-40B4-BE49-F238E27FC236}">
+                <a16:creationId xmlns:a16="http://schemas.microsoft.com/office/drawing/2014/main" id="{89214466-AF4F-B5E0-B6A1-25E4761C1B09}"/>
+              </a:ext>
+            </a:extLst>
+          </p:cNvPr>
+          <p:cNvSpPr>
+            <a:spLocks noGrp="1"/>
+          </p:cNvSpPr>
+          <p:nvPr>
+            <p:ph type="title"/>
+          </p:nvPr>
+        </p:nvSpPr>
+        <p:spPr>
+          <a:xfrm>
+            <a:off x="1049450" y="1352492"/>
+            <a:ext cx="5387913" cy="657573"/>
+          </a:xfrm>
+        </p:spPr>
+        <p:txBody>
+          <a:bodyPr vert="horz" lIns="91440" tIns="45720" rIns="91440" bIns="45720" rtlCol="0" anchor="t">
+            <a:normAutofit/>
+          </a:bodyPr>
+          <a:lstStyle/>
+          <a:p>
+            <a:r>
+              <a:rPr lang="de-DE" sz="3200" noProof="0" dirty="0"/>
+              <a:t>Technische Umsetzung</a:t>
+            </a:r>
+            <a:endParaRPr lang="de-AT" sz="3200" noProof="0" dirty="0"/>
+          </a:p>
+        </p:txBody>
+      </p:sp>
+      <p:sp>
+        <p:nvSpPr>
+          <p:cNvPr id="4" name="Textplatzhalter 3">
+            <a:extLst>
+              <a:ext uri="{FF2B5EF4-FFF2-40B4-BE49-F238E27FC236}">
+                <a16:creationId xmlns:a16="http://schemas.microsoft.com/office/drawing/2014/main" id="{DDF2EA8A-4153-33BE-7815-37433871875A}"/>
+              </a:ext>
+            </a:extLst>
+          </p:cNvPr>
+          <p:cNvSpPr>
+            <a:spLocks noGrp="1"/>
+          </p:cNvSpPr>
+          <p:nvPr>
+            <p:ph type="body" sz="half" idx="2"/>
+          </p:nvPr>
+        </p:nvSpPr>
+        <p:spPr>
+          <a:xfrm>
+            <a:off x="1334605" y="2231136"/>
+            <a:ext cx="4665546" cy="3489131"/>
+          </a:xfrm>
+        </p:spPr>
+        <p:txBody>
+          <a:bodyPr vert="horz" lIns="91440" tIns="45720" rIns="91440" bIns="45720" rtlCol="0">
+            <a:normAutofit/>
+          </a:bodyPr>
+          <a:lstStyle/>
+          <a:p>
+            <a:pPr>
+              <a:buFont typeface="Arial" panose="020B0604020202020204" pitchFamily="34" charset="0"/>
+              <a:buChar char="•"/>
+            </a:pPr>
+            <a:r>
+              <a:rPr lang="de-DE" dirty="0"/>
+              <a:t> Frontend: Vue.js</a:t>
+            </a:r>
+          </a:p>
+          <a:p>
+            <a:pPr>
+              <a:buFont typeface="Arial" panose="020B0604020202020204" pitchFamily="34" charset="0"/>
+              <a:buChar char="•"/>
+            </a:pPr>
+            <a:r>
+              <a:rPr lang="de-DE" dirty="0"/>
+              <a:t> Backend: Express.js</a:t>
+            </a:r>
+          </a:p>
+          <a:p>
+            <a:pPr>
+              <a:buFont typeface="Arial" panose="020B0604020202020204" pitchFamily="34" charset="0"/>
+              <a:buChar char="•"/>
+            </a:pPr>
+            <a:r>
+              <a:rPr lang="de-DE" dirty="0"/>
+              <a:t> Datenbank: MongoDB</a:t>
+            </a:r>
+          </a:p>
+          <a:p>
+            <a:pPr>
+              <a:buFont typeface="Arial" panose="020B0604020202020204" pitchFamily="34" charset="0"/>
+              <a:buChar char="•"/>
+            </a:pPr>
+            <a:r>
+              <a:rPr lang="de-DE" dirty="0"/>
+              <a:t> Versionskontrolle: GitHub</a:t>
+            </a:r>
+          </a:p>
+        </p:txBody>
+      </p:sp>
+      <p:cxnSp>
+        <p:nvCxnSpPr>
+          <p:cNvPr id="16" name="Straight Connector 15">
+            <a:extLst>
+              <a:ext uri="{FF2B5EF4-FFF2-40B4-BE49-F238E27FC236}">
+                <a16:creationId xmlns:a16="http://schemas.microsoft.com/office/drawing/2014/main" id="{914B9A23-0E25-AB9B-016E-B9A7BC6093DD}"/>
+              </a:ext>
+              <a:ext uri="{C183D7F6-B498-43B3-948B-1728B52AA6E4}">
+                <adec:decorative xmlns:adec="http://schemas.microsoft.com/office/drawing/2017/decorative" val="1"/>
+              </a:ext>
+            </a:extLst>
+          </p:cNvPr>
+          <p:cNvCxnSpPr>
+            <a:cxnSpLocks noGrp="1" noRot="1" noChangeAspect="1" noMove="1" noResize="1" noEditPoints="1" noAdjustHandles="1" noChangeArrowheads="1" noChangeShapeType="1"/>
+          </p:cNvCxnSpPr>
+          <p:nvPr>
+            <p:extLst>
+              <p:ext uri="{386F3935-93C4-4BCD-93E2-E3B085C9AB24}">
+                <p16:designElem xmlns:p16="http://schemas.microsoft.com/office/powerpoint/2015/main" val="1"/>
+              </p:ext>
+            </p:extLst>
+          </p:nvPr>
+        </p:nvCxnSpPr>
+        <p:spPr>
+          <a:xfrm flipV="1">
+            <a:off x="485673" y="979075"/>
+            <a:ext cx="0" cy="5074920"/>
+          </a:xfrm>
+          <a:prstGeom prst="line">
+            <a:avLst/>
+          </a:prstGeom>
+          <a:ln w="76200"/>
+        </p:spPr>
+        <p:style>
+          <a:lnRef idx="1">
+            <a:schemeClr val="accent1"/>
+          </a:lnRef>
+          <a:fillRef idx="0">
+            <a:schemeClr val="accent1"/>
+          </a:fillRef>
+          <a:effectRef idx="0">
+            <a:schemeClr val="accent1"/>
+          </a:effectRef>
+          <a:fontRef idx="minor">
+            <a:schemeClr val="tx1"/>
+          </a:fontRef>
+        </p:style>
+      </p:cxnSp>
+      <p:pic>
+        <p:nvPicPr>
+          <p:cNvPr id="7" name="Grafik 6" descr="Ein Bild, das Schrift, Grafiken, Text, Grafikdesign enthält.&#10;&#10;KI-generierte Inhalte können fehlerhaft sein.">
+            <a:extLst>
+              <a:ext uri="{FF2B5EF4-FFF2-40B4-BE49-F238E27FC236}">
+                <a16:creationId xmlns:a16="http://schemas.microsoft.com/office/drawing/2014/main" id="{894EDB2C-5629-225D-1AAD-FF6608B4E038}"/>
+              </a:ext>
+            </a:extLst>
+          </p:cNvPr>
+          <p:cNvPicPr>
+            <a:picLocks noChangeAspect="1"/>
+          </p:cNvPicPr>
+          <p:nvPr/>
+        </p:nvPicPr>
+        <p:blipFill>
+          <a:blip r:embed="rId3">
+            <a:extLst>
+              <a:ext uri="{28A0092B-C50C-407E-A947-70E740481C1C}">
+                <a14:useLocalDpi xmlns:a14="http://schemas.microsoft.com/office/drawing/2010/main" val="0"/>
+              </a:ext>
+            </a:extLst>
+          </a:blip>
+          <a:stretch>
+            <a:fillRect/>
+          </a:stretch>
+        </p:blipFill>
+        <p:spPr>
+          <a:xfrm>
+            <a:off x="8951976" y="120206"/>
+            <a:ext cx="2212010" cy="488700"/>
+          </a:xfrm>
+          <a:prstGeom prst="rect">
+            <a:avLst/>
+          </a:prstGeom>
+        </p:spPr>
+      </p:pic>
+    </p:spTree>
+    <p:extLst>
+      <p:ext uri="{BB962C8B-B14F-4D97-AF65-F5344CB8AC3E}">
+        <p14:creationId xmlns:p14="http://schemas.microsoft.com/office/powerpoint/2010/main" val="1229766770"/>
+      </p:ext>
+    </p:extLst>
+  </p:cSld>
+  <p:clrMapOvr>
+    <a:masterClrMapping/>
+  </p:clrMapOvr>
+  <mc:AlternateContent xmlns:mc="http://schemas.openxmlformats.org/markup-compatibility/2006">
+    <mc:Choice xmlns:p14="http://schemas.microsoft.com/office/powerpoint/2010/main" Requires="p14">
+      <p:transition spd="med" p14:dur="700">
+        <p:fade/>
+      </p:transition>
+    </mc:Choice>
+    <mc:Fallback>
+      <p:transition spd="med">
+        <p:fade/>
+      </p:transition>
+    </mc:Fallback>
+  </mc:AlternateContent>
+</p:sld>
+</file>
+
+<file path=ppt/slides/slide9.xml><?xml version="1.0" encoding="utf-8"?>
+<p:sld xmlns:a="http://schemas.openxmlformats.org/drawingml/2006/main" xmlns:r="http://schemas.openxmlformats.org/officeDocument/2006/relationships" xmlns:p="http://schemas.openxmlformats.org/presentationml/2006/main">
+  <p:cSld>
+    <p:bg>
+      <p:bgPr>
+        <a:solidFill>
+          <a:schemeClr val="bg1"/>
+        </a:solidFill>
+        <a:effectLst/>
+      </p:bgPr>
+    </p:bg>
+    <p:spTree>
+      <p:nvGrpSpPr>
+        <p:cNvPr id="1" name="">
+          <a:extLst>
+            <a:ext uri="{FF2B5EF4-FFF2-40B4-BE49-F238E27FC236}">
+              <a16:creationId xmlns:a16="http://schemas.microsoft.com/office/drawing/2014/main" id="{F898A003-E207-C4F9-EEE0-143D6A17D14E}"/>
+            </a:ext>
+          </a:extLst>
+        </p:cNvPr>
+        <p:cNvGrpSpPr/>
+        <p:nvPr/>
+      </p:nvGrpSpPr>
+      <p:grpSpPr>
+        <a:xfrm>
+          <a:off x="0" y="0"/>
+          <a:ext cx="0" cy="0"/>
+          <a:chOff x="0" y="0"/>
+          <a:chExt cx="0" cy="0"/>
+        </a:xfrm>
+      </p:grpSpPr>
+      <p:cxnSp>
+        <p:nvCxnSpPr>
+          <p:cNvPr id="7" name="Straight Connector 6">
+            <a:extLst>
+              <a:ext uri="{FF2B5EF4-FFF2-40B4-BE49-F238E27FC236}">
+                <a16:creationId xmlns:a16="http://schemas.microsoft.com/office/drawing/2014/main" id="{5BA4D430-5B5F-B0A6-1D60-4FAABD9E3F3A}"/>
+              </a:ext>
+              <a:ext uri="{C183D7F6-B498-43B3-948B-1728B52AA6E4}">
+                <adec:decorative xmlns:adec="http://schemas.microsoft.com/office/drawing/2017/decorative" val="1"/>
+              </a:ext>
+            </a:extLst>
+          </p:cNvPr>
+          <p:cNvCxnSpPr>
+            <a:cxnSpLocks noGrp="1" noRot="1" noChangeAspect="1" noMove="1" noResize="1" noEditPoints="1" noAdjustHandles="1" noChangeArrowheads="1" noChangeShapeType="1"/>
+          </p:cNvCxnSpPr>
+          <p:nvPr>
+            <p:extLst>
+              <p:ext uri="{386F3935-93C4-4BCD-93E2-E3B085C9AB24}">
+                <p16:designElem xmlns:p16="http://schemas.microsoft.com/office/powerpoint/2015/main" val="1"/>
+              </p:ext>
+            </p:extLst>
+          </p:nvPr>
+        </p:nvCxnSpPr>
+        <p:spPr>
+          <a:xfrm>
+            <a:off x="713232" y="1031001"/>
+            <a:ext cx="978862" cy="0"/>
+          </a:xfrm>
+          <a:prstGeom prst="line">
+            <a:avLst/>
+          </a:prstGeom>
+          <a:ln w="76200"/>
+        </p:spPr>
+        <p:style>
+          <a:lnRef idx="1">
+            <a:schemeClr val="accent1"/>
+          </a:lnRef>
+          <a:fillRef idx="0">
+            <a:schemeClr val="accent1"/>
+          </a:fillRef>
+          <a:effectRef idx="0">
+            <a:schemeClr val="accent1"/>
+          </a:effectRef>
+          <a:fontRef idx="minor">
+            <a:schemeClr val="tx1"/>
+          </a:fontRef>
+        </p:style>
+      </p:cxnSp>
+      <p:sp useBgFill="1">
+        <p:nvSpPr>
+          <p:cNvPr id="9" name="Rectangle 8">
+            <a:extLst>
+              <a:ext uri="{FF2B5EF4-FFF2-40B4-BE49-F238E27FC236}">
+                <a16:creationId xmlns:a16="http://schemas.microsoft.com/office/drawing/2014/main" id="{4C2D8B87-F608-706A-150F-D06E02D3C1F8}"/>
+              </a:ext>
+              <a:ext uri="{C183D7F6-B498-43B3-948B-1728B52AA6E4}">
+                <adec:decorative xmlns:adec="http://schemas.microsoft.com/office/drawing/2017/decorative" val="1"/>
+              </a:ext>
+            </a:extLst>
+          </p:cNvPr>
+          <p:cNvSpPr>
+            <a:spLocks noGrp="1" noRot="1" noChangeAspect="1" noMove="1" noResize="1" noEditPoints="1" noAdjustHandles="1" noChangeArrowheads="1" noChangeShapeType="1" noTextEdit="1"/>
+          </p:cNvSpPr>
+          <p:nvPr>
+            <p:extLst>
+              <p:ext uri="{386F3935-93C4-4BCD-93E2-E3B085C9AB24}">
+                <p16:designElem xmlns:p16="http://schemas.microsoft.com/office/powerpoint/2015/main" val="1"/>
+              </p:ext>
+            </p:extLst>
+          </p:nvPr>
+        </p:nvSpPr>
+        <p:spPr>
+          <a:xfrm>
+            <a:off x="0" y="0"/>
+            <a:ext cx="12192000" cy="6858000"/>
+          </a:xfrm>
+          <a:prstGeom prst="rect">
+            <a:avLst/>
+          </a:prstGeom>
+          <a:ln w="12700" cap="flat" cmpd="sng" algn="ctr">
+            <a:noFill/>
+            <a:prstDash val="solid"/>
+            <a:miter lim="800000"/>
+          </a:ln>
+          <a:effectLst/>
+          <a:extLst>
+            <a:ext uri="{91240B29-F687-4F45-9708-019B960494DF}">
+              <a14:hiddenLine xmlns:a14="http://schemas.microsoft.com/office/drawing/2010/main" w="12700" cap="flat" cmpd="sng" algn="ctr">
+                <a:solidFill>
+                  <a:schemeClr val="accent1">
+                    <a:shade val="50000"/>
+                  </a:schemeClr>
+                </a:solidFill>
+                <a:prstDash val="solid"/>
+                <a:miter lim="800000"/>
+              </a14:hiddenLine>
+            </a:ext>
+          </a:extLst>
+        </p:spPr>
+        <p:style>
+          <a:lnRef idx="2">
+            <a:schemeClr val="accent1">
+              <a:shade val="50000"/>
+            </a:schemeClr>
+          </a:lnRef>
+          <a:fillRef idx="1">
+            <a:schemeClr val="accent1"/>
+          </a:fillRef>
+          <a:effectRef idx="0">
+            <a:schemeClr val="accent1"/>
+          </a:effectRef>
+          <a:fontRef idx="minor">
+            <a:schemeClr val="lt1"/>
+          </a:fontRef>
+        </p:style>
+        <p:txBody>
+          <a:bodyPr rtlCol="0" anchor="ctr"/>
+          <a:lstStyle/>
+          <a:p>
+            <a:pPr algn="ctr"/>
+            <a:endParaRPr lang="de-AT" noProof="0" dirty="0"/>
+          </a:p>
+        </p:txBody>
+      </p:sp>
+      <p:pic>
+        <p:nvPicPr>
+          <p:cNvPr id="4" name="Picture 3" descr="Ein Bild, das Himmel, Wolke, Blau, Screenshot enthält.">
+            <a:extLst>
+              <a:ext uri="{FF2B5EF4-FFF2-40B4-BE49-F238E27FC236}">
+                <a16:creationId xmlns:a16="http://schemas.microsoft.com/office/drawing/2014/main" id="{EFD39AB0-4728-9A05-6CC1-8D3DDA75AF07}"/>
+              </a:ext>
+            </a:extLst>
+          </p:cNvPr>
+          <p:cNvPicPr>
+            <a:picLocks noChangeAspect="1"/>
+          </p:cNvPicPr>
+          <p:nvPr/>
+        </p:nvPicPr>
+        <p:blipFill>
+          <a:blip r:embed="rId2">
+            <a:alphaModFix amt="40000"/>
+          </a:blip>
+          <a:srcRect t="25001"/>
+          <a:stretch/>
+        </p:blipFill>
+        <p:spPr>
+          <a:xfrm>
+            <a:off x="20" y="152"/>
+            <a:ext cx="12191980" cy="6857848"/>
+          </a:xfrm>
+          <a:prstGeom prst="rect">
+            <a:avLst/>
+          </a:prstGeom>
+        </p:spPr>
+      </p:pic>
+      <p:sp>
+        <p:nvSpPr>
+          <p:cNvPr id="2" name="Titel 1">
+            <a:extLst>
+              <a:ext uri="{FF2B5EF4-FFF2-40B4-BE49-F238E27FC236}">
+                <a16:creationId xmlns:a16="http://schemas.microsoft.com/office/drawing/2014/main" id="{D9ADE4DA-BCAF-538E-EE09-E8E1A9846001}"/>
+              </a:ext>
+            </a:extLst>
+          </p:cNvPr>
+          <p:cNvSpPr>
+            <a:spLocks noGrp="1"/>
+          </p:cNvSpPr>
+          <p:nvPr>
+            <p:ph type="title"/>
+          </p:nvPr>
+        </p:nvSpPr>
+        <p:spPr>
+          <a:xfrm>
+            <a:off x="1946564" y="1249217"/>
+            <a:ext cx="8298873" cy="2258284"/>
+          </a:xfrm>
+        </p:spPr>
+        <p:txBody>
+          <a:bodyPr vert="horz" lIns="91440" tIns="45720" rIns="91440" bIns="45720" rtlCol="0" anchor="b">
+            <a:normAutofit/>
+          </a:bodyPr>
+          <a:lstStyle/>
+          <a:p>
+            <a:pPr algn="ctr"/>
+            <a:r>
+              <a:rPr lang="de-AT" sz="4400" noProof="0" dirty="0"/>
+              <a:t>Entwicklungsprozess</a:t>
+            </a:r>
+          </a:p>
+        </p:txBody>
+      </p:sp>
+      <p:cxnSp>
+        <p:nvCxnSpPr>
+          <p:cNvPr id="11" name="Straight Connector 10">
+            <a:extLst>
+              <a:ext uri="{FF2B5EF4-FFF2-40B4-BE49-F238E27FC236}">
+                <a16:creationId xmlns:a16="http://schemas.microsoft.com/office/drawing/2014/main" id="{20C66719-39C4-A45C-6AD8-64C149121C09}"/>
+              </a:ext>
+              <a:ext uri="{C183D7F6-B498-43B3-948B-1728B52AA6E4}">
+                <adec:decorative xmlns:adec="http://schemas.microsoft.com/office/drawing/2017/decorative" val="1"/>
+              </a:ext>
+            </a:extLst>
+          </p:cNvPr>
+          <p:cNvCxnSpPr>
+            <a:cxnSpLocks noGrp="1" noRot="1" noChangeAspect="1" noMove="1" noResize="1" noEditPoints="1" noAdjustHandles="1" noChangeArrowheads="1" noChangeShapeType="1"/>
+          </p:cNvCxnSpPr>
+          <p:nvPr>
+            <p:extLst>
+              <p:ext uri="{386F3935-93C4-4BCD-93E2-E3B085C9AB24}">
+                <p16:designElem xmlns:p16="http://schemas.microsoft.com/office/powerpoint/2015/main" val="1"/>
+              </p:ext>
+            </p:extLst>
+          </p:nvPr>
+        </p:nvCxnSpPr>
+        <p:spPr>
+          <a:xfrm>
+            <a:off x="5730240" y="4290504"/>
+            <a:ext cx="731520" cy="0"/>
+          </a:xfrm>
+          <a:prstGeom prst="line">
+            <a:avLst/>
+          </a:prstGeom>
+          <a:ln w="57150"/>
+        </p:spPr>
+        <p:style>
+          <a:lnRef idx="1">
+            <a:schemeClr val="accent1"/>
+          </a:lnRef>
+          <a:fillRef idx="0">
+            <a:schemeClr val="accent1"/>
+          </a:fillRef>
+          <a:effectRef idx="0">
+            <a:schemeClr val="accent1"/>
+          </a:effectRef>
+          <a:fontRef idx="minor">
+            <a:schemeClr val="tx1"/>
+          </a:fontRef>
+        </p:style>
+      </p:cxnSp>
+    </p:spTree>
+    <p:extLst>
+      <p:ext uri="{BB962C8B-B14F-4D97-AF65-F5344CB8AC3E}">
+        <p14:creationId xmlns:p14="http://schemas.microsoft.com/office/powerpoint/2010/main" val="3994698277"/>
+      </p:ext>
+    </p:extLst>
+  </p:cSld>
+  <p:clrMapOvr>
+    <a:masterClrMapping/>
+  </p:clrMapOvr>
+  <mc:AlternateContent xmlns:mc="http://schemas.openxmlformats.org/markup-compatibility/2006">
+    <mc:Choice xmlns:p14="http://schemas.microsoft.com/office/powerpoint/2010/main" Requires="p14">
+      <p:transition spd="med" p14:dur="700">
+        <p:fade/>
+      </p:transition>
+    </mc:Choice>
+    <mc:Fallback>
+      <p:transition spd="med">
         <p:fade/>
       </p:transition>
     </mc:Fallback>

--- a/Project-management/999. Abschlusspräsentation/Abschlusspräsentation 25.02.2025 HomeSphere.pptx
+++ b/Project-management/999. Abschlusspräsentation/Abschlusspräsentation 25.02.2025 HomeSphere.pptx
@@ -4985,15 +4985,7 @@
             </a:r>
             <a:r>
               <a:rPr lang="de-DE" b="1" dirty="0"/>
-              <a:t>Christian </a:t>
-            </a:r>
-            <a:r>
-              <a:rPr lang="de-DE" b="1" dirty="0" err="1"/>
-              <a:t>Schallner</a:t>
-            </a:r>
-            <a:r>
-              <a:rPr lang="de-DE" b="1" dirty="0"/>
-              <a:t>: </a:t>
+              <a:t>Christian Schallner: </a:t>
             </a:r>
             <a:r>
               <a:rPr lang="de-DE" dirty="0"/>
@@ -5035,15 +5027,7 @@
             </a:pPr>
             <a:r>
               <a:rPr lang="de-DE" dirty="0"/>
-              <a:t> Erneute Programmierung des </a:t>
-            </a:r>
-            <a:r>
-              <a:rPr lang="de-DE" dirty="0" err="1"/>
-              <a:t>Backends</a:t>
-            </a:r>
-            <a:r>
-              <a:rPr lang="de-DE" dirty="0"/>
-              <a:t> -&gt; gelöst</a:t>
+              <a:t> Erneute Programmierung des Backends -&gt; gelöst</a:t>
             </a:r>
           </a:p>
           <a:p>
@@ -5059,12 +5043,8 @@
               <a:rPr lang="de-DE" dirty="0"/>
             </a:br>
             <a:r>
-              <a:rPr lang="de-DE" dirty="0" err="1"/>
-              <a:t>Commits</a:t>
-            </a:r>
-            <a:r>
               <a:rPr lang="de-DE" dirty="0"/>
-              <a:t> -&gt; ungelöst</a:t>
+              <a:t>Commits -&gt; ungelöst</a:t>
             </a:r>
           </a:p>
         </p:txBody>
@@ -5163,13 +5143,13 @@
   <p:clrMapOvr>
     <a:masterClrMapping/>
   </p:clrMapOvr>
-  <mc:AlternateContent xmlns:mc="http://schemas.openxmlformats.org/markup-compatibility/2006">
-    <mc:Choice xmlns:p14="http://schemas.microsoft.com/office/powerpoint/2010/main" Requires="p14">
+  <mc:AlternateContent xmlns:mc="http://schemas.openxmlformats.org/markup-compatibility/2006" xmlns:p14="http://schemas.microsoft.com/office/powerpoint/2010/main">
+    <mc:Choice Requires="p14">
       <p:transition spd="med" p14:dur="700">
         <p:fade/>
       </p:transition>
     </mc:Choice>
-    <mc:Fallback>
+    <mc:Fallback xmlns="">
       <p:transition spd="med">
         <p:fade/>
       </p:transition>
@@ -5458,13 +5438,13 @@
   <p:clrMapOvr>
     <a:masterClrMapping/>
   </p:clrMapOvr>
-  <mc:AlternateContent xmlns:mc="http://schemas.openxmlformats.org/markup-compatibility/2006">
-    <mc:Choice xmlns:p14="http://schemas.microsoft.com/office/powerpoint/2010/main" Requires="p14">
+  <mc:AlternateContent xmlns:mc="http://schemas.openxmlformats.org/markup-compatibility/2006" xmlns:p14="http://schemas.microsoft.com/office/powerpoint/2010/main">
+    <mc:Choice Requires="p14">
       <p:transition spd="med" p14:dur="700">
         <p:fade/>
       </p:transition>
     </mc:Choice>
-    <mc:Fallback>
+    <mc:Fallback xmlns="">
       <p:transition spd="med">
         <p:fade/>
       </p:transition>
@@ -5787,21 +5767,8 @@
             </a:pPr>
             <a:r>
               <a:rPr lang="de-DE" dirty="0"/>
-              <a:t> User </a:t>
-            </a:r>
-            <a:r>
-              <a:rPr lang="de-DE" dirty="0" err="1"/>
-              <a:t>login</a:t>
-            </a:r>
-            <a:r>
-              <a:rPr lang="de-DE" dirty="0"/>
-              <a:t>/</a:t>
-            </a:r>
-            <a:r>
-              <a:rPr lang="de-DE" dirty="0" err="1"/>
-              <a:t>regristration</a:t>
-            </a:r>
-            <a:endParaRPr lang="de-DE" dirty="0"/>
+              <a:t> User-Login- und Registrierung</a:t>
+            </a:r>
           </a:p>
           <a:p>
             <a:pPr>
@@ -5810,7 +5777,7 @@
             </a:pPr>
             <a:r>
               <a:rPr lang="de-DE" dirty="0"/>
-              <a:t> Haushalte erstellen und Mitglieder hinzufügen</a:t>
+              <a:t> Familien erstellen und Mitglieder hinzufügen</a:t>
             </a:r>
           </a:p>
           <a:p>
@@ -5820,15 +5787,7 @@
             </a:pPr>
             <a:r>
               <a:rPr lang="de-DE" dirty="0"/>
-              <a:t> </a:t>
-            </a:r>
-            <a:r>
-              <a:rPr lang="de-DE" dirty="0" err="1"/>
-              <a:t>ToDo‘s</a:t>
-            </a:r>
-            <a:r>
-              <a:rPr lang="de-DE" dirty="0"/>
-              <a:t> erstellen und verwalten</a:t>
+              <a:t> ToDo‘s erstellen und verwalten</a:t>
             </a:r>
           </a:p>
           <a:p>
@@ -5955,13 +5914,13 @@
   <p:clrMapOvr>
     <a:masterClrMapping/>
   </p:clrMapOvr>
-  <mc:AlternateContent xmlns:mc="http://schemas.openxmlformats.org/markup-compatibility/2006">
-    <mc:Choice xmlns:p14="http://schemas.microsoft.com/office/powerpoint/2010/main" Requires="p14">
+  <mc:AlternateContent xmlns:mc="http://schemas.openxmlformats.org/markup-compatibility/2006" xmlns:p14="http://schemas.microsoft.com/office/powerpoint/2010/main">
+    <mc:Choice Requires="p14">
       <p:transition spd="med" p14:dur="700">
         <p:fade/>
       </p:transition>
     </mc:Choice>
-    <mc:Fallback>
+    <mc:Fallback xmlns="">
       <p:transition spd="med">
         <p:fade/>
       </p:transition>
@@ -6250,13 +6209,13 @@
   <p:clrMapOvr>
     <a:masterClrMapping/>
   </p:clrMapOvr>
-  <mc:AlternateContent xmlns:mc="http://schemas.openxmlformats.org/markup-compatibility/2006">
-    <mc:Choice xmlns:p14="http://schemas.microsoft.com/office/powerpoint/2010/main" Requires="p14">
+  <mc:AlternateContent xmlns:mc="http://schemas.openxmlformats.org/markup-compatibility/2006" xmlns:p14="http://schemas.microsoft.com/office/powerpoint/2010/main">
+    <mc:Choice Requires="p14">
       <p:transition spd="med" p14:dur="700">
         <p:fade/>
       </p:transition>
     </mc:Choice>
-    <mc:Fallback>
+    <mc:Fallback xmlns="">
       <p:transition spd="med">
         <p:fade/>
       </p:transition>
@@ -6443,7 +6402,7 @@
         </p:blipFill>
         <p:spPr>
           <a:xfrm>
-            <a:off x="20" y="152"/>
+            <a:off x="20" y="19816"/>
             <a:ext cx="12191980" cy="6857848"/>
           </a:xfrm>
           <a:prstGeom prst="rect">
@@ -6545,13 +6504,13 @@
   <p:clrMapOvr>
     <a:masterClrMapping/>
   </p:clrMapOvr>
-  <mc:AlternateContent xmlns:mc="http://schemas.openxmlformats.org/markup-compatibility/2006">
-    <mc:Choice xmlns:p14="http://schemas.microsoft.com/office/powerpoint/2010/main" Requires="p14">
+  <mc:AlternateContent xmlns:mc="http://schemas.openxmlformats.org/markup-compatibility/2006" xmlns:p14="http://schemas.microsoft.com/office/powerpoint/2010/main">
+    <mc:Choice Requires="p14">
       <p:transition spd="med" p14:dur="700">
         <p:fade/>
       </p:transition>
     </mc:Choice>
-    <mc:Fallback>
+    <mc:Fallback xmlns="">
       <p:transition spd="med">
         <p:fade/>
       </p:transition>
@@ -6904,13 +6863,13 @@
   <p:clrMapOvr>
     <a:masterClrMapping/>
   </p:clrMapOvr>
-  <mc:AlternateContent xmlns:mc="http://schemas.openxmlformats.org/markup-compatibility/2006">
-    <mc:Choice xmlns:p14="http://schemas.microsoft.com/office/powerpoint/2010/main" Requires="p14">
+  <mc:AlternateContent xmlns:mc="http://schemas.openxmlformats.org/markup-compatibility/2006" xmlns:p14="http://schemas.microsoft.com/office/powerpoint/2010/main">
+    <mc:Choice Requires="p14">
       <p:transition spd="med" p14:dur="700">
         <p:fade/>
       </p:transition>
     </mc:Choice>
-    <mc:Fallback>
+    <mc:Fallback xmlns="">
       <p:transition spd="med">
         <p:fade/>
       </p:transition>
@@ -7296,13 +7255,13 @@
   <p:clrMapOvr>
     <a:masterClrMapping/>
   </p:clrMapOvr>
-  <mc:AlternateContent xmlns:mc="http://schemas.openxmlformats.org/markup-compatibility/2006">
-    <mc:Choice xmlns:p14="http://schemas.microsoft.com/office/powerpoint/2010/main" Requires="p14">
+  <mc:AlternateContent xmlns:mc="http://schemas.openxmlformats.org/markup-compatibility/2006" xmlns:p14="http://schemas.microsoft.com/office/powerpoint/2010/main">
+    <mc:Choice Requires="p14">
       <p:transition spd="med" p14:dur="700">
         <p:fade/>
       </p:transition>
     </mc:Choice>
-    <mc:Fallback>
+    <mc:Fallback xmlns="">
       <p:transition spd="med">
         <p:fade/>
       </p:transition>
@@ -7643,23 +7602,23 @@
             </a:r>
           </a:p>
           <a:p>
+            <a:pPr>
+              <a:buFont typeface="Arial" panose="020B0604020202020204" pitchFamily="34" charset="0"/>
+              <a:buChar char="•"/>
+            </a:pPr>
+            <a:r>
+              <a:rPr lang="de-DE" dirty="0"/>
+              <a:t>Was könnte verbessert werden? </a:t>
+            </a:r>
+          </a:p>
+          <a:p>
             <a:pPr lvl="1">
               <a:buFont typeface="Arial" panose="020B0604020202020204" pitchFamily="34" charset="0"/>
               <a:buChar char="•"/>
             </a:pPr>
             <a:r>
               <a:rPr lang="de-DE" dirty="0"/>
-              <a:t> Effektive Kommunikation</a:t>
-            </a:r>
-          </a:p>
-          <a:p>
-            <a:pPr>
-              <a:buFont typeface="Arial" panose="020B0604020202020204" pitchFamily="34" charset="0"/>
-              <a:buChar char="•"/>
-            </a:pPr>
-            <a:r>
-              <a:rPr lang="de-DE" dirty="0"/>
-              <a:t> Was könnte verbessert werden? </a:t>
+              <a:t>Zeitmanagement</a:t>
             </a:r>
           </a:p>
           <a:p>
@@ -7669,7 +7628,7 @@
             </a:pPr>
             <a:r>
               <a:rPr lang="de-DE" dirty="0"/>
-              <a:t>Zeitmanagement</a:t>
+              <a:t>Effektive Kommunikation</a:t>
             </a:r>
           </a:p>
           <a:p>
@@ -7808,13 +7767,13 @@
   <p:clrMapOvr>
     <a:masterClrMapping/>
   </p:clrMapOvr>
-  <mc:AlternateContent xmlns:mc="http://schemas.openxmlformats.org/markup-compatibility/2006">
-    <mc:Choice xmlns:p14="http://schemas.microsoft.com/office/powerpoint/2010/main" Requires="p14">
+  <mc:AlternateContent xmlns:mc="http://schemas.openxmlformats.org/markup-compatibility/2006" xmlns:p14="http://schemas.microsoft.com/office/powerpoint/2010/main">
+    <mc:Choice Requires="p14">
       <p:transition spd="med" p14:dur="700">
         <p:fade/>
       </p:transition>
     </mc:Choice>
-    <mc:Fallback>
+    <mc:Fallback xmlns="">
       <p:transition spd="med">
         <p:fade/>
       </p:transition>
@@ -7955,13 +7914,13 @@
   <p:clrMapOvr>
     <a:masterClrMapping/>
   </p:clrMapOvr>
-  <mc:AlternateContent xmlns:mc="http://schemas.openxmlformats.org/markup-compatibility/2006">
-    <mc:Choice xmlns:p14="http://schemas.microsoft.com/office/powerpoint/2010/main" Requires="p14">
+  <mc:AlternateContent xmlns:mc="http://schemas.openxmlformats.org/markup-compatibility/2006" xmlns:p14="http://schemas.microsoft.com/office/powerpoint/2010/main">
+    <mc:Choice Requires="p14">
       <p:transition spd="med" p14:dur="700">
         <p:fade/>
       </p:transition>
     </mc:Choice>
-    <mc:Fallback>
+    <mc:Fallback xmlns="">
       <p:transition spd="med">
         <p:fade/>
       </p:transition>
@@ -8730,13 +8689,13 @@
   <p:clrMapOvr>
     <a:masterClrMapping/>
   </p:clrMapOvr>
-  <mc:AlternateContent xmlns:mc="http://schemas.openxmlformats.org/markup-compatibility/2006">
-    <mc:Choice xmlns:p14="http://schemas.microsoft.com/office/powerpoint/2010/main" Requires="p14">
+  <mc:AlternateContent xmlns:mc="http://schemas.openxmlformats.org/markup-compatibility/2006" xmlns:p14="http://schemas.microsoft.com/office/powerpoint/2010/main">
+    <mc:Choice Requires="p14">
       <p:transition spd="med" p14:dur="700">
         <p:fade/>
       </p:transition>
     </mc:Choice>
-    <mc:Fallback>
+    <mc:Fallback xmlns="">
       <p:transition spd="med">
         <p:fade/>
       </p:transition>
@@ -9083,13 +9042,8 @@
             </a:r>
             <a:r>
               <a:rPr lang="de-DE" dirty="0"/>
-              <a:t>Zu wenig Absprache in manchen </a:t>
-            </a:r>
-            <a:r>
-              <a:rPr lang="de-DE" dirty="0" err="1"/>
-              <a:t>Haushälten</a:t>
-            </a:r>
-            <a:endParaRPr lang="de-DE" dirty="0"/>
+              <a:t>Zu wenig Absprache in manchen Haushalten</a:t>
+            </a:r>
           </a:p>
           <a:p>
             <a:pPr lvl="1">
@@ -9112,15 +9066,7 @@
             </a:pPr>
             <a:r>
               <a:rPr lang="de-DE" dirty="0"/>
-              <a:t> </a:t>
-            </a:r>
-            <a:r>
-              <a:rPr lang="de-DE" dirty="0" err="1"/>
-              <a:t>HomeSphere</a:t>
-            </a:r>
-            <a:r>
-              <a:rPr lang="de-DE" dirty="0"/>
-              <a:t> erleichtert den Alltag im Haushalt</a:t>
+              <a:t> HomeSphere erleichtert den Alltag im Haushalt</a:t>
             </a:r>
           </a:p>
           <a:p>
@@ -9140,7 +9086,7 @@
             </a:pPr>
             <a:r>
               <a:rPr lang="de-DE" dirty="0"/>
-              <a:t> Junge Menschen, die gerade in eigene Wohnung eingezogen sind</a:t>
+              <a:t> Junge Menschen, die kürzlich in ihre eigene Wohnung eingezogen sind</a:t>
             </a:r>
           </a:p>
           <a:p>
@@ -9150,7 +9096,7 @@
             </a:pPr>
             <a:r>
               <a:rPr lang="de-DE" dirty="0"/>
-              <a:t>Wohngemeinschaften (z.B. Studenten)</a:t>
+              <a:t> Wohngemeinschaften (z.B. Studenten)</a:t>
             </a:r>
           </a:p>
         </p:txBody>
@@ -9249,13 +9195,13 @@
   <p:clrMapOvr>
     <a:masterClrMapping/>
   </p:clrMapOvr>
-  <mc:AlternateContent xmlns:mc="http://schemas.openxmlformats.org/markup-compatibility/2006">
-    <mc:Choice xmlns:p14="http://schemas.microsoft.com/office/powerpoint/2010/main" Requires="p14">
+  <mc:AlternateContent xmlns:mc="http://schemas.openxmlformats.org/markup-compatibility/2006" xmlns:p14="http://schemas.microsoft.com/office/powerpoint/2010/main">
+    <mc:Choice Requires="p14">
       <p:transition spd="med" p14:dur="700">
         <p:fade/>
       </p:transition>
     </mc:Choice>
-    <mc:Fallback>
+    <mc:Fallback xmlns="">
       <p:transition spd="med">
         <p:fade/>
       </p:transition>
@@ -9544,13 +9490,13 @@
   <p:clrMapOvr>
     <a:masterClrMapping/>
   </p:clrMapOvr>
-  <mc:AlternateContent xmlns:mc="http://schemas.openxmlformats.org/markup-compatibility/2006">
-    <mc:Choice xmlns:p14="http://schemas.microsoft.com/office/powerpoint/2010/main" Requires="p14">
+  <mc:AlternateContent xmlns:mc="http://schemas.openxmlformats.org/markup-compatibility/2006" xmlns:p14="http://schemas.microsoft.com/office/powerpoint/2010/main">
+    <mc:Choice Requires="p14">
       <p:transition spd="med" p14:dur="700">
         <p:fade/>
       </p:transition>
     </mc:Choice>
-    <mc:Fallback>
+    <mc:Fallback xmlns="">
       <p:transition spd="med">
         <p:fade/>
       </p:transition>
@@ -9873,7 +9819,7 @@
             </a:pPr>
             <a:r>
               <a:rPr lang="de-DE" dirty="0"/>
-              <a:t> Flexibel mit den Funktionen</a:t>
+              <a:t> Flexibilität mit Features</a:t>
             </a:r>
           </a:p>
           <a:p>
@@ -9893,13 +9839,8 @@
             </a:pPr>
             <a:r>
               <a:rPr lang="de-DE" dirty="0"/>
-              <a:t> User Login/</a:t>
-            </a:r>
-            <a:r>
-              <a:rPr lang="de-DE" dirty="0" err="1"/>
-              <a:t>Regristration</a:t>
-            </a:r>
-            <a:endParaRPr lang="de-DE" dirty="0"/>
+              <a:t> User Login/Registration</a:t>
+            </a:r>
           </a:p>
           <a:p>
             <a:pPr lvl="1">
@@ -9908,21 +9849,8 @@
             </a:pPr>
             <a:r>
               <a:rPr lang="de-DE" dirty="0"/>
-              <a:t> Erstellung von </a:t>
-            </a:r>
-            <a:r>
-              <a:rPr lang="de-DE" dirty="0" err="1"/>
-              <a:t>Haushälten</a:t>
-            </a:r>
-            <a:r>
-              <a:rPr lang="de-DE" dirty="0"/>
-              <a:t> und einladen von anderen Usern in diese </a:t>
-            </a:r>
-            <a:r>
-              <a:rPr lang="de-DE" dirty="0" err="1"/>
-              <a:t>Haushälte</a:t>
-            </a:r>
-            <a:endParaRPr lang="de-DE" dirty="0"/>
+              <a:t> Erstellung von Familien und Einladen von anderen Usern in diese Familien</a:t>
+            </a:r>
           </a:p>
           <a:p>
             <a:pPr lvl="1">
@@ -9931,7 +9859,7 @@
             </a:pPr>
             <a:r>
               <a:rPr lang="de-DE" dirty="0"/>
-              <a:t> Einkaufsliste für alle User</a:t>
+              <a:t> ToDo- und Einkaufslisten für Privatpersonen und Familien</a:t>
             </a:r>
           </a:p>
           <a:p>
@@ -9961,7 +9889,7 @@
             </a:pPr>
             <a:r>
               <a:rPr lang="de-DE" dirty="0"/>
-              <a:t> Gut gestaltete Oberfläche mit keinen Missverständnissen</a:t>
+              <a:t> Gut gestaltete- und intuitive Oberfläche</a:t>
             </a:r>
           </a:p>
         </p:txBody>
@@ -10060,13 +9988,13 @@
   <p:clrMapOvr>
     <a:masterClrMapping/>
   </p:clrMapOvr>
-  <mc:AlternateContent xmlns:mc="http://schemas.openxmlformats.org/markup-compatibility/2006">
-    <mc:Choice xmlns:p14="http://schemas.microsoft.com/office/powerpoint/2010/main" Requires="p14">
+  <mc:AlternateContent xmlns:mc="http://schemas.openxmlformats.org/markup-compatibility/2006" xmlns:p14="http://schemas.microsoft.com/office/powerpoint/2010/main">
+    <mc:Choice Requires="p14">
       <p:transition spd="med" p14:dur="700">
         <p:fade/>
       </p:transition>
     </mc:Choice>
-    <mc:Fallback>
+    <mc:Fallback xmlns="">
       <p:transition spd="med">
         <p:fade/>
       </p:transition>
@@ -10355,13 +10283,13 @@
   <p:clrMapOvr>
     <a:masterClrMapping/>
   </p:clrMapOvr>
-  <mc:AlternateContent xmlns:mc="http://schemas.openxmlformats.org/markup-compatibility/2006">
-    <mc:Choice xmlns:p14="http://schemas.microsoft.com/office/powerpoint/2010/main" Requires="p14">
+  <mc:AlternateContent xmlns:mc="http://schemas.openxmlformats.org/markup-compatibility/2006" xmlns:p14="http://schemas.microsoft.com/office/powerpoint/2010/main">
+    <mc:Choice Requires="p14">
       <p:transition spd="med" p14:dur="700">
         <p:fade/>
       </p:transition>
     </mc:Choice>
-    <mc:Fallback>
+    <mc:Fallback xmlns="">
       <p:transition spd="med">
         <p:fade/>
       </p:transition>
@@ -10813,13 +10741,13 @@
   <p:clrMapOvr>
     <a:masterClrMapping/>
   </p:clrMapOvr>
-  <mc:AlternateContent xmlns:mc="http://schemas.openxmlformats.org/markup-compatibility/2006">
-    <mc:Choice xmlns:p14="http://schemas.microsoft.com/office/powerpoint/2010/main" Requires="p14">
+  <mc:AlternateContent xmlns:mc="http://schemas.openxmlformats.org/markup-compatibility/2006" xmlns:p14="http://schemas.microsoft.com/office/powerpoint/2010/main">
+    <mc:Choice Requires="p14">
       <p:transition spd="med" p14:dur="700">
         <p:fade/>
       </p:transition>
     </mc:Choice>
-    <mc:Fallback>
+    <mc:Fallback xmlns="">
       <p:transition spd="med">
         <p:fade/>
       </p:transition>
@@ -11108,13 +11036,13 @@
   <p:clrMapOvr>
     <a:masterClrMapping/>
   </p:clrMapOvr>
-  <mc:AlternateContent xmlns:mc="http://schemas.openxmlformats.org/markup-compatibility/2006">
-    <mc:Choice xmlns:p14="http://schemas.microsoft.com/office/powerpoint/2010/main" Requires="p14">
+  <mc:AlternateContent xmlns:mc="http://schemas.openxmlformats.org/markup-compatibility/2006" xmlns:p14="http://schemas.microsoft.com/office/powerpoint/2010/main">
+    <mc:Choice Requires="p14">
       <p:transition spd="med" p14:dur="700">
         <p:fade/>
       </p:transition>
     </mc:Choice>
-    <mc:Fallback>
+    <mc:Fallback xmlns="">
       <p:transition spd="med">
         <p:fade/>
       </p:transition>

--- a/Project-management/999. Abschlusspräsentation/Abschlusspräsentation 25.02.2025 HomeSphere.pptx
+++ b/Project-management/999. Abschlusspräsentation/Abschlusspräsentation 25.02.2025 HomeSphere.pptx
@@ -142,7 +142,7 @@
   <pc:docChgLst>
     <pc:chgData name="Wörndle Linus" userId="e99df0f2-d3c7-483b-b111-e87b6efc6f80" providerId="ADAL" clId="{6FC34448-27DE-4F46-AB60-9D3B18F64782}"/>
     <pc:docChg chg="undo custSel addSld delSld modSld sldOrd">
-      <pc:chgData name="Wörndle Linus" userId="e99df0f2-d3c7-483b-b111-e87b6efc6f80" providerId="ADAL" clId="{6FC34448-27DE-4F46-AB60-9D3B18F64782}" dt="2025-02-25T20:31:16.064" v="3163"/>
+      <pc:chgData name="Wörndle Linus" userId="e99df0f2-d3c7-483b-b111-e87b6efc6f80" providerId="ADAL" clId="{6FC34448-27DE-4F46-AB60-9D3B18F64782}" dt="2025-02-25T21:54:36.893" v="3194" actId="20577"/>
       <pc:docMkLst>
         <pc:docMk/>
       </pc:docMkLst>
@@ -289,13 +289,13 @@
         </pc:cxnChg>
       </pc:sldChg>
       <pc:sldChg chg="addSp delSp modSp new mod modTransition setBg">
-        <pc:chgData name="Wörndle Linus" userId="e99df0f2-d3c7-483b-b111-e87b6efc6f80" providerId="ADAL" clId="{6FC34448-27DE-4F46-AB60-9D3B18F64782}" dt="2025-02-25T20:31:16.064" v="3163"/>
+        <pc:chgData name="Wörndle Linus" userId="e99df0f2-d3c7-483b-b111-e87b6efc6f80" providerId="ADAL" clId="{6FC34448-27DE-4F46-AB60-9D3B18F64782}" dt="2025-02-25T21:54:36.893" v="3194" actId="20577"/>
         <pc:sldMkLst>
           <pc:docMk/>
           <pc:sldMk cId="3464076384" sldId="258"/>
         </pc:sldMkLst>
         <pc:spChg chg="mod">
-          <ac:chgData name="Wörndle Linus" userId="e99df0f2-d3c7-483b-b111-e87b6efc6f80" providerId="ADAL" clId="{6FC34448-27DE-4F46-AB60-9D3B18F64782}" dt="2025-02-25T14:54:44.228" v="377" actId="404"/>
+          <ac:chgData name="Wörndle Linus" userId="e99df0f2-d3c7-483b-b111-e87b6efc6f80" providerId="ADAL" clId="{6FC34448-27DE-4F46-AB60-9D3B18F64782}" dt="2025-02-25T21:54:36.893" v="3194" actId="20577"/>
           <ac:spMkLst>
             <pc:docMk/>
             <pc:sldMk cId="3464076384" sldId="258"/>
@@ -790,8 +790,8 @@
           </ac:picMkLst>
         </pc:picChg>
       </pc:sldChg>
-      <pc:sldChg chg="addSp modSp new modTransition">
-        <pc:chgData name="Wörndle Linus" userId="e99df0f2-d3c7-483b-b111-e87b6efc6f80" providerId="ADAL" clId="{6FC34448-27DE-4F46-AB60-9D3B18F64782}" dt="2025-02-25T20:31:16.064" v="3163"/>
+      <pc:sldChg chg="addSp modSp new mod modTransition">
+        <pc:chgData name="Wörndle Linus" userId="e99df0f2-d3c7-483b-b111-e87b6efc6f80" providerId="ADAL" clId="{6FC34448-27DE-4F46-AB60-9D3B18F64782}" dt="2025-02-25T21:53:51.608" v="3164" actId="20577"/>
         <pc:sldMkLst>
           <pc:docMk/>
           <pc:sldMk cId="3700679763" sldId="275"/>
@@ -805,7 +805,7 @@
           </ac:spMkLst>
         </pc:spChg>
         <pc:spChg chg="add mod">
-          <ac:chgData name="Wörndle Linus" userId="e99df0f2-d3c7-483b-b111-e87b6efc6f80" providerId="ADAL" clId="{6FC34448-27DE-4F46-AB60-9D3B18F64782}" dt="2025-02-25T20:25:40.149" v="3142"/>
+          <ac:chgData name="Wörndle Linus" userId="e99df0f2-d3c7-483b-b111-e87b6efc6f80" providerId="ADAL" clId="{6FC34448-27DE-4F46-AB60-9D3B18F64782}" dt="2025-02-25T21:53:51.608" v="3164" actId="20577"/>
           <ac:spMkLst>
             <pc:docMk/>
             <pc:sldMk cId="3700679763" sldId="275"/>
@@ -7898,7 +7898,7 @@
             <a:pPr algn="ctr"/>
             <a:r>
               <a:rPr lang="de-DE" dirty="0"/>
-              <a:t>Gerne beantworte wir jetzt Ihre Fragen.</a:t>
+              <a:t>Gerne beantworten wir jetzt Ihre Fragen.</a:t>
             </a:r>
             <a:endParaRPr lang="de-AT" dirty="0"/>
           </a:p>
@@ -8626,7 +8626,7 @@
             <a:pPr algn="ctr"/>
             <a:r>
               <a:rPr lang="de-AT" sz="4400" noProof="0" dirty="0"/>
-              <a:t>EINLEITUNG INS PROJEKT</a:t>
+              <a:t>Einleitung ins Projekt</a:t>
             </a:r>
           </a:p>
         </p:txBody>
